--- a/presentation2.pptx
+++ b/presentation2.pptx
@@ -5,36 +5,39 @@
     <p:sldMasterId id="2147483648" r:id="rId1"/>
   </p:sldMasterIdLst>
   <p:notesMasterIdLst>
-    <p:notesMasterId r:id="rId29"/>
+    <p:notesMasterId r:id="rId32"/>
   </p:notesMasterIdLst>
   <p:sldIdLst>
     <p:sldId id="256" r:id="rId2"/>
     <p:sldId id="306" r:id="rId3"/>
     <p:sldId id="305" r:id="rId4"/>
-    <p:sldId id="298" r:id="rId5"/>
-    <p:sldId id="302" r:id="rId6"/>
+    <p:sldId id="309" r:id="rId5"/>
+    <p:sldId id="314" r:id="rId6"/>
     <p:sldId id="307" r:id="rId7"/>
-    <p:sldId id="257" r:id="rId8"/>
-    <p:sldId id="287" r:id="rId9"/>
-    <p:sldId id="288" r:id="rId10"/>
-    <p:sldId id="299" r:id="rId11"/>
-    <p:sldId id="291" r:id="rId12"/>
-    <p:sldId id="289" r:id="rId13"/>
-    <p:sldId id="292" r:id="rId14"/>
-    <p:sldId id="286" r:id="rId15"/>
-    <p:sldId id="293" r:id="rId16"/>
+    <p:sldId id="287" r:id="rId8"/>
+    <p:sldId id="299" r:id="rId9"/>
+    <p:sldId id="291" r:id="rId10"/>
+    <p:sldId id="289" r:id="rId11"/>
+    <p:sldId id="292" r:id="rId12"/>
+    <p:sldId id="286" r:id="rId13"/>
+    <p:sldId id="293" r:id="rId14"/>
+    <p:sldId id="312" r:id="rId15"/>
+    <p:sldId id="313" r:id="rId16"/>
     <p:sldId id="277" r:id="rId17"/>
-    <p:sldId id="270" r:id="rId18"/>
-    <p:sldId id="267" r:id="rId19"/>
-    <p:sldId id="261" r:id="rId20"/>
-    <p:sldId id="294" r:id="rId21"/>
-    <p:sldId id="295" r:id="rId22"/>
-    <p:sldId id="296" r:id="rId23"/>
-    <p:sldId id="275" r:id="rId24"/>
-    <p:sldId id="297" r:id="rId25"/>
-    <p:sldId id="271" r:id="rId26"/>
-    <p:sldId id="290" r:id="rId27"/>
-    <p:sldId id="303" r:id="rId28"/>
+    <p:sldId id="267" r:id="rId18"/>
+    <p:sldId id="261" r:id="rId19"/>
+    <p:sldId id="294" r:id="rId20"/>
+    <p:sldId id="295" r:id="rId21"/>
+    <p:sldId id="296" r:id="rId22"/>
+    <p:sldId id="297" r:id="rId23"/>
+    <p:sldId id="311" r:id="rId24"/>
+    <p:sldId id="271" r:id="rId25"/>
+    <p:sldId id="275" r:id="rId26"/>
+    <p:sldId id="270" r:id="rId27"/>
+    <p:sldId id="290" r:id="rId28"/>
+    <p:sldId id="303" r:id="rId29"/>
+    <p:sldId id="308" r:id="rId30"/>
+    <p:sldId id="257" r:id="rId31"/>
   </p:sldIdLst>
   <p:sldSz cx="12192000" cy="6858000"/>
   <p:notesSz cx="6858000" cy="9144000"/>
@@ -653,7 +656,181 @@
           <a:p>
             <a:fld id="{290CAE42-BE16-4EF2-A6C9-B57904272379}" type="slidenum">
               <a:rPr lang="en-SG" smtClean="0"/>
-              <a:t>22</a:t>
+              <a:t>19</a:t>
+            </a:fld>
+            <a:endParaRPr lang="en-SG"/>
+          </a:p>
+        </p:txBody>
+      </p:sp>
+    </p:spTree>
+    <p:extLst>
+      <p:ext uri="{BB962C8B-B14F-4D97-AF65-F5344CB8AC3E}">
+        <p14:creationId xmlns:p14="http://schemas.microsoft.com/office/powerpoint/2010/main" val="4114489666"/>
+      </p:ext>
+    </p:extLst>
+  </p:cSld>
+  <p:clrMapOvr>
+    <a:masterClrMapping/>
+  </p:clrMapOvr>
+</p:notes>
+</file>
+
+<file path=ppt/notesSlides/notesSlide11.xml><?xml version="1.0" encoding="utf-8"?>
+<p:notes xmlns:a="http://schemas.openxmlformats.org/drawingml/2006/main" xmlns:r="http://schemas.openxmlformats.org/officeDocument/2006/relationships" xmlns:p="http://schemas.openxmlformats.org/presentationml/2006/main">
+  <p:cSld>
+    <p:spTree>
+      <p:nvGrpSpPr>
+        <p:cNvPr id="1" name=""/>
+        <p:cNvGrpSpPr/>
+        <p:nvPr/>
+      </p:nvGrpSpPr>
+      <p:grpSpPr>
+        <a:xfrm>
+          <a:off x="0" y="0"/>
+          <a:ext cx="0" cy="0"/>
+          <a:chOff x="0" y="0"/>
+          <a:chExt cx="0" cy="0"/>
+        </a:xfrm>
+      </p:grpSpPr>
+      <p:sp>
+        <p:nvSpPr>
+          <p:cNvPr id="2" name="Slide Image Placeholder 1"/>
+          <p:cNvSpPr>
+            <a:spLocks noGrp="1" noRot="1" noChangeAspect="1"/>
+          </p:cNvSpPr>
+          <p:nvPr>
+            <p:ph type="sldImg"/>
+          </p:nvPr>
+        </p:nvSpPr>
+        <p:spPr/>
+      </p:sp>
+      <p:sp>
+        <p:nvSpPr>
+          <p:cNvPr id="3" name="Notes Placeholder 2"/>
+          <p:cNvSpPr>
+            <a:spLocks noGrp="1"/>
+          </p:cNvSpPr>
+          <p:nvPr>
+            <p:ph type="body" idx="1"/>
+          </p:nvPr>
+        </p:nvSpPr>
+        <p:spPr/>
+        <p:txBody>
+          <a:bodyPr/>
+          <a:lstStyle/>
+          <a:p>
+            <a:r>
+              <a:rPr lang="en-SG" dirty="0"/>
+              <a:t>These are mean deviations from FRW predictions</a:t>
+            </a:r>
+          </a:p>
+        </p:txBody>
+      </p:sp>
+      <p:sp>
+        <p:nvSpPr>
+          <p:cNvPr id="4" name="Slide Number Placeholder 3"/>
+          <p:cNvSpPr>
+            <a:spLocks noGrp="1"/>
+          </p:cNvSpPr>
+          <p:nvPr>
+            <p:ph type="sldNum" sz="quarter" idx="10"/>
+          </p:nvPr>
+        </p:nvSpPr>
+        <p:spPr/>
+        <p:txBody>
+          <a:bodyPr/>
+          <a:lstStyle/>
+          <a:p>
+            <a:fld id="{290CAE42-BE16-4EF2-A6C9-B57904272379}" type="slidenum">
+              <a:rPr lang="en-SG" smtClean="0"/>
+              <a:t>20</a:t>
+            </a:fld>
+            <a:endParaRPr lang="en-SG"/>
+          </a:p>
+        </p:txBody>
+      </p:sp>
+    </p:spTree>
+    <p:extLst>
+      <p:ext uri="{BB962C8B-B14F-4D97-AF65-F5344CB8AC3E}">
+        <p14:creationId xmlns:p14="http://schemas.microsoft.com/office/powerpoint/2010/main" val="2163982841"/>
+      </p:ext>
+    </p:extLst>
+  </p:cSld>
+  <p:clrMapOvr>
+    <a:masterClrMapping/>
+  </p:clrMapOvr>
+</p:notes>
+</file>
+
+<file path=ppt/notesSlides/notesSlide12.xml><?xml version="1.0" encoding="utf-8"?>
+<p:notes xmlns:a="http://schemas.openxmlformats.org/drawingml/2006/main" xmlns:r="http://schemas.openxmlformats.org/officeDocument/2006/relationships" xmlns:p="http://schemas.openxmlformats.org/presentationml/2006/main">
+  <p:cSld>
+    <p:spTree>
+      <p:nvGrpSpPr>
+        <p:cNvPr id="1" name=""/>
+        <p:cNvGrpSpPr/>
+        <p:nvPr/>
+      </p:nvGrpSpPr>
+      <p:grpSpPr>
+        <a:xfrm>
+          <a:off x="0" y="0"/>
+          <a:ext cx="0" cy="0"/>
+          <a:chOff x="0" y="0"/>
+          <a:chExt cx="0" cy="0"/>
+        </a:xfrm>
+      </p:grpSpPr>
+      <p:sp>
+        <p:nvSpPr>
+          <p:cNvPr id="2" name="Slide Image Placeholder 1"/>
+          <p:cNvSpPr>
+            <a:spLocks noGrp="1" noRot="1" noChangeAspect="1"/>
+          </p:cNvSpPr>
+          <p:nvPr>
+            <p:ph type="sldImg"/>
+          </p:nvPr>
+        </p:nvSpPr>
+        <p:spPr/>
+      </p:sp>
+      <p:sp>
+        <p:nvSpPr>
+          <p:cNvPr id="3" name="Notes Placeholder 2"/>
+          <p:cNvSpPr>
+            <a:spLocks noGrp="1"/>
+          </p:cNvSpPr>
+          <p:nvPr>
+            <p:ph type="body" idx="1"/>
+          </p:nvPr>
+        </p:nvSpPr>
+        <p:spPr/>
+        <p:txBody>
+          <a:bodyPr/>
+          <a:lstStyle/>
+          <a:p>
+            <a:r>
+              <a:rPr lang="en-SG" dirty="0"/>
+              <a:t>These are mean deviations from FRW predictions</a:t>
+            </a:r>
+          </a:p>
+        </p:txBody>
+      </p:sp>
+      <p:sp>
+        <p:nvSpPr>
+          <p:cNvPr id="4" name="Slide Number Placeholder 3"/>
+          <p:cNvSpPr>
+            <a:spLocks noGrp="1"/>
+          </p:cNvSpPr>
+          <p:nvPr>
+            <p:ph type="sldNum" sz="quarter" idx="10"/>
+          </p:nvPr>
+        </p:nvSpPr>
+        <p:spPr/>
+        <p:txBody>
+          <a:bodyPr/>
+          <a:lstStyle/>
+          <a:p>
+            <a:fld id="{290CAE42-BE16-4EF2-A6C9-B57904272379}" type="slidenum">
+              <a:rPr lang="en-SG" smtClean="0"/>
+              <a:t>21</a:t>
             </a:fld>
             <a:endParaRPr lang="en-SG"/>
           </a:p>
@@ -911,7 +1088,7 @@
           <a:p>
             <a:fld id="{290CAE42-BE16-4EF2-A6C9-B57904272379}" type="slidenum">
               <a:rPr lang="en-SG" smtClean="0"/>
-              <a:t>8</a:t>
+              <a:t>7</a:t>
             </a:fld>
             <a:endParaRPr lang="en-SG"/>
           </a:p>
@@ -995,7 +1172,7 @@
           <a:p>
             <a:fld id="{290CAE42-BE16-4EF2-A6C9-B57904272379}" type="slidenum">
               <a:rPr lang="en-SG" smtClean="0"/>
-              <a:t>12</a:t>
+              <a:t>10</a:t>
             </a:fld>
             <a:endParaRPr lang="en-SG"/>
           </a:p>
@@ -1100,7 +1277,7 @@
           <a:p>
             <a:fld id="{290CAE42-BE16-4EF2-A6C9-B57904272379}" type="slidenum">
               <a:rPr lang="en-SG" smtClean="0"/>
-              <a:t>16</a:t>
+              <a:t>14</a:t>
             </a:fld>
             <a:endParaRPr lang="en-SG"/>
           </a:p>
@@ -1109,7 +1286,7 @@
     </p:spTree>
     <p:extLst>
       <p:ext uri="{BB962C8B-B14F-4D97-AF65-F5344CB8AC3E}">
-        <p14:creationId xmlns:p14="http://schemas.microsoft.com/office/powerpoint/2010/main" val="331687496"/>
+        <p14:creationId xmlns:p14="http://schemas.microsoft.com/office/powerpoint/2010/main" val="1543579214"/>
       </p:ext>
     </p:extLst>
   </p:cSld>
@@ -1163,10 +1340,28 @@
           <a:bodyPr/>
           <a:lstStyle/>
           <a:p>
-            <a:r>
-              <a:rPr lang="en-SG" dirty="0"/>
-              <a:t>These are mean deviations from FRW predictions</a:t>
-            </a:r>
+            <a:pPr marL="0" marR="0" lvl="0" indent="0" algn="l" defTabSz="914400" rtl="0" eaLnBrk="1" fontAlgn="auto" latinLnBrk="0" hangingPunct="1">
+              <a:lnSpc>
+                <a:spcPct val="100000"/>
+              </a:lnSpc>
+              <a:spcBef>
+                <a:spcPts val="0"/>
+              </a:spcBef>
+              <a:spcAft>
+                <a:spcPts val="0"/>
+              </a:spcAft>
+              <a:buClrTx/>
+              <a:buSzTx/>
+              <a:buFontTx/>
+              <a:buNone/>
+              <a:tabLst/>
+              <a:defRPr/>
+            </a:pPr>
+            <a:r>
+              <a:rPr lang="en-US" dirty="0"/>
+              <a:t>At first, this was done numerically as well, but the numerical errors were too big, and we can do it analytically by geometry</a:t>
+            </a:r>
+            <a:endParaRPr lang="en-SG" dirty="0"/>
           </a:p>
         </p:txBody>
       </p:sp>
@@ -1187,7 +1382,7 @@
           <a:p>
             <a:fld id="{290CAE42-BE16-4EF2-A6C9-B57904272379}" type="slidenum">
               <a:rPr lang="en-SG" smtClean="0"/>
-              <a:t>19</a:t>
+              <a:t>15</a:t>
             </a:fld>
             <a:endParaRPr lang="en-SG"/>
           </a:p>
@@ -1196,7 +1391,7 @@
     </p:spTree>
     <p:extLst>
       <p:ext uri="{BB962C8B-B14F-4D97-AF65-F5344CB8AC3E}">
-        <p14:creationId xmlns:p14="http://schemas.microsoft.com/office/powerpoint/2010/main" val="1046253184"/>
+        <p14:creationId xmlns:p14="http://schemas.microsoft.com/office/powerpoint/2010/main" val="168832740"/>
       </p:ext>
     </p:extLst>
   </p:cSld>
@@ -1250,10 +1445,28 @@
           <a:bodyPr/>
           <a:lstStyle/>
           <a:p>
-            <a:r>
-              <a:rPr lang="en-SG" dirty="0"/>
-              <a:t>These are mean deviations from FRW predictions</a:t>
-            </a:r>
+            <a:pPr marL="0" marR="0" lvl="0" indent="0" algn="l" defTabSz="914400" rtl="0" eaLnBrk="1" fontAlgn="auto" latinLnBrk="0" hangingPunct="1">
+              <a:lnSpc>
+                <a:spcPct val="100000"/>
+              </a:lnSpc>
+              <a:spcBef>
+                <a:spcPts val="0"/>
+              </a:spcBef>
+              <a:spcAft>
+                <a:spcPts val="0"/>
+              </a:spcAft>
+              <a:buClrTx/>
+              <a:buSzTx/>
+              <a:buFontTx/>
+              <a:buNone/>
+              <a:tabLst/>
+              <a:defRPr/>
+            </a:pPr>
+            <a:r>
+              <a:rPr lang="en-US" dirty="0"/>
+              <a:t>At first, this was done numerically as well, but the numerical errors were too big, and we can do it analytically by geometry</a:t>
+            </a:r>
+            <a:endParaRPr lang="en-SG" dirty="0"/>
           </a:p>
         </p:txBody>
       </p:sp>
@@ -1274,7 +1487,7 @@
           <a:p>
             <a:fld id="{290CAE42-BE16-4EF2-A6C9-B57904272379}" type="slidenum">
               <a:rPr lang="en-SG" smtClean="0"/>
-              <a:t>20</a:t>
+              <a:t>16</a:t>
             </a:fld>
             <a:endParaRPr lang="en-SG"/>
           </a:p>
@@ -1283,7 +1496,7 @@
     </p:spTree>
     <p:extLst>
       <p:ext uri="{BB962C8B-B14F-4D97-AF65-F5344CB8AC3E}">
-        <p14:creationId xmlns:p14="http://schemas.microsoft.com/office/powerpoint/2010/main" val="4114489666"/>
+        <p14:creationId xmlns:p14="http://schemas.microsoft.com/office/powerpoint/2010/main" val="331687496"/>
       </p:ext>
     </p:extLst>
   </p:cSld>
@@ -1361,7 +1574,7 @@
           <a:p>
             <a:fld id="{290CAE42-BE16-4EF2-A6C9-B57904272379}" type="slidenum">
               <a:rPr lang="en-SG" smtClean="0"/>
-              <a:t>21</a:t>
+              <a:t>18</a:t>
             </a:fld>
             <a:endParaRPr lang="en-SG"/>
           </a:p>
@@ -1370,7 +1583,7 @@
     </p:spTree>
     <p:extLst>
       <p:ext uri="{BB962C8B-B14F-4D97-AF65-F5344CB8AC3E}">
-        <p14:creationId xmlns:p14="http://schemas.microsoft.com/office/powerpoint/2010/main" val="2163982841"/>
+        <p14:creationId xmlns:p14="http://schemas.microsoft.com/office/powerpoint/2010/main" val="1046253184"/>
       </p:ext>
     </p:extLst>
   </p:cSld>
@@ -4708,7 +4921,7 @@
           <p:cNvPr id="2" name="Title 1">
             <a:extLst>
               <a:ext uri="{FF2B5EF4-FFF2-40B4-BE49-F238E27FC236}">
-                <a16:creationId xmlns:a16="http://schemas.microsoft.com/office/drawing/2014/main" id="{20EEA7C6-3E21-4547-B30D-B3A178C59549}"/>
+                <a16:creationId xmlns:a16="http://schemas.microsoft.com/office/drawing/2014/main" id="{FA5AD027-E320-4806-AE9C-208B8D86BD36}"/>
               </a:ext>
             </a:extLst>
           </p:cNvPr>
@@ -4733,10 +4946,10 @@
       </p:sp>
       <p:sp>
         <p:nvSpPr>
-          <p:cNvPr id="4" name="Rectangle 3">
-            <a:extLst>
-              <a:ext uri="{FF2B5EF4-FFF2-40B4-BE49-F238E27FC236}">
-                <a16:creationId xmlns:a16="http://schemas.microsoft.com/office/drawing/2014/main" id="{6CF6EC79-EF9C-4E55-8F11-D1555B48FE72}"/>
+          <p:cNvPr id="7" name="Rectangle: Rounded Corners 6">
+            <a:extLst>
+              <a:ext uri="{FF2B5EF4-FFF2-40B4-BE49-F238E27FC236}">
+                <a16:creationId xmlns:a16="http://schemas.microsoft.com/office/drawing/2014/main" id="{3A42DE37-43FA-4A4F-80A6-D47C4DA2C0CA}"/>
               </a:ext>
             </a:extLst>
           </p:cNvPr>
@@ -4745,186 +4958,159 @@
         </p:nvSpPr>
         <p:spPr>
           <a:xfrm>
-            <a:off x="1963838" y="2080749"/>
-            <a:ext cx="8264324" cy="3478192"/>
-          </a:xfrm>
-          <a:prstGeom prst="rect">
-            <a:avLst/>
-          </a:prstGeom>
-          <a:solidFill>
-            <a:schemeClr val="accent4">
-              <a:lumMod val="40000"/>
-              <a:lumOff val="60000"/>
-            </a:schemeClr>
-          </a:solidFill>
-          <a:ln>
-            <a:noFill/>
-          </a:ln>
-        </p:spPr>
-        <p:style>
-          <a:lnRef idx="2">
-            <a:schemeClr val="accent1">
-              <a:shade val="50000"/>
-            </a:schemeClr>
-          </a:lnRef>
-          <a:fillRef idx="1">
-            <a:schemeClr val="accent1"/>
-          </a:fillRef>
-          <a:effectRef idx="0">
-            <a:schemeClr val="accent1"/>
-          </a:effectRef>
-          <a:fontRef idx="minor">
-            <a:schemeClr val="lt1"/>
-          </a:fontRef>
-        </p:style>
-        <p:txBody>
-          <a:bodyPr rtlCol="0" anchor="ctr"/>
-          <a:lstStyle/>
-          <a:p>
-            <a:pPr algn="ctr"/>
-            <a:endParaRPr lang="en-SG" dirty="0"/>
-          </a:p>
-        </p:txBody>
-      </p:sp>
-      <p:sp>
-        <p:nvSpPr>
-          <p:cNvPr id="5" name="Oval 4">
-            <a:extLst>
-              <a:ext uri="{FF2B5EF4-FFF2-40B4-BE49-F238E27FC236}">
-                <a16:creationId xmlns:a16="http://schemas.microsoft.com/office/drawing/2014/main" id="{B006D23E-A96C-47B0-93F1-3C4E44FE80F7}"/>
-              </a:ext>
-            </a:extLst>
-          </p:cNvPr>
-          <p:cNvSpPr/>
-          <p:nvPr/>
-        </p:nvSpPr>
-        <p:spPr>
-          <a:xfrm>
-            <a:off x="5181600" y="2876387"/>
-            <a:ext cx="1828800" cy="1828800"/>
-          </a:xfrm>
-          <a:prstGeom prst="ellipse">
-            <a:avLst/>
-          </a:prstGeom>
-          <a:solidFill>
-            <a:schemeClr val="bg1"/>
-          </a:solidFill>
-          <a:ln>
-            <a:noFill/>
-            <a:prstDash val="dash"/>
-          </a:ln>
-        </p:spPr>
-        <p:style>
-          <a:lnRef idx="2">
-            <a:schemeClr val="accent1">
-              <a:shade val="50000"/>
-            </a:schemeClr>
-          </a:lnRef>
-          <a:fillRef idx="1">
-            <a:schemeClr val="accent1"/>
-          </a:fillRef>
-          <a:effectRef idx="0">
-            <a:schemeClr val="accent1"/>
-          </a:effectRef>
-          <a:fontRef idx="minor">
-            <a:schemeClr val="lt1"/>
-          </a:fontRef>
-        </p:style>
-        <p:txBody>
-          <a:bodyPr rtlCol="0" anchor="ctr"/>
-          <a:lstStyle/>
-          <a:p>
-            <a:pPr algn="ctr"/>
-            <a:endParaRPr lang="en-SG" dirty="0"/>
-          </a:p>
-        </p:txBody>
-      </p:sp>
-      <p:sp>
-        <p:nvSpPr>
-          <p:cNvPr id="6" name="Oval 5">
-            <a:extLst>
-              <a:ext uri="{FF2B5EF4-FFF2-40B4-BE49-F238E27FC236}">
-                <a16:creationId xmlns:a16="http://schemas.microsoft.com/office/drawing/2014/main" id="{51FE57FA-000F-4F7A-B26F-FFCDF21F3AF2}"/>
-              </a:ext>
-            </a:extLst>
-          </p:cNvPr>
-          <p:cNvSpPr/>
-          <p:nvPr/>
-        </p:nvSpPr>
-        <p:spPr>
-          <a:xfrm>
-            <a:off x="6095035" y="3764261"/>
-            <a:ext cx="53052" cy="53052"/>
-          </a:xfrm>
-          <a:prstGeom prst="ellipse">
-            <a:avLst/>
-          </a:prstGeom>
-          <a:ln>
-            <a:noFill/>
-          </a:ln>
-        </p:spPr>
-        <p:style>
-          <a:lnRef idx="2">
-            <a:schemeClr val="dk1">
-              <a:shade val="50000"/>
-            </a:schemeClr>
-          </a:lnRef>
-          <a:fillRef idx="1">
-            <a:schemeClr val="dk1"/>
-          </a:fillRef>
-          <a:effectRef idx="0">
-            <a:schemeClr val="dk1"/>
-          </a:effectRef>
-          <a:fontRef idx="minor">
-            <a:schemeClr val="lt1"/>
-          </a:fontRef>
-        </p:style>
-        <p:txBody>
-          <a:bodyPr rtlCol="0" anchor="ctr"/>
-          <a:lstStyle/>
-          <a:p>
-            <a:pPr algn="ctr"/>
-            <a:endParaRPr lang="en-SG"/>
-          </a:p>
-        </p:txBody>
-      </p:sp>
-      <p:cxnSp>
-        <p:nvCxnSpPr>
-          <p:cNvPr id="11" name="Straight Connector 10">
-            <a:extLst>
-              <a:ext uri="{FF2B5EF4-FFF2-40B4-BE49-F238E27FC236}">
-                <a16:creationId xmlns:a16="http://schemas.microsoft.com/office/drawing/2014/main" id="{D61B57EE-4A89-4D39-BAFE-71BB1655BBED}"/>
-              </a:ext>
-            </a:extLst>
-          </p:cNvPr>
-          <p:cNvCxnSpPr>
-            <a:cxnSpLocks/>
-          </p:cNvCxnSpPr>
-          <p:nvPr/>
-        </p:nvCxnSpPr>
-        <p:spPr>
-          <a:xfrm flipV="1">
-            <a:off x="2609610" y="3261245"/>
-            <a:ext cx="2737413" cy="529542"/>
-          </a:xfrm>
-          <a:prstGeom prst="line">
+            <a:off x="2008207" y="3443469"/>
+            <a:ext cx="1620456" cy="749461"/>
+          </a:xfrm>
+          <a:prstGeom prst="roundRect">
             <a:avLst/>
           </a:prstGeom>
           <a:ln w="28575">
             <a:solidFill>
-              <a:schemeClr val="tx1"/>
+              <a:schemeClr val="bg2"/>
             </a:solidFill>
           </a:ln>
         </p:spPr>
         <p:style>
-          <a:lnRef idx="1">
-            <a:schemeClr val="accent1"/>
+          <a:lnRef idx="2">
+            <a:schemeClr val="accent5"/>
+          </a:lnRef>
+          <a:fillRef idx="1">
+            <a:schemeClr val="lt1"/>
+          </a:fillRef>
+          <a:effectRef idx="0">
+            <a:schemeClr val="accent5"/>
+          </a:effectRef>
+          <a:fontRef idx="minor">
+            <a:schemeClr val="dk1"/>
+          </a:fontRef>
+        </p:style>
+        <p:txBody>
+          <a:bodyPr rtlCol="0" anchor="ctr"/>
+          <a:lstStyle/>
+          <a:p>
+            <a:pPr algn="ctr"/>
+            <a:r>
+              <a:rPr lang="en-SG" b="1" dirty="0">
+                <a:solidFill>
+                  <a:schemeClr val="bg2"/>
+                </a:solidFill>
+              </a:rPr>
+              <a:t>2. Kottler </a:t>
+            </a:r>
+            <a:r>
+              <a:rPr lang="en-SG" dirty="0">
+                <a:solidFill>
+                  <a:schemeClr val="bg2"/>
+                </a:solidFill>
+              </a:rPr>
+              <a:t>(hole)</a:t>
+            </a:r>
+          </a:p>
+        </p:txBody>
+      </p:sp>
+      <p:sp>
+        <p:nvSpPr>
+          <p:cNvPr id="9" name="Rectangle: Rounded Corners 8">
+            <a:extLst>
+              <a:ext uri="{FF2B5EF4-FFF2-40B4-BE49-F238E27FC236}">
+                <a16:creationId xmlns:a16="http://schemas.microsoft.com/office/drawing/2014/main" id="{88E786E7-C1DB-42A2-9417-015A4639C0AA}"/>
+              </a:ext>
+            </a:extLst>
+          </p:cNvPr>
+          <p:cNvSpPr/>
+          <p:nvPr/>
+        </p:nvSpPr>
+        <p:spPr>
+          <a:xfrm>
+            <a:off x="2008207" y="4971328"/>
+            <a:ext cx="1620456" cy="749461"/>
+          </a:xfrm>
+          <a:prstGeom prst="roundRect">
+            <a:avLst/>
+          </a:prstGeom>
+          <a:ln w="28575">
+            <a:solidFill>
+              <a:schemeClr val="accent5"/>
+            </a:solidFill>
+          </a:ln>
+        </p:spPr>
+        <p:style>
+          <a:lnRef idx="2">
+            <a:schemeClr val="accent5"/>
+          </a:lnRef>
+          <a:fillRef idx="1">
+            <a:schemeClr val="lt1"/>
+          </a:fillRef>
+          <a:effectRef idx="0">
+            <a:schemeClr val="accent5"/>
+          </a:effectRef>
+          <a:fontRef idx="minor">
+            <a:schemeClr val="dk1"/>
+          </a:fontRef>
+        </p:style>
+        <p:txBody>
+          <a:bodyPr rtlCol="0" anchor="ctr"/>
+          <a:lstStyle/>
+          <a:p>
+            <a:pPr algn="ctr"/>
+            <a:r>
+              <a:rPr lang="en-SG" b="1" dirty="0">
+                <a:solidFill>
+                  <a:schemeClr val="tx1"/>
+                </a:solidFill>
+              </a:rPr>
+              <a:t>3. FRW </a:t>
+            </a:r>
+            <a:r>
+              <a:rPr lang="en-SG" dirty="0">
+                <a:solidFill>
+                  <a:schemeClr val="tx1"/>
+                </a:solidFill>
+              </a:rPr>
+              <a:t>(cheese)</a:t>
+            </a:r>
+          </a:p>
+        </p:txBody>
+      </p:sp>
+      <p:cxnSp>
+        <p:nvCxnSpPr>
+          <p:cNvPr id="12" name="Straight Arrow Connector 11">
+            <a:extLst>
+              <a:ext uri="{FF2B5EF4-FFF2-40B4-BE49-F238E27FC236}">
+                <a16:creationId xmlns:a16="http://schemas.microsoft.com/office/drawing/2014/main" id="{4D584F6B-602E-40BF-90F9-B0D4C282FE40}"/>
+              </a:ext>
+            </a:extLst>
+          </p:cNvPr>
+          <p:cNvCxnSpPr>
+            <a:stCxn id="4" idx="2"/>
+            <a:endCxn id="7" idx="0"/>
+          </p:cNvCxnSpPr>
+          <p:nvPr/>
+        </p:nvCxnSpPr>
+        <p:spPr>
+          <a:xfrm>
+            <a:off x="2818435" y="2665071"/>
+            <a:ext cx="0" cy="778398"/>
+          </a:xfrm>
+          <a:prstGeom prst="straightConnector1">
+            <a:avLst/>
+          </a:prstGeom>
+          <a:ln w="28575">
+            <a:solidFill>
+              <a:schemeClr val="bg2"/>
+            </a:solidFill>
+            <a:tailEnd type="triangle"/>
+          </a:ln>
+        </p:spPr>
+        <p:style>
+          <a:lnRef idx="3">
+            <a:schemeClr val="accent5"/>
           </a:lnRef>
           <a:fillRef idx="0">
-            <a:schemeClr val="accent1"/>
+            <a:schemeClr val="accent5"/>
           </a:fillRef>
-          <a:effectRef idx="0">
-            <a:schemeClr val="accent1"/>
+          <a:effectRef idx="2">
+            <a:schemeClr val="accent5"/>
           </a:effectRef>
           <a:fontRef idx="minor">
             <a:schemeClr val="tx1"/>
@@ -4933,42 +5119,43 @@
       </p:cxnSp>
       <p:cxnSp>
         <p:nvCxnSpPr>
-          <p:cNvPr id="29" name="Straight Connector 28">
-            <a:extLst>
-              <a:ext uri="{FF2B5EF4-FFF2-40B4-BE49-F238E27FC236}">
-                <a16:creationId xmlns:a16="http://schemas.microsoft.com/office/drawing/2014/main" id="{49392F14-D4B4-402F-9FB4-0A720D44038F}"/>
+          <p:cNvPr id="14" name="Straight Arrow Connector 13">
+            <a:extLst>
+              <a:ext uri="{FF2B5EF4-FFF2-40B4-BE49-F238E27FC236}">
+                <a16:creationId xmlns:a16="http://schemas.microsoft.com/office/drawing/2014/main" id="{3F732064-553F-461A-A1A5-EF33A6B2AB08}"/>
               </a:ext>
             </a:extLst>
           </p:cNvPr>
           <p:cNvCxnSpPr>
-            <a:cxnSpLocks/>
-            <a:stCxn id="27" idx="2"/>
+            <a:stCxn id="7" idx="2"/>
+            <a:endCxn id="9" idx="0"/>
           </p:cNvCxnSpPr>
           <p:nvPr/>
         </p:nvCxnSpPr>
         <p:spPr>
           <a:xfrm>
-            <a:off x="6913705" y="3394230"/>
-            <a:ext cx="1830487" cy="544134"/>
-          </a:xfrm>
-          <a:prstGeom prst="line">
+            <a:off x="2818435" y="4192930"/>
+            <a:ext cx="0" cy="778398"/>
+          </a:xfrm>
+          <a:prstGeom prst="straightConnector1">
             <a:avLst/>
           </a:prstGeom>
           <a:ln w="28575">
             <a:solidFill>
-              <a:schemeClr val="tx1"/>
+              <a:schemeClr val="bg2"/>
             </a:solidFill>
+            <a:tailEnd type="triangle"/>
           </a:ln>
         </p:spPr>
         <p:style>
-          <a:lnRef idx="1">
-            <a:schemeClr val="accent1"/>
+          <a:lnRef idx="3">
+            <a:schemeClr val="accent5"/>
           </a:lnRef>
           <a:fillRef idx="0">
-            <a:schemeClr val="accent1"/>
+            <a:schemeClr val="accent5"/>
           </a:fillRef>
-          <a:effectRef idx="0">
-            <a:schemeClr val="accent1"/>
+          <a:effectRef idx="2">
+            <a:schemeClr val="accent5"/>
           </a:effectRef>
           <a:fontRef idx="minor">
             <a:schemeClr val="tx1"/>
@@ -4977,157 +5164,10 @@
       </p:cxnSp>
       <p:sp>
         <p:nvSpPr>
-          <p:cNvPr id="27" name="Freeform: Shape 26">
-            <a:extLst>
-              <a:ext uri="{FF2B5EF4-FFF2-40B4-BE49-F238E27FC236}">
-                <a16:creationId xmlns:a16="http://schemas.microsoft.com/office/drawing/2014/main" id="{579F3F4C-E473-431C-BB72-9E1848922E2E}"/>
-              </a:ext>
-            </a:extLst>
-          </p:cNvPr>
-          <p:cNvSpPr/>
-          <p:nvPr/>
-        </p:nvSpPr>
-        <p:spPr>
-          <a:xfrm>
-            <a:off x="5339548" y="3163643"/>
-            <a:ext cx="1603094" cy="230587"/>
-          </a:xfrm>
-          <a:custGeom>
-            <a:avLst/>
-            <a:gdLst>
-              <a:gd name="connsiteX0" fmla="*/ 0 w 1603094"/>
-              <a:gd name="connsiteY0" fmla="*/ 97478 h 230587"/>
-              <a:gd name="connsiteX1" fmla="*/ 740780 w 1603094"/>
-              <a:gd name="connsiteY1" fmla="*/ 4880 h 230587"/>
-              <a:gd name="connsiteX2" fmla="*/ 1574157 w 1603094"/>
-              <a:gd name="connsiteY2" fmla="*/ 230587 h 230587"/>
-              <a:gd name="connsiteX3" fmla="*/ 1574157 w 1603094"/>
-              <a:gd name="connsiteY3" fmla="*/ 230587 h 230587"/>
-              <a:gd name="connsiteX4" fmla="*/ 1603094 w 1603094"/>
-              <a:gd name="connsiteY4" fmla="*/ 230587 h 230587"/>
-            </a:gdLst>
-            <a:ahLst/>
-            <a:cxnLst>
-              <a:cxn ang="0">
-                <a:pos x="connsiteX0" y="connsiteY0"/>
-              </a:cxn>
-              <a:cxn ang="0">
-                <a:pos x="connsiteX1" y="connsiteY1"/>
-              </a:cxn>
-              <a:cxn ang="0">
-                <a:pos x="connsiteX2" y="connsiteY2"/>
-              </a:cxn>
-              <a:cxn ang="0">
-                <a:pos x="connsiteX3" y="connsiteY3"/>
-              </a:cxn>
-              <a:cxn ang="0">
-                <a:pos x="connsiteX4" y="connsiteY4"/>
-              </a:cxn>
-            </a:cxnLst>
-            <a:rect l="l" t="t" r="r" b="b"/>
-            <a:pathLst>
-              <a:path w="1603094" h="230587">
-                <a:moveTo>
-                  <a:pt x="0" y="97478"/>
-                </a:moveTo>
-                <a:cubicBezTo>
-                  <a:pt x="239210" y="40086"/>
-                  <a:pt x="478421" y="-17305"/>
-                  <a:pt x="740780" y="4880"/>
-                </a:cubicBezTo>
-                <a:cubicBezTo>
-                  <a:pt x="1003140" y="27065"/>
-                  <a:pt x="1574157" y="230587"/>
-                  <a:pt x="1574157" y="230587"/>
-                </a:cubicBezTo>
-                <a:lnTo>
-                  <a:pt x="1574157" y="230587"/>
-                </a:lnTo>
-                <a:lnTo>
-                  <a:pt x="1603094" y="230587"/>
-                </a:lnTo>
-              </a:path>
-            </a:pathLst>
-          </a:custGeom>
-          <a:noFill/>
-          <a:ln w="28575">
-            <a:solidFill>
-              <a:schemeClr val="tx1"/>
-            </a:solidFill>
-          </a:ln>
-        </p:spPr>
-        <p:style>
-          <a:lnRef idx="2">
-            <a:schemeClr val="accent1">
-              <a:shade val="50000"/>
-            </a:schemeClr>
-          </a:lnRef>
-          <a:fillRef idx="1">
-            <a:schemeClr val="accent1"/>
-          </a:fillRef>
-          <a:effectRef idx="0">
-            <a:schemeClr val="accent1"/>
-          </a:effectRef>
-          <a:fontRef idx="minor">
-            <a:schemeClr val="lt1"/>
-          </a:fontRef>
-        </p:style>
-        <p:txBody>
-          <a:bodyPr rtlCol="0" anchor="ctr"/>
-          <a:lstStyle/>
-          <a:p>
-            <a:pPr algn="ctr"/>
-            <a:endParaRPr lang="en-SG" dirty="0"/>
-          </a:p>
-        </p:txBody>
-      </p:sp>
-      <p:cxnSp>
-        <p:nvCxnSpPr>
-          <p:cNvPr id="51" name="Straight Arrow Connector 50">
-            <a:extLst>
-              <a:ext uri="{FF2B5EF4-FFF2-40B4-BE49-F238E27FC236}">
-                <a16:creationId xmlns:a16="http://schemas.microsoft.com/office/drawing/2014/main" id="{D666B940-41FE-4D4B-BEDD-873826A6CB17}"/>
-              </a:ext>
-            </a:extLst>
-          </p:cNvPr>
-          <p:cNvCxnSpPr>
-            <a:cxnSpLocks/>
-          </p:cNvCxnSpPr>
-          <p:nvPr/>
-        </p:nvCxnSpPr>
-        <p:spPr>
-          <a:xfrm flipV="1">
-            <a:off x="4443379" y="3546798"/>
-            <a:ext cx="561980" cy="119499"/>
-          </a:xfrm>
-          <a:prstGeom prst="straightConnector1">
-            <a:avLst/>
-          </a:prstGeom>
-          <a:ln w="28575">
-            <a:tailEnd type="triangle"/>
-          </a:ln>
-        </p:spPr>
-        <p:style>
-          <a:lnRef idx="3">
-            <a:schemeClr val="accent3"/>
-          </a:lnRef>
-          <a:fillRef idx="0">
-            <a:schemeClr val="accent3"/>
-          </a:fillRef>
-          <a:effectRef idx="2">
-            <a:schemeClr val="accent3"/>
-          </a:effectRef>
-          <a:fontRef idx="minor">
-            <a:schemeClr val="tx1"/>
-          </a:fontRef>
-        </p:style>
-      </p:cxnSp>
-      <p:sp>
-        <p:nvSpPr>
-          <p:cNvPr id="53" name="TextBox 52">
-            <a:extLst>
-              <a:ext uri="{FF2B5EF4-FFF2-40B4-BE49-F238E27FC236}">
-                <a16:creationId xmlns:a16="http://schemas.microsoft.com/office/drawing/2014/main" id="{DAAC4634-D594-4102-9A7A-EBACEF133004}"/>
+          <p:cNvPr id="8" name="TextBox 7">
+            <a:extLst>
+              <a:ext uri="{FF2B5EF4-FFF2-40B4-BE49-F238E27FC236}">
+                <a16:creationId xmlns:a16="http://schemas.microsoft.com/office/drawing/2014/main" id="{2FC6252B-9F82-4A53-A4DC-DF3CAEE93C6C}"/>
               </a:ext>
             </a:extLst>
           </p:cNvPr>
@@ -5135,9 +5175,9 @@
           <p:nvPr/>
         </p:nvSpPr>
         <p:spPr>
-          <a:xfrm rot="21010353">
-            <a:off x="2982140" y="3621509"/>
-            <a:ext cx="1828799" cy="338554"/>
+          <a:xfrm>
+            <a:off x="4617334" y="1696079"/>
+            <a:ext cx="5340858" cy="461665"/>
           </a:xfrm>
           <a:prstGeom prst="rect">
             <a:avLst/>
@@ -5151,24 +5191,230 @@
           <a:lstStyle/>
           <a:p>
             <a:r>
-              <a:rPr lang="en-SG" sz="1600" dirty="0">
-                <a:solidFill>
-                  <a:schemeClr val="bg2">
-                    <a:lumMod val="50000"/>
-                  </a:schemeClr>
-                </a:solidFill>
-              </a:rPr>
-              <a:t>our calculations</a:t>
-            </a:r>
-          </a:p>
-        </p:txBody>
-      </p:sp>
-      <p:sp>
-        <p:nvSpPr>
-          <p:cNvPr id="55" name="TextBox 54">
-            <a:extLst>
-              <a:ext uri="{FF2B5EF4-FFF2-40B4-BE49-F238E27FC236}">
-                <a16:creationId xmlns:a16="http://schemas.microsoft.com/office/drawing/2014/main" id="{37D4C96D-63CA-4B54-97F4-2792F8C163F0}"/>
+              <a:rPr lang="en-SG" sz="2400" b="1" dirty="0"/>
+              <a:t>Friedmann-Robertson-Walker metric</a:t>
+            </a:r>
+            <a:endParaRPr lang="en-SG" sz="2400" dirty="0">
+              <a:latin typeface="Latin Modern Math" panose="02000503000000000000" pitchFamily="50" charset="0"/>
+              <a:ea typeface="Latin Modern Math" panose="02000503000000000000" pitchFamily="50" charset="0"/>
+            </a:endParaRPr>
+          </a:p>
+        </p:txBody>
+      </p:sp>
+      <p:pic>
+        <p:nvPicPr>
+          <p:cNvPr id="10" name="Graphic 9">
+            <a:extLst>
+              <a:ext uri="{FF2B5EF4-FFF2-40B4-BE49-F238E27FC236}">
+                <a16:creationId xmlns:a16="http://schemas.microsoft.com/office/drawing/2014/main" id="{9C5BCF48-9C17-4107-A008-9DBD8DDFF862}"/>
+              </a:ext>
+            </a:extLst>
+          </p:cNvPr>
+          <p:cNvPicPr>
+            <a:picLocks noChangeAspect="1"/>
+          </p:cNvPicPr>
+          <p:nvPr/>
+        </p:nvPicPr>
+        <p:blipFill>
+          <a:blip r:embed="rId3">
+            <a:extLst>
+              <a:ext uri="{28A0092B-C50C-407E-A947-70E740481C1C}">
+                <a14:useLocalDpi xmlns:a14="http://schemas.microsoft.com/office/drawing/2010/main" val="0"/>
+              </a:ext>
+              <a:ext uri="{96DAC541-7B7A-43D3-8B79-37D633B846F1}">
+                <asvg:svgBlip xmlns:asvg="http://schemas.microsoft.com/office/drawing/2016/SVG/main" r:embed="rId4"/>
+              </a:ext>
+            </a:extLst>
+          </a:blip>
+          <a:stretch>
+            <a:fillRect/>
+          </a:stretch>
+        </p:blipFill>
+        <p:spPr>
+          <a:xfrm>
+            <a:off x="4710655" y="2243680"/>
+            <a:ext cx="6057900" cy="723900"/>
+          </a:xfrm>
+          <a:prstGeom prst="rect">
+            <a:avLst/>
+          </a:prstGeom>
+        </p:spPr>
+      </p:pic>
+      <p:sp>
+        <p:nvSpPr>
+          <p:cNvPr id="4" name="Rectangle: Rounded Corners 3">
+            <a:extLst>
+              <a:ext uri="{FF2B5EF4-FFF2-40B4-BE49-F238E27FC236}">
+                <a16:creationId xmlns:a16="http://schemas.microsoft.com/office/drawing/2014/main" id="{40631C33-2486-47B6-BC73-BF70477A2511}"/>
+              </a:ext>
+            </a:extLst>
+          </p:cNvPr>
+          <p:cNvSpPr/>
+          <p:nvPr/>
+        </p:nvSpPr>
+        <p:spPr>
+          <a:xfrm>
+            <a:off x="2008207" y="1915610"/>
+            <a:ext cx="1620456" cy="749461"/>
+          </a:xfrm>
+          <a:prstGeom prst="roundRect">
+            <a:avLst/>
+          </a:prstGeom>
+          <a:ln w="28575"/>
+        </p:spPr>
+        <p:style>
+          <a:lnRef idx="2">
+            <a:schemeClr val="accent5"/>
+          </a:lnRef>
+          <a:fillRef idx="1">
+            <a:schemeClr val="lt1"/>
+          </a:fillRef>
+          <a:effectRef idx="0">
+            <a:schemeClr val="accent5"/>
+          </a:effectRef>
+          <a:fontRef idx="minor">
+            <a:schemeClr val="dk1"/>
+          </a:fontRef>
+        </p:style>
+        <p:txBody>
+          <a:bodyPr rtlCol="0" anchor="ctr"/>
+          <a:lstStyle/>
+          <a:p>
+            <a:pPr algn="ctr"/>
+            <a:r>
+              <a:rPr lang="en-SG" b="1" dirty="0"/>
+              <a:t>1. FRW </a:t>
+            </a:r>
+            <a:r>
+              <a:rPr lang="en-SG" dirty="0"/>
+              <a:t>(cheese)</a:t>
+            </a:r>
+          </a:p>
+        </p:txBody>
+      </p:sp>
+      <p:pic>
+        <p:nvPicPr>
+          <p:cNvPr id="11" name="Graphic 10">
+            <a:extLst>
+              <a:ext uri="{FF2B5EF4-FFF2-40B4-BE49-F238E27FC236}">
+                <a16:creationId xmlns:a16="http://schemas.microsoft.com/office/drawing/2014/main" id="{92A980FB-70FC-4720-BE79-D7C2D17D9972}"/>
+              </a:ext>
+            </a:extLst>
+          </p:cNvPr>
+          <p:cNvPicPr>
+            <a:picLocks noChangeAspect="1"/>
+          </p:cNvPicPr>
+          <p:nvPr/>
+        </p:nvPicPr>
+        <p:blipFill>
+          <a:blip r:embed="rId5">
+            <a:extLst>
+              <a:ext uri="{28A0092B-C50C-407E-A947-70E740481C1C}">
+                <a14:useLocalDpi xmlns:a14="http://schemas.microsoft.com/office/drawing/2010/main" val="0"/>
+              </a:ext>
+              <a:ext uri="{96DAC541-7B7A-43D3-8B79-37D633B846F1}">
+                <asvg:svgBlip xmlns:asvg="http://schemas.microsoft.com/office/drawing/2016/SVG/main" r:embed="rId6"/>
+              </a:ext>
+            </a:extLst>
+          </a:blip>
+          <a:stretch>
+            <a:fillRect/>
+          </a:stretch>
+        </p:blipFill>
+        <p:spPr>
+          <a:xfrm>
+            <a:off x="4773637" y="3766573"/>
+            <a:ext cx="4419600" cy="666750"/>
+          </a:xfrm>
+          <a:prstGeom prst="rect">
+            <a:avLst/>
+          </a:prstGeom>
+        </p:spPr>
+      </p:pic>
+      <p:pic>
+        <p:nvPicPr>
+          <p:cNvPr id="13" name="Graphic 12">
+            <a:extLst>
+              <a:ext uri="{FF2B5EF4-FFF2-40B4-BE49-F238E27FC236}">
+                <a16:creationId xmlns:a16="http://schemas.microsoft.com/office/drawing/2014/main" id="{93F91659-AF51-4482-BD49-03766561A306}"/>
+              </a:ext>
+            </a:extLst>
+          </p:cNvPr>
+          <p:cNvPicPr>
+            <a:picLocks noChangeAspect="1"/>
+          </p:cNvPicPr>
+          <p:nvPr/>
+        </p:nvPicPr>
+        <p:blipFill>
+          <a:blip r:embed="rId7">
+            <a:extLst>
+              <a:ext uri="{28A0092B-C50C-407E-A947-70E740481C1C}">
+                <a14:useLocalDpi xmlns:a14="http://schemas.microsoft.com/office/drawing/2010/main" val="0"/>
+              </a:ext>
+              <a:ext uri="{96DAC541-7B7A-43D3-8B79-37D633B846F1}">
+                <asvg:svgBlip xmlns:asvg="http://schemas.microsoft.com/office/drawing/2016/SVG/main" r:embed="rId8"/>
+              </a:ext>
+            </a:extLst>
+          </a:blip>
+          <a:stretch>
+            <a:fillRect/>
+          </a:stretch>
+        </p:blipFill>
+        <p:spPr>
+          <a:xfrm>
+            <a:off x="4710655" y="4496252"/>
+            <a:ext cx="1076325" cy="609600"/>
+          </a:xfrm>
+          <a:prstGeom prst="rect">
+            <a:avLst/>
+          </a:prstGeom>
+        </p:spPr>
+      </p:pic>
+      <p:pic>
+        <p:nvPicPr>
+          <p:cNvPr id="15" name="Graphic 14">
+            <a:extLst>
+              <a:ext uri="{FF2B5EF4-FFF2-40B4-BE49-F238E27FC236}">
+                <a16:creationId xmlns:a16="http://schemas.microsoft.com/office/drawing/2014/main" id="{5E14583D-FC88-42C6-8A6C-A6FAA28CD230}"/>
+              </a:ext>
+            </a:extLst>
+          </p:cNvPr>
+          <p:cNvPicPr>
+            <a:picLocks noChangeAspect="1"/>
+          </p:cNvPicPr>
+          <p:nvPr/>
+        </p:nvPicPr>
+        <p:blipFill>
+          <a:blip r:embed="rId9">
+            <a:extLst>
+              <a:ext uri="{28A0092B-C50C-407E-A947-70E740481C1C}">
+                <a14:useLocalDpi xmlns:a14="http://schemas.microsoft.com/office/drawing/2010/main" val="0"/>
+              </a:ext>
+              <a:ext uri="{96DAC541-7B7A-43D3-8B79-37D633B846F1}">
+                <asvg:svgBlip xmlns:asvg="http://schemas.microsoft.com/office/drawing/2016/SVG/main" r:embed="rId10"/>
+              </a:ext>
+            </a:extLst>
+          </a:blip>
+          <a:stretch>
+            <a:fillRect/>
+          </a:stretch>
+        </p:blipFill>
+        <p:spPr>
+          <a:xfrm>
+            <a:off x="4710655" y="5298968"/>
+            <a:ext cx="4048125" cy="361950"/>
+          </a:xfrm>
+          <a:prstGeom prst="rect">
+            <a:avLst/>
+          </a:prstGeom>
+        </p:spPr>
+      </p:pic>
+      <p:sp>
+        <p:nvSpPr>
+          <p:cNvPr id="17" name="TextBox 16">
+            <a:extLst>
+              <a:ext uri="{FF2B5EF4-FFF2-40B4-BE49-F238E27FC236}">
+                <a16:creationId xmlns:a16="http://schemas.microsoft.com/office/drawing/2014/main" id="{7CF6882B-8B1B-4BD1-A56A-A7A0218D1C50}"/>
               </a:ext>
             </a:extLst>
           </p:cNvPr>
@@ -5176,9 +5422,9 @@
           <p:nvPr/>
         </p:nvSpPr>
         <p:spPr>
-          <a:xfrm rot="21010353">
-            <a:off x="3926548" y="2957084"/>
-            <a:ext cx="1828799" cy="338554"/>
+          <a:xfrm>
+            <a:off x="4617334" y="3304908"/>
+            <a:ext cx="5340858" cy="461665"/>
           </a:xfrm>
           <a:prstGeom prst="rect">
             <a:avLst/>
@@ -5192,63 +5438,20 @@
           <a:lstStyle/>
           <a:p>
             <a:r>
-              <a:rPr lang="en-SG" sz="1600" dirty="0">
-                <a:solidFill>
-                  <a:schemeClr val="bg2">
-                    <a:lumMod val="50000"/>
-                  </a:schemeClr>
-                </a:solidFill>
-              </a:rPr>
-              <a:t>light propagation</a:t>
-            </a:r>
-          </a:p>
-        </p:txBody>
-      </p:sp>
-      <p:cxnSp>
-        <p:nvCxnSpPr>
-          <p:cNvPr id="56" name="Straight Arrow Connector 55">
-            <a:extLst>
-              <a:ext uri="{FF2B5EF4-FFF2-40B4-BE49-F238E27FC236}">
-                <a16:creationId xmlns:a16="http://schemas.microsoft.com/office/drawing/2014/main" id="{E09BB1D7-DCBD-4DF3-B96C-D2727048B9F0}"/>
-              </a:ext>
-            </a:extLst>
-          </p:cNvPr>
-          <p:cNvCxnSpPr>
-            <a:cxnSpLocks/>
-          </p:cNvCxnSpPr>
-          <p:nvPr/>
-        </p:nvCxnSpPr>
-        <p:spPr>
-          <a:xfrm flipH="1">
-            <a:off x="3258275" y="3320152"/>
-            <a:ext cx="683749" cy="129074"/>
-          </a:xfrm>
-          <a:prstGeom prst="straightConnector1">
-            <a:avLst/>
-          </a:prstGeom>
-          <a:ln w="28575">
-            <a:tailEnd type="triangle"/>
-          </a:ln>
-        </p:spPr>
-        <p:style>
-          <a:lnRef idx="3">
-            <a:schemeClr val="accent3"/>
-          </a:lnRef>
-          <a:fillRef idx="0">
-            <a:schemeClr val="accent3"/>
-          </a:fillRef>
-          <a:effectRef idx="2">
-            <a:schemeClr val="accent3"/>
-          </a:effectRef>
-          <a:fontRef idx="minor">
-            <a:schemeClr val="tx1"/>
-          </a:fontRef>
-        </p:style>
-      </p:cxnSp>
+              <a:rPr lang="en-SG" sz="2400" b="1" dirty="0"/>
+              <a:t>Null geodesics</a:t>
+            </a:r>
+            <a:endParaRPr lang="en-SG" sz="2400" dirty="0">
+              <a:latin typeface="Latin Modern Math" panose="02000503000000000000" pitchFamily="50" charset="0"/>
+              <a:ea typeface="Latin Modern Math" panose="02000503000000000000" pitchFamily="50" charset="0"/>
+            </a:endParaRPr>
+          </a:p>
+        </p:txBody>
+      </p:sp>
     </p:spTree>
     <p:extLst>
       <p:ext uri="{BB962C8B-B14F-4D97-AF65-F5344CB8AC3E}">
-        <p14:creationId xmlns:p14="http://schemas.microsoft.com/office/powerpoint/2010/main" val="2013283044"/>
+        <p14:creationId xmlns:p14="http://schemas.microsoft.com/office/powerpoint/2010/main" val="524220181"/>
       </p:ext>
     </p:extLst>
   </p:cSld>
@@ -5298,17 +5501,17 @@
           <a:p>
             <a:r>
               <a:rPr lang="en-SG" dirty="0"/>
-              <a:t>Propagation of light: an overview</a:t>
-            </a:r>
-          </a:p>
-        </p:txBody>
-      </p:sp>
-      <p:sp>
-        <p:nvSpPr>
-          <p:cNvPr id="7" name="Rectangle: Rounded Corners 6">
-            <a:extLst>
-              <a:ext uri="{FF2B5EF4-FFF2-40B4-BE49-F238E27FC236}">
-                <a16:creationId xmlns:a16="http://schemas.microsoft.com/office/drawing/2014/main" id="{3A42DE37-43FA-4A4F-80A6-D47C4DA2C0CA}"/>
+              <a:t>Propagation of light</a:t>
+            </a:r>
+          </a:p>
+        </p:txBody>
+      </p:sp>
+      <p:sp>
+        <p:nvSpPr>
+          <p:cNvPr id="9" name="Rectangle: Rounded Corners 8">
+            <a:extLst>
+              <a:ext uri="{FF2B5EF4-FFF2-40B4-BE49-F238E27FC236}">
+                <a16:creationId xmlns:a16="http://schemas.microsoft.com/office/drawing/2014/main" id="{88E786E7-C1DB-42A2-9417-015A4639C0AA}"/>
               </a:ext>
             </a:extLst>
           </p:cNvPr>
@@ -5317,13 +5520,17 @@
         </p:nvSpPr>
         <p:spPr>
           <a:xfrm>
-            <a:off x="2008207" y="3443469"/>
+            <a:off x="2008207" y="4971328"/>
             <a:ext cx="1620456" cy="749461"/>
           </a:xfrm>
           <a:prstGeom prst="roundRect">
             <a:avLst/>
           </a:prstGeom>
-          <a:ln w="28575"/>
+          <a:ln w="28575">
+            <a:solidFill>
+              <a:schemeClr val="bg2"/>
+            </a:solidFill>
+          </a:ln>
         </p:spPr>
         <p:style>
           <a:lnRef idx="2">
@@ -5347,28 +5554,157 @@
             <a:r>
               <a:rPr lang="en-SG" b="1" dirty="0">
                 <a:solidFill>
-                  <a:schemeClr val="tx1"/>
+                  <a:schemeClr val="bg2"/>
                 </a:solidFill>
               </a:rPr>
-              <a:t>2. Kottler </a:t>
+              <a:t>3. FRW </a:t>
             </a:r>
             <a:r>
               <a:rPr lang="en-SG" dirty="0">
                 <a:solidFill>
-                  <a:schemeClr val="tx1"/>
+                  <a:schemeClr val="bg2"/>
                 </a:solidFill>
               </a:rPr>
-              <a:t>(hole)</a:t>
-            </a:r>
-          </a:p>
-        </p:txBody>
-      </p:sp>
-      <p:sp>
-        <p:nvSpPr>
-          <p:cNvPr id="9" name="Rectangle: Rounded Corners 8">
-            <a:extLst>
-              <a:ext uri="{FF2B5EF4-FFF2-40B4-BE49-F238E27FC236}">
-                <a16:creationId xmlns:a16="http://schemas.microsoft.com/office/drawing/2014/main" id="{88E786E7-C1DB-42A2-9417-015A4639C0AA}"/>
+              <a:t>(cheese)</a:t>
+            </a:r>
+          </a:p>
+        </p:txBody>
+      </p:sp>
+      <p:cxnSp>
+        <p:nvCxnSpPr>
+          <p:cNvPr id="12" name="Straight Arrow Connector 11">
+            <a:extLst>
+              <a:ext uri="{FF2B5EF4-FFF2-40B4-BE49-F238E27FC236}">
+                <a16:creationId xmlns:a16="http://schemas.microsoft.com/office/drawing/2014/main" id="{4D584F6B-602E-40BF-90F9-B0D4C282FE40}"/>
+              </a:ext>
+            </a:extLst>
+          </p:cNvPr>
+          <p:cNvCxnSpPr>
+            <a:stCxn id="4" idx="2"/>
+            <a:endCxn id="7" idx="0"/>
+          </p:cNvCxnSpPr>
+          <p:nvPr/>
+        </p:nvCxnSpPr>
+        <p:spPr>
+          <a:xfrm>
+            <a:off x="2818435" y="2665071"/>
+            <a:ext cx="0" cy="778398"/>
+          </a:xfrm>
+          <a:prstGeom prst="straightConnector1">
+            <a:avLst/>
+          </a:prstGeom>
+          <a:ln w="28575">
+            <a:solidFill>
+              <a:schemeClr val="bg2"/>
+            </a:solidFill>
+            <a:tailEnd type="triangle"/>
+          </a:ln>
+        </p:spPr>
+        <p:style>
+          <a:lnRef idx="3">
+            <a:schemeClr val="accent5"/>
+          </a:lnRef>
+          <a:fillRef idx="0">
+            <a:schemeClr val="accent5"/>
+          </a:fillRef>
+          <a:effectRef idx="2">
+            <a:schemeClr val="accent5"/>
+          </a:effectRef>
+          <a:fontRef idx="minor">
+            <a:schemeClr val="tx1"/>
+          </a:fontRef>
+        </p:style>
+      </p:cxnSp>
+      <p:cxnSp>
+        <p:nvCxnSpPr>
+          <p:cNvPr id="14" name="Straight Arrow Connector 13">
+            <a:extLst>
+              <a:ext uri="{FF2B5EF4-FFF2-40B4-BE49-F238E27FC236}">
+                <a16:creationId xmlns:a16="http://schemas.microsoft.com/office/drawing/2014/main" id="{3F732064-553F-461A-A1A5-EF33A6B2AB08}"/>
+              </a:ext>
+            </a:extLst>
+          </p:cNvPr>
+          <p:cNvCxnSpPr>
+            <a:stCxn id="7" idx="2"/>
+            <a:endCxn id="9" idx="0"/>
+          </p:cNvCxnSpPr>
+          <p:nvPr/>
+        </p:nvCxnSpPr>
+        <p:spPr>
+          <a:xfrm>
+            <a:off x="2818435" y="4192930"/>
+            <a:ext cx="0" cy="778398"/>
+          </a:xfrm>
+          <a:prstGeom prst="straightConnector1">
+            <a:avLst/>
+          </a:prstGeom>
+          <a:ln w="28575">
+            <a:solidFill>
+              <a:schemeClr val="bg2"/>
+            </a:solidFill>
+            <a:tailEnd type="triangle"/>
+          </a:ln>
+        </p:spPr>
+        <p:style>
+          <a:lnRef idx="3">
+            <a:schemeClr val="accent5"/>
+          </a:lnRef>
+          <a:fillRef idx="0">
+            <a:schemeClr val="accent5"/>
+          </a:fillRef>
+          <a:effectRef idx="2">
+            <a:schemeClr val="accent5"/>
+          </a:effectRef>
+          <a:fontRef idx="minor">
+            <a:schemeClr val="tx1"/>
+          </a:fontRef>
+        </p:style>
+      </p:cxnSp>
+      <p:sp>
+        <p:nvSpPr>
+          <p:cNvPr id="8" name="TextBox 7">
+            <a:extLst>
+              <a:ext uri="{FF2B5EF4-FFF2-40B4-BE49-F238E27FC236}">
+                <a16:creationId xmlns:a16="http://schemas.microsoft.com/office/drawing/2014/main" id="{2FC6252B-9F82-4A53-A4DC-DF3CAEE93C6C}"/>
+              </a:ext>
+            </a:extLst>
+          </p:cNvPr>
+          <p:cNvSpPr txBox="1"/>
+          <p:nvPr/>
+        </p:nvSpPr>
+        <p:spPr>
+          <a:xfrm>
+            <a:off x="4617334" y="1684777"/>
+            <a:ext cx="3322898" cy="461665"/>
+          </a:xfrm>
+          <a:prstGeom prst="rect">
+            <a:avLst/>
+          </a:prstGeom>
+          <a:noFill/>
+        </p:spPr>
+        <p:txBody>
+          <a:bodyPr wrap="square" rtlCol="0">
+            <a:spAutoFit/>
+          </a:bodyPr>
+          <a:lstStyle/>
+          <a:p>
+            <a:r>
+              <a:rPr lang="en-SG" sz="2400" b="1" dirty="0"/>
+              <a:t>Kottler metric</a:t>
+            </a:r>
+            <a:endParaRPr lang="en-SG" sz="2400" dirty="0">
+              <a:latin typeface="Latin Modern Math" panose="02000503000000000000" pitchFamily="50" charset="0"/>
+              <a:ea typeface="Latin Modern Math" panose="02000503000000000000" pitchFamily="50" charset="0"/>
+            </a:endParaRPr>
+          </a:p>
+        </p:txBody>
+      </p:sp>
+      <p:sp>
+        <p:nvSpPr>
+          <p:cNvPr id="4" name="Rectangle: Rounded Corners 3">
+            <a:extLst>
+              <a:ext uri="{FF2B5EF4-FFF2-40B4-BE49-F238E27FC236}">
+                <a16:creationId xmlns:a16="http://schemas.microsoft.com/office/drawing/2014/main" id="{40631C33-2486-47B6-BC73-BF70477A2511}"/>
               </a:ext>
             </a:extLst>
           </p:cNvPr>
@@ -5377,13 +5713,17 @@
         </p:nvSpPr>
         <p:spPr>
           <a:xfrm>
-            <a:off x="2008207" y="4971328"/>
+            <a:off x="2008207" y="1915610"/>
             <a:ext cx="1620456" cy="749461"/>
           </a:xfrm>
           <a:prstGeom prst="roundRect">
             <a:avLst/>
           </a:prstGeom>
-          <a:ln w="28575"/>
+          <a:ln w="28575">
+            <a:solidFill>
+              <a:schemeClr val="bg2"/>
+            </a:solidFill>
+          </a:ln>
         </p:spPr>
         <p:style>
           <a:lnRef idx="2">
@@ -5407,15 +5747,15 @@
             <a:r>
               <a:rPr lang="en-SG" b="1" dirty="0">
                 <a:solidFill>
-                  <a:schemeClr val="tx1"/>
+                  <a:schemeClr val="bg2"/>
                 </a:solidFill>
               </a:rPr>
-              <a:t>3. FRW </a:t>
+              <a:t>1. FRW </a:t>
             </a:r>
             <a:r>
               <a:rPr lang="en-SG" dirty="0">
                 <a:solidFill>
-                  <a:schemeClr val="tx1"/>
+                  <a:schemeClr val="bg2"/>
                 </a:solidFill>
               </a:rPr>
               <a:t>(cheese)</a:t>
@@ -5423,32 +5763,141 @@
           </a:p>
         </p:txBody>
       </p:sp>
-      <p:cxnSp>
-        <p:nvCxnSpPr>
-          <p:cNvPr id="12" name="Straight Arrow Connector 11">
-            <a:extLst>
-              <a:ext uri="{FF2B5EF4-FFF2-40B4-BE49-F238E27FC236}">
-                <a16:creationId xmlns:a16="http://schemas.microsoft.com/office/drawing/2014/main" id="{4D584F6B-602E-40BF-90F9-B0D4C282FE40}"/>
-              </a:ext>
-            </a:extLst>
-          </p:cNvPr>
-          <p:cNvCxnSpPr>
-            <a:stCxn id="4" idx="2"/>
-            <a:endCxn id="7" idx="0"/>
-          </p:cNvCxnSpPr>
+      <p:pic>
+        <p:nvPicPr>
+          <p:cNvPr id="11" name="Graphic 10">
+            <a:extLst>
+              <a:ext uri="{FF2B5EF4-FFF2-40B4-BE49-F238E27FC236}">
+                <a16:creationId xmlns:a16="http://schemas.microsoft.com/office/drawing/2014/main" id="{95888D32-A8B1-42F0-9D4C-57F0836FC82F}"/>
+              </a:ext>
+            </a:extLst>
+          </p:cNvPr>
+          <p:cNvPicPr>
+            <a:picLocks noChangeAspect="1"/>
+          </p:cNvPicPr>
           <p:nvPr/>
-        </p:nvCxnSpPr>
+        </p:nvPicPr>
+        <p:blipFill>
+          <a:blip r:embed="rId2">
+            <a:extLst>
+              <a:ext uri="{28A0092B-C50C-407E-A947-70E740481C1C}">
+                <a14:useLocalDpi xmlns:a14="http://schemas.microsoft.com/office/drawing/2010/main" val="0"/>
+              </a:ext>
+              <a:ext uri="{96DAC541-7B7A-43D3-8B79-37D633B846F1}">
+                <asvg:svgBlip xmlns:asvg="http://schemas.microsoft.com/office/drawing/2016/SVG/main" r:embed="rId3"/>
+              </a:ext>
+            </a:extLst>
+          </a:blip>
+          <a:stretch>
+            <a:fillRect/>
+          </a:stretch>
+        </p:blipFill>
         <p:spPr>
           <a:xfrm>
-            <a:off x="2818435" y="2665071"/>
-            <a:ext cx="0" cy="778398"/>
-          </a:xfrm>
-          <a:prstGeom prst="straightConnector1">
+            <a:off x="4710655" y="2237140"/>
+            <a:ext cx="5362575" cy="714375"/>
+          </a:xfrm>
+          <a:prstGeom prst="rect">
             <a:avLst/>
           </a:prstGeom>
-          <a:ln w="28575">
-            <a:tailEnd type="triangle"/>
-          </a:ln>
+        </p:spPr>
+      </p:pic>
+      <p:pic>
+        <p:nvPicPr>
+          <p:cNvPr id="5" name="Graphic 4">
+            <a:extLst>
+              <a:ext uri="{FF2B5EF4-FFF2-40B4-BE49-F238E27FC236}">
+                <a16:creationId xmlns:a16="http://schemas.microsoft.com/office/drawing/2014/main" id="{77DFF968-0702-41D3-AD1B-E37BDB8EE0F0}"/>
+              </a:ext>
+            </a:extLst>
+          </p:cNvPr>
+          <p:cNvPicPr>
+            <a:picLocks noChangeAspect="1"/>
+          </p:cNvPicPr>
+          <p:nvPr/>
+        </p:nvPicPr>
+        <p:blipFill>
+          <a:blip r:embed="rId4">
+            <a:extLst>
+              <a:ext uri="{28A0092B-C50C-407E-A947-70E740481C1C}">
+                <a14:useLocalDpi xmlns:a14="http://schemas.microsoft.com/office/drawing/2010/main" val="0"/>
+              </a:ext>
+              <a:ext uri="{96DAC541-7B7A-43D3-8B79-37D633B846F1}">
+                <asvg:svgBlip xmlns:asvg="http://schemas.microsoft.com/office/drawing/2016/SVG/main" r:embed="rId5"/>
+              </a:ext>
+            </a:extLst>
+          </a:blip>
+          <a:stretch>
+            <a:fillRect/>
+          </a:stretch>
+        </p:blipFill>
+        <p:spPr>
+          <a:xfrm>
+            <a:off x="5592871" y="2998535"/>
+            <a:ext cx="2867025" cy="647700"/>
+          </a:xfrm>
+          <a:prstGeom prst="rect">
+            <a:avLst/>
+          </a:prstGeom>
+        </p:spPr>
+      </p:pic>
+      <p:sp>
+        <p:nvSpPr>
+          <p:cNvPr id="6" name="TextBox 5">
+            <a:extLst>
+              <a:ext uri="{FF2B5EF4-FFF2-40B4-BE49-F238E27FC236}">
+                <a16:creationId xmlns:a16="http://schemas.microsoft.com/office/drawing/2014/main" id="{33DAEEE3-ED76-4645-A9F0-E01BDF474597}"/>
+              </a:ext>
+            </a:extLst>
+          </p:cNvPr>
+          <p:cNvSpPr txBox="1"/>
+          <p:nvPr/>
+        </p:nvSpPr>
+        <p:spPr>
+          <a:xfrm>
+            <a:off x="4710655" y="3122330"/>
+            <a:ext cx="882216" cy="400110"/>
+          </a:xfrm>
+          <a:prstGeom prst="rect">
+            <a:avLst/>
+          </a:prstGeom>
+          <a:noFill/>
+        </p:spPr>
+        <p:txBody>
+          <a:bodyPr wrap="square" rtlCol="0">
+            <a:spAutoFit/>
+          </a:bodyPr>
+          <a:lstStyle/>
+          <a:p>
+            <a:r>
+              <a:rPr lang="en-SG" sz="2000" dirty="0"/>
+              <a:t>where</a:t>
+            </a:r>
+            <a:endParaRPr lang="en-SG" dirty="0"/>
+          </a:p>
+        </p:txBody>
+      </p:sp>
+      <p:sp>
+        <p:nvSpPr>
+          <p:cNvPr id="7" name="Rectangle: Rounded Corners 6">
+            <a:extLst>
+              <a:ext uri="{FF2B5EF4-FFF2-40B4-BE49-F238E27FC236}">
+                <a16:creationId xmlns:a16="http://schemas.microsoft.com/office/drawing/2014/main" id="{3A42DE37-43FA-4A4F-80A6-D47C4DA2C0CA}"/>
+              </a:ext>
+            </a:extLst>
+          </p:cNvPr>
+          <p:cNvSpPr/>
+          <p:nvPr/>
+        </p:nvSpPr>
+        <p:spPr>
+          <a:xfrm>
+            <a:off x="2008207" y="3443469"/>
+            <a:ext cx="1620456" cy="749461"/>
+          </a:xfrm>
+          <a:prstGeom prst="roundRect">
+            <a:avLst/>
+          </a:prstGeom>
+          <a:ln w="28575"/>
         </p:spPr>
         <p:style>
           <a:lnRef idx="2">
@@ -5464,55 +5913,36 @@
             <a:schemeClr val="dk1"/>
           </a:fontRef>
         </p:style>
-      </p:cxnSp>
-      <p:cxnSp>
-        <p:nvCxnSpPr>
-          <p:cNvPr id="14" name="Straight Arrow Connector 13">
-            <a:extLst>
-              <a:ext uri="{FF2B5EF4-FFF2-40B4-BE49-F238E27FC236}">
-                <a16:creationId xmlns:a16="http://schemas.microsoft.com/office/drawing/2014/main" id="{3F732064-553F-461A-A1A5-EF33A6B2AB08}"/>
-              </a:ext>
-            </a:extLst>
-          </p:cNvPr>
-          <p:cNvCxnSpPr>
-            <a:stCxn id="7" idx="2"/>
-            <a:endCxn id="9" idx="0"/>
-          </p:cNvCxnSpPr>
-          <p:nvPr/>
-        </p:nvCxnSpPr>
-        <p:spPr>
-          <a:xfrm>
-            <a:off x="2818435" y="4192930"/>
-            <a:ext cx="0" cy="778398"/>
-          </a:xfrm>
-          <a:prstGeom prst="straightConnector1">
-            <a:avLst/>
-          </a:prstGeom>
-          <a:ln w="28575">
-            <a:tailEnd type="triangle"/>
-          </a:ln>
-        </p:spPr>
-        <p:style>
-          <a:lnRef idx="2">
-            <a:schemeClr val="accent5"/>
-          </a:lnRef>
-          <a:fillRef idx="1">
-            <a:schemeClr val="lt1"/>
-          </a:fillRef>
-          <a:effectRef idx="0">
-            <a:schemeClr val="accent5"/>
-          </a:effectRef>
-          <a:fontRef idx="minor">
-            <a:schemeClr val="dk1"/>
-          </a:fontRef>
-        </p:style>
-      </p:cxnSp>
-      <p:sp>
-        <p:nvSpPr>
-          <p:cNvPr id="8" name="TextBox 7">
-            <a:extLst>
-              <a:ext uri="{FF2B5EF4-FFF2-40B4-BE49-F238E27FC236}">
-                <a16:creationId xmlns:a16="http://schemas.microsoft.com/office/drawing/2014/main" id="{2FC6252B-9F82-4A53-A4DC-DF3CAEE93C6C}"/>
+        <p:txBody>
+          <a:bodyPr rtlCol="0" anchor="ctr"/>
+          <a:lstStyle/>
+          <a:p>
+            <a:pPr algn="ctr"/>
+            <a:r>
+              <a:rPr lang="en-SG" b="1" dirty="0">
+                <a:solidFill>
+                  <a:schemeClr val="tx1"/>
+                </a:solidFill>
+              </a:rPr>
+              <a:t>2. Kottler </a:t>
+            </a:r>
+            <a:r>
+              <a:rPr lang="en-SG" dirty="0">
+                <a:solidFill>
+                  <a:schemeClr val="tx1"/>
+                </a:solidFill>
+              </a:rPr>
+              <a:t>(hole)</a:t>
+            </a:r>
+          </a:p>
+        </p:txBody>
+      </p:sp>
+      <p:sp>
+        <p:nvSpPr>
+          <p:cNvPr id="21" name="TextBox 20">
+            <a:extLst>
+              <a:ext uri="{FF2B5EF4-FFF2-40B4-BE49-F238E27FC236}">
+                <a16:creationId xmlns:a16="http://schemas.microsoft.com/office/drawing/2014/main" id="{774BB039-1FE1-46CD-BAD9-76D73D004780}"/>
               </a:ext>
             </a:extLst>
           </p:cNvPr>
@@ -5521,7 +5951,7 @@
         </p:nvSpPr>
         <p:spPr>
           <a:xfrm>
-            <a:off x="4434551" y="1804280"/>
+            <a:off x="4617334" y="3872284"/>
             <a:ext cx="3322898" cy="461665"/>
           </a:xfrm>
           <a:prstGeom prst="rect">
@@ -5537,7 +5967,7 @@
           <a:p>
             <a:r>
               <a:rPr lang="en-SG" sz="2400" b="1" dirty="0"/>
-              <a:t>General method</a:t>
+              <a:t>Null geodesics</a:t>
             </a:r>
             <a:endParaRPr lang="en-SG" sz="2400" dirty="0">
               <a:latin typeface="Latin Modern Math" panose="02000503000000000000" pitchFamily="50" charset="0"/>
@@ -5546,169 +5976,12 @@
           </a:p>
         </p:txBody>
       </p:sp>
-      <p:sp>
-        <p:nvSpPr>
-          <p:cNvPr id="4" name="Rectangle: Rounded Corners 3">
-            <a:extLst>
-              <a:ext uri="{FF2B5EF4-FFF2-40B4-BE49-F238E27FC236}">
-                <a16:creationId xmlns:a16="http://schemas.microsoft.com/office/drawing/2014/main" id="{40631C33-2486-47B6-BC73-BF70477A2511}"/>
-              </a:ext>
-            </a:extLst>
-          </p:cNvPr>
-          <p:cNvSpPr/>
-          <p:nvPr/>
-        </p:nvSpPr>
-        <p:spPr>
-          <a:xfrm>
-            <a:off x="2008207" y="1915610"/>
-            <a:ext cx="1620456" cy="749461"/>
-          </a:xfrm>
-          <a:prstGeom prst="roundRect">
-            <a:avLst/>
-          </a:prstGeom>
-          <a:ln w="28575"/>
-        </p:spPr>
-        <p:style>
-          <a:lnRef idx="2">
-            <a:schemeClr val="accent5"/>
-          </a:lnRef>
-          <a:fillRef idx="1">
-            <a:schemeClr val="lt1"/>
-          </a:fillRef>
-          <a:effectRef idx="0">
-            <a:schemeClr val="accent5"/>
-          </a:effectRef>
-          <a:fontRef idx="minor">
-            <a:schemeClr val="dk1"/>
-          </a:fontRef>
-        </p:style>
-        <p:txBody>
-          <a:bodyPr rtlCol="0" anchor="ctr"/>
-          <a:lstStyle/>
-          <a:p>
-            <a:pPr algn="ctr"/>
-            <a:r>
-              <a:rPr lang="en-SG" b="1" dirty="0"/>
-              <a:t>1. FRW </a:t>
-            </a:r>
-            <a:r>
-              <a:rPr lang="en-SG" dirty="0"/>
-              <a:t>(cheese)</a:t>
-            </a:r>
-          </a:p>
-        </p:txBody>
-      </p:sp>
-      <p:sp>
-        <p:nvSpPr>
-          <p:cNvPr id="3" name="TextBox 2">
-            <a:extLst>
-              <a:ext uri="{FF2B5EF4-FFF2-40B4-BE49-F238E27FC236}">
-                <a16:creationId xmlns:a16="http://schemas.microsoft.com/office/drawing/2014/main" id="{C942288A-D191-4D27-9AE7-1FDFF989A114}"/>
-              </a:ext>
-            </a:extLst>
-          </p:cNvPr>
-          <p:cNvSpPr txBox="1"/>
-          <p:nvPr/>
-        </p:nvSpPr>
-        <p:spPr>
-          <a:xfrm>
-            <a:off x="4615840" y="2290340"/>
-            <a:ext cx="7114784" cy="4093428"/>
-          </a:xfrm>
-          <a:prstGeom prst="rect">
-            <a:avLst/>
-          </a:prstGeom>
-          <a:noFill/>
-        </p:spPr>
-        <p:txBody>
-          <a:bodyPr wrap="square" rtlCol="0">
-            <a:spAutoFit/>
-          </a:bodyPr>
-          <a:lstStyle/>
-          <a:p>
-            <a:r>
-              <a:rPr lang="en-SG" sz="2000" dirty="0"/>
-              <a:t>To find light path in each region, </a:t>
-            </a:r>
-          </a:p>
-          <a:p>
-            <a:endParaRPr lang="en-SG" sz="2000" dirty="0"/>
-          </a:p>
-          <a:p>
-            <a:pPr marL="342900" indent="-342900">
-              <a:buFont typeface="+mj-lt"/>
-              <a:buAutoNum type="arabicPeriod"/>
-            </a:pPr>
-            <a:r>
-              <a:rPr lang="en-SG" sz="2000" dirty="0"/>
-              <a:t>Write down the metric</a:t>
-            </a:r>
-          </a:p>
-          <a:p>
-            <a:pPr marL="342900" indent="-342900">
-              <a:buFont typeface="+mj-lt"/>
-              <a:buAutoNum type="arabicPeriod"/>
-            </a:pPr>
-            <a:r>
-              <a:rPr lang="en-SG" sz="2000" dirty="0"/>
-              <a:t>Calculate the Christoffel symbols and hence the equations of motion using</a:t>
-            </a:r>
-          </a:p>
-          <a:p>
-            <a:pPr marL="342900" indent="-342900">
-              <a:buFont typeface="+mj-lt"/>
-              <a:buAutoNum type="arabicPeriod"/>
-            </a:pPr>
-            <a:endParaRPr lang="en-SG" sz="2000" dirty="0"/>
-          </a:p>
-          <a:p>
-            <a:endParaRPr lang="en-SG" sz="2000" dirty="0"/>
-          </a:p>
-          <a:p>
-            <a:r>
-              <a:rPr lang="en-SG" sz="2000" dirty="0"/>
-              <a:t>      and the null condition</a:t>
-            </a:r>
-          </a:p>
-          <a:p>
-            <a:pPr marL="342900" indent="-342900">
-              <a:buFont typeface="+mj-lt"/>
-              <a:buAutoNum type="arabicPeriod"/>
-            </a:pPr>
-            <a:endParaRPr lang="en-SG" sz="2000" dirty="0"/>
-          </a:p>
-          <a:p>
-            <a:pPr marL="342900" indent="-342900">
-              <a:buFont typeface="+mj-lt"/>
-              <a:buAutoNum type="arabicPeriod"/>
-            </a:pPr>
-            <a:endParaRPr lang="en-SG" sz="2000" dirty="0"/>
-          </a:p>
-          <a:p>
-            <a:pPr marL="457200" indent="-457200">
-              <a:buFont typeface="+mj-lt"/>
-              <a:buAutoNum type="arabicPeriod" startAt="3"/>
-            </a:pPr>
-            <a:r>
-              <a:rPr lang="en-SG" sz="2000" dirty="0"/>
-              <a:t>Solve the resulting differential equations (numerically or analytically)</a:t>
-            </a:r>
-          </a:p>
-          <a:p>
-            <a:pPr marL="342900" indent="-342900">
-              <a:buFont typeface="+mj-lt"/>
-              <a:buAutoNum type="arabicPeriod" startAt="3"/>
-            </a:pPr>
-            <a:endParaRPr lang="en-SG" sz="2000" dirty="0"/>
-          </a:p>
-        </p:txBody>
-      </p:sp>
       <p:pic>
         <p:nvPicPr>
-          <p:cNvPr id="15" name="Graphic 14">
-            <a:extLst>
-              <a:ext uri="{FF2B5EF4-FFF2-40B4-BE49-F238E27FC236}">
-                <a16:creationId xmlns:a16="http://schemas.microsoft.com/office/drawing/2014/main" id="{F29BB8F1-4B7E-4F55-BC8E-63D1D19C3380}"/>
+          <p:cNvPr id="31" name="Graphic 30">
+            <a:extLst>
+              <a:ext uri="{FF2B5EF4-FFF2-40B4-BE49-F238E27FC236}">
+                <a16:creationId xmlns:a16="http://schemas.microsoft.com/office/drawing/2014/main" id="{EDBBC51B-C1A6-4AE8-95C4-B58F33FC703E}"/>
               </a:ext>
             </a:extLst>
           </p:cNvPr>
@@ -5718,13 +5991,13 @@
           <p:nvPr/>
         </p:nvPicPr>
         <p:blipFill>
-          <a:blip r:embed="rId2">
+          <a:blip r:embed="rId6">
             <a:extLst>
               <a:ext uri="{28A0092B-C50C-407E-A947-70E740481C1C}">
                 <a14:useLocalDpi xmlns:a14="http://schemas.microsoft.com/office/drawing/2010/main" val="0"/>
               </a:ext>
               <a:ext uri="{96DAC541-7B7A-43D3-8B79-37D633B846F1}">
-                <asvg:svgBlip xmlns:asvg="http://schemas.microsoft.com/office/drawing/2016/SVG/main" r:embed="rId3"/>
+                <asvg:svgBlip xmlns:asvg="http://schemas.microsoft.com/office/drawing/2016/SVG/main" r:embed="rId7"/>
               </a:ext>
             </a:extLst>
           </a:blip>
@@ -5734,8 +6007,8 @@
         </p:blipFill>
         <p:spPr>
           <a:xfrm>
-            <a:off x="5177982" y="3916705"/>
-            <a:ext cx="2762250" cy="552450"/>
+            <a:off x="4710655" y="4525523"/>
+            <a:ext cx="2171700" cy="647700"/>
           </a:xfrm>
           <a:prstGeom prst="rect">
             <a:avLst/>
@@ -5744,10 +6017,10 @@
       </p:pic>
       <p:pic>
         <p:nvPicPr>
-          <p:cNvPr id="16" name="Graphic 15">
-            <a:extLst>
-              <a:ext uri="{FF2B5EF4-FFF2-40B4-BE49-F238E27FC236}">
-                <a16:creationId xmlns:a16="http://schemas.microsoft.com/office/drawing/2014/main" id="{3B74AADC-E6A3-4D32-B0B5-7C327C957B3F}"/>
+          <p:cNvPr id="32" name="Graphic 31">
+            <a:extLst>
+              <a:ext uri="{FF2B5EF4-FFF2-40B4-BE49-F238E27FC236}">
+                <a16:creationId xmlns:a16="http://schemas.microsoft.com/office/drawing/2014/main" id="{5D1EFC26-1BE7-48C7-9296-49CD986E92EF}"/>
               </a:ext>
             </a:extLst>
           </p:cNvPr>
@@ -5757,13 +6030,13 @@
           <p:nvPr/>
         </p:nvPicPr>
         <p:blipFill>
-          <a:blip r:embed="rId4">
+          <a:blip r:embed="rId8">
             <a:extLst>
               <a:ext uri="{28A0092B-C50C-407E-A947-70E740481C1C}">
                 <a14:useLocalDpi xmlns:a14="http://schemas.microsoft.com/office/drawing/2010/main" val="0"/>
               </a:ext>
               <a:ext uri="{96DAC541-7B7A-43D3-8B79-37D633B846F1}">
-                <asvg:svgBlip xmlns:asvg="http://schemas.microsoft.com/office/drawing/2016/SVG/main" r:embed="rId5"/>
+                <asvg:svgBlip xmlns:asvg="http://schemas.microsoft.com/office/drawing/2016/SVG/main" r:embed="rId9"/>
               </a:ext>
             </a:extLst>
           </a:blip>
@@ -5773,8 +6046,8 @@
         </p:blipFill>
         <p:spPr>
           <a:xfrm>
-            <a:off x="5177982" y="4899878"/>
-            <a:ext cx="1104900" cy="333375"/>
+            <a:off x="4710655" y="5318958"/>
+            <a:ext cx="895350" cy="609600"/>
           </a:xfrm>
           <a:prstGeom prst="rect">
             <a:avLst/>
@@ -5784,7 +6057,7 @@
     </p:spTree>
     <p:extLst>
       <p:ext uri="{BB962C8B-B14F-4D97-AF65-F5344CB8AC3E}">
-        <p14:creationId xmlns:p14="http://schemas.microsoft.com/office/powerpoint/2010/main" val="1661932820"/>
+        <p14:creationId xmlns:p14="http://schemas.microsoft.com/office/powerpoint/2010/main" val="2009165165"/>
       </p:ext>
     </p:extLst>
   </p:cSld>
@@ -5841,10 +6114,10 @@
       </p:sp>
       <p:sp>
         <p:nvSpPr>
-          <p:cNvPr id="7" name="Rectangle: Rounded Corners 6">
-            <a:extLst>
-              <a:ext uri="{FF2B5EF4-FFF2-40B4-BE49-F238E27FC236}">
-                <a16:creationId xmlns:a16="http://schemas.microsoft.com/office/drawing/2014/main" id="{3A42DE37-43FA-4A4F-80A6-D47C4DA2C0CA}"/>
+          <p:cNvPr id="4" name="Rectangle: Rounded Corners 3">
+            <a:extLst>
+              <a:ext uri="{FF2B5EF4-FFF2-40B4-BE49-F238E27FC236}">
+                <a16:creationId xmlns:a16="http://schemas.microsoft.com/office/drawing/2014/main" id="{40631C33-2486-47B6-BC73-BF70477A2511}"/>
               </a:ext>
             </a:extLst>
           </p:cNvPr>
@@ -5853,7 +6126,7 @@
         </p:nvSpPr>
         <p:spPr>
           <a:xfrm>
-            <a:off x="2008207" y="3443469"/>
+            <a:off x="2008207" y="1915610"/>
             <a:ext cx="1620456" cy="749461"/>
           </a:xfrm>
           <a:prstGeom prst="roundRect">
@@ -5885,20 +6158,12 @@
           <a:p>
             <a:pPr algn="ctr"/>
             <a:r>
-              <a:rPr lang="en-SG" b="1" dirty="0">
-                <a:solidFill>
-                  <a:schemeClr val="bg2"/>
-                </a:solidFill>
-              </a:rPr>
-              <a:t>2. Kottler </a:t>
-            </a:r>
-            <a:r>
               <a:rPr lang="en-SG" dirty="0">
                 <a:solidFill>
                   <a:schemeClr val="bg2"/>
                 </a:solidFill>
               </a:rPr>
-              <a:t>(hole)</a:t>
+              <a:t>1. FRW</a:t>
             </a:r>
           </a:p>
         </p:txBody>
@@ -5925,7 +6190,7 @@
           </a:prstGeom>
           <a:ln w="28575">
             <a:solidFill>
-              <a:schemeClr val="accent5"/>
+              <a:schemeClr val="bg2"/>
             </a:solidFill>
           </a:ln>
         </p:spPr>
@@ -5949,42 +6214,90 @@
           <a:p>
             <a:pPr algn="ctr"/>
             <a:r>
-              <a:rPr lang="en-SG" b="1" dirty="0">
+              <a:rPr lang="en-SG" dirty="0">
                 <a:solidFill>
-                  <a:schemeClr val="tx1"/>
+                  <a:schemeClr val="bg2"/>
                 </a:solidFill>
               </a:rPr>
-              <a:t>3. FRW </a:t>
-            </a:r>
+              <a:t>3. FRW</a:t>
+            </a:r>
+          </a:p>
+        </p:txBody>
+      </p:sp>
+      <p:sp>
+        <p:nvSpPr>
+          <p:cNvPr id="7" name="Rectangle: Rounded Corners 6">
+            <a:extLst>
+              <a:ext uri="{FF2B5EF4-FFF2-40B4-BE49-F238E27FC236}">
+                <a16:creationId xmlns:a16="http://schemas.microsoft.com/office/drawing/2014/main" id="{3A42DE37-43FA-4A4F-80A6-D47C4DA2C0CA}"/>
+              </a:ext>
+            </a:extLst>
+          </p:cNvPr>
+          <p:cNvSpPr/>
+          <p:nvPr/>
+        </p:nvSpPr>
+        <p:spPr>
+          <a:xfrm>
+            <a:off x="2008207" y="3443469"/>
+            <a:ext cx="1620456" cy="749461"/>
+          </a:xfrm>
+          <a:prstGeom prst="roundRect">
+            <a:avLst/>
+          </a:prstGeom>
+          <a:ln w="28575">
+            <a:solidFill>
+              <a:schemeClr val="bg2"/>
+            </a:solidFill>
+          </a:ln>
+        </p:spPr>
+        <p:style>
+          <a:lnRef idx="2">
+            <a:schemeClr val="accent5"/>
+          </a:lnRef>
+          <a:fillRef idx="1">
+            <a:schemeClr val="lt1"/>
+          </a:fillRef>
+          <a:effectRef idx="0">
+            <a:schemeClr val="accent5"/>
+          </a:effectRef>
+          <a:fontRef idx="minor">
+            <a:schemeClr val="dk1"/>
+          </a:fontRef>
+        </p:style>
+        <p:txBody>
+          <a:bodyPr rtlCol="0" anchor="ctr"/>
+          <a:lstStyle/>
+          <a:p>
+            <a:pPr algn="ctr"/>
             <a:r>
               <a:rPr lang="en-SG" dirty="0">
                 <a:solidFill>
-                  <a:schemeClr val="tx1"/>
+                  <a:schemeClr val="bg2"/>
                 </a:solidFill>
               </a:rPr>
-              <a:t>(cheese)</a:t>
+              <a:t>2. Kottler</a:t>
             </a:r>
           </a:p>
         </p:txBody>
       </p:sp>
       <p:cxnSp>
         <p:nvCxnSpPr>
-          <p:cNvPr id="12" name="Straight Arrow Connector 11">
-            <a:extLst>
-              <a:ext uri="{FF2B5EF4-FFF2-40B4-BE49-F238E27FC236}">
-                <a16:creationId xmlns:a16="http://schemas.microsoft.com/office/drawing/2014/main" id="{4D584F6B-602E-40BF-90F9-B0D4C282FE40}"/>
+          <p:cNvPr id="14" name="Straight Arrow Connector 13">
+            <a:extLst>
+              <a:ext uri="{FF2B5EF4-FFF2-40B4-BE49-F238E27FC236}">
+                <a16:creationId xmlns:a16="http://schemas.microsoft.com/office/drawing/2014/main" id="{3F732064-553F-461A-A1A5-EF33A6B2AB08}"/>
               </a:ext>
             </a:extLst>
           </p:cNvPr>
           <p:cNvCxnSpPr>
-            <a:stCxn id="4" idx="2"/>
-            <a:endCxn id="7" idx="0"/>
+            <a:stCxn id="7" idx="2"/>
+            <a:endCxn id="9" idx="0"/>
           </p:cNvCxnSpPr>
           <p:nvPr/>
         </p:nvCxnSpPr>
         <p:spPr>
           <a:xfrm>
-            <a:off x="2818435" y="2665071"/>
+            <a:off x="2818435" y="4192930"/>
             <a:ext cx="0" cy="778398"/>
           </a:xfrm>
           <a:prstGeom prst="straightConnector1">
@@ -5992,7 +6305,7 @@
           </a:prstGeom>
           <a:ln w="28575">
             <a:solidFill>
-              <a:schemeClr val="bg2"/>
+              <a:schemeClr val="accent5"/>
             </a:solidFill>
             <a:tailEnd type="triangle"/>
           </a:ln>
@@ -6014,22 +6327,22 @@
       </p:cxnSp>
       <p:cxnSp>
         <p:nvCxnSpPr>
-          <p:cNvPr id="14" name="Straight Arrow Connector 13">
-            <a:extLst>
-              <a:ext uri="{FF2B5EF4-FFF2-40B4-BE49-F238E27FC236}">
-                <a16:creationId xmlns:a16="http://schemas.microsoft.com/office/drawing/2014/main" id="{3F732064-553F-461A-A1A5-EF33A6B2AB08}"/>
+          <p:cNvPr id="12" name="Straight Arrow Connector 11">
+            <a:extLst>
+              <a:ext uri="{FF2B5EF4-FFF2-40B4-BE49-F238E27FC236}">
+                <a16:creationId xmlns:a16="http://schemas.microsoft.com/office/drawing/2014/main" id="{4D584F6B-602E-40BF-90F9-B0D4C282FE40}"/>
               </a:ext>
             </a:extLst>
           </p:cNvPr>
           <p:cNvCxnSpPr>
-            <a:stCxn id="7" idx="2"/>
-            <a:endCxn id="9" idx="0"/>
+            <a:stCxn id="4" idx="2"/>
+            <a:endCxn id="7" idx="0"/>
           </p:cNvCxnSpPr>
           <p:nvPr/>
         </p:nvCxnSpPr>
         <p:spPr>
           <a:xfrm>
-            <a:off x="2818435" y="4192930"/>
+            <a:off x="2818435" y="2665071"/>
             <a:ext cx="0" cy="778398"/>
           </a:xfrm>
           <a:prstGeom prst="straightConnector1">
@@ -6037,7 +6350,7 @@
           </a:prstGeom>
           <a:ln w="28575">
             <a:solidFill>
-              <a:schemeClr val="bg2"/>
+              <a:schemeClr val="accent5"/>
             </a:solidFill>
             <a:tailEnd type="triangle"/>
           </a:ln>
@@ -6059,10 +6372,10 @@
       </p:cxnSp>
       <p:sp>
         <p:nvSpPr>
-          <p:cNvPr id="8" name="TextBox 7">
-            <a:extLst>
-              <a:ext uri="{FF2B5EF4-FFF2-40B4-BE49-F238E27FC236}">
-                <a16:creationId xmlns:a16="http://schemas.microsoft.com/office/drawing/2014/main" id="{2FC6252B-9F82-4A53-A4DC-DF3CAEE93C6C}"/>
+          <p:cNvPr id="18" name="TextBox 17">
+            <a:extLst>
+              <a:ext uri="{FF2B5EF4-FFF2-40B4-BE49-F238E27FC236}">
+                <a16:creationId xmlns:a16="http://schemas.microsoft.com/office/drawing/2014/main" id="{2CAD9106-5635-4BF9-ADF1-AA94E0663CDB}"/>
               </a:ext>
             </a:extLst>
           </p:cNvPr>
@@ -6070,9 +6383,9 @@
           <p:nvPr/>
         </p:nvSpPr>
         <p:spPr>
-          <a:xfrm>
-            <a:off x="4617334" y="1696079"/>
-            <a:ext cx="5340858" cy="461665"/>
+          <a:xfrm flipH="1">
+            <a:off x="4656486" y="1684777"/>
+            <a:ext cx="5124119" cy="461665"/>
           </a:xfrm>
           <a:prstGeom prst="rect">
             <a:avLst/>
@@ -6087,266 +6400,100 @@
           <a:p>
             <a:r>
               <a:rPr lang="en-SG" sz="2400" b="1" dirty="0"/>
-              <a:t>Friedmann-Robertson-Walker metric</a:t>
-            </a:r>
-            <a:endParaRPr lang="en-SG" sz="2400" dirty="0">
-              <a:latin typeface="Latin Modern Math" panose="02000503000000000000" pitchFamily="50" charset="0"/>
-              <a:ea typeface="Latin Modern Math" panose="02000503000000000000" pitchFamily="50" charset="0"/>
-            </a:endParaRPr>
-          </a:p>
-        </p:txBody>
-      </p:sp>
-      <p:pic>
-        <p:nvPicPr>
-          <p:cNvPr id="10" name="Graphic 9">
-            <a:extLst>
-              <a:ext uri="{FF2B5EF4-FFF2-40B4-BE49-F238E27FC236}">
-                <a16:creationId xmlns:a16="http://schemas.microsoft.com/office/drawing/2014/main" id="{9C5BCF48-9C17-4107-A008-9DBD8DDFF862}"/>
-              </a:ext>
-            </a:extLst>
-          </p:cNvPr>
-          <p:cNvPicPr>
-            <a:picLocks noChangeAspect="1"/>
-          </p:cNvPicPr>
+              <a:t>Gluing the two metrics together</a:t>
+            </a:r>
+          </a:p>
+        </p:txBody>
+      </p:sp>
+      <p:sp>
+        <p:nvSpPr>
+          <p:cNvPr id="3" name="Rectangle 2">
+            <a:extLst>
+              <a:ext uri="{FF2B5EF4-FFF2-40B4-BE49-F238E27FC236}">
+                <a16:creationId xmlns:a16="http://schemas.microsoft.com/office/drawing/2014/main" id="{26802E7C-F66A-4497-98A1-6C1FAA3F802F}"/>
+              </a:ext>
+            </a:extLst>
+          </p:cNvPr>
+          <p:cNvSpPr/>
           <p:nvPr/>
-        </p:nvPicPr>
-        <p:blipFill>
-          <a:blip r:embed="rId3">
-            <a:extLst>
-              <a:ext uri="{28A0092B-C50C-407E-A947-70E740481C1C}">
-                <a14:useLocalDpi xmlns:a14="http://schemas.microsoft.com/office/drawing/2010/main" val="0"/>
-              </a:ext>
-              <a:ext uri="{96DAC541-7B7A-43D3-8B79-37D633B846F1}">
-                <asvg:svgBlip xmlns:asvg="http://schemas.microsoft.com/office/drawing/2016/SVG/main" r:embed="rId4"/>
-              </a:ext>
-            </a:extLst>
-          </a:blip>
-          <a:stretch>
-            <a:fillRect/>
-          </a:stretch>
-        </p:blipFill>
+        </p:nvSpPr>
         <p:spPr>
           <a:xfrm>
-            <a:off x="4710655" y="2243680"/>
-            <a:ext cx="6057900" cy="723900"/>
+            <a:off x="4700326" y="2240885"/>
+            <a:ext cx="6754723" cy="2616101"/>
           </a:xfrm>
           <a:prstGeom prst="rect">
             <a:avLst/>
           </a:prstGeom>
         </p:spPr>
-      </p:pic>
-      <p:sp>
-        <p:nvSpPr>
-          <p:cNvPr id="4" name="Rectangle: Rounded Corners 3">
-            <a:extLst>
-              <a:ext uri="{FF2B5EF4-FFF2-40B4-BE49-F238E27FC236}">
-                <a16:creationId xmlns:a16="http://schemas.microsoft.com/office/drawing/2014/main" id="{40631C33-2486-47B6-BC73-BF70477A2511}"/>
-              </a:ext>
-            </a:extLst>
-          </p:cNvPr>
-          <p:cNvSpPr/>
-          <p:nvPr/>
-        </p:nvSpPr>
-        <p:spPr>
-          <a:xfrm>
-            <a:off x="2008207" y="1915610"/>
-            <a:ext cx="1620456" cy="749461"/>
-          </a:xfrm>
-          <a:prstGeom prst="roundRect">
-            <a:avLst/>
-          </a:prstGeom>
-          <a:ln w="28575"/>
-        </p:spPr>
-        <p:style>
-          <a:lnRef idx="2">
-            <a:schemeClr val="accent5"/>
-          </a:lnRef>
-          <a:fillRef idx="1">
-            <a:schemeClr val="lt1"/>
-          </a:fillRef>
-          <a:effectRef idx="0">
-            <a:schemeClr val="accent5"/>
-          </a:effectRef>
-          <a:fontRef idx="minor">
-            <a:schemeClr val="dk1"/>
-          </a:fontRef>
-        </p:style>
-        <p:txBody>
-          <a:bodyPr rtlCol="0" anchor="ctr"/>
-          <a:lstStyle/>
-          <a:p>
-            <a:pPr algn="ctr"/>
-            <a:r>
-              <a:rPr lang="en-SG" b="1" dirty="0"/>
-              <a:t>1. FRW </a:t>
-            </a:r>
-            <a:r>
-              <a:rPr lang="en-SG" dirty="0"/>
-              <a:t>(cheese)</a:t>
-            </a:r>
-          </a:p>
-        </p:txBody>
-      </p:sp>
-      <p:pic>
-        <p:nvPicPr>
-          <p:cNvPr id="11" name="Graphic 10">
-            <a:extLst>
-              <a:ext uri="{FF2B5EF4-FFF2-40B4-BE49-F238E27FC236}">
-                <a16:creationId xmlns:a16="http://schemas.microsoft.com/office/drawing/2014/main" id="{92A980FB-70FC-4720-BE79-D7C2D17D9972}"/>
-              </a:ext>
-            </a:extLst>
-          </p:cNvPr>
-          <p:cNvPicPr>
-            <a:picLocks noChangeAspect="1"/>
-          </p:cNvPicPr>
-          <p:nvPr/>
-        </p:nvPicPr>
-        <p:blipFill>
-          <a:blip r:embed="rId5">
-            <a:extLst>
-              <a:ext uri="{28A0092B-C50C-407E-A947-70E740481C1C}">
-                <a14:useLocalDpi xmlns:a14="http://schemas.microsoft.com/office/drawing/2010/main" val="0"/>
-              </a:ext>
-              <a:ext uri="{96DAC541-7B7A-43D3-8B79-37D633B846F1}">
-                <asvg:svgBlip xmlns:asvg="http://schemas.microsoft.com/office/drawing/2016/SVG/main" r:embed="rId6"/>
-              </a:ext>
-            </a:extLst>
-          </a:blip>
-          <a:stretch>
-            <a:fillRect/>
-          </a:stretch>
-        </p:blipFill>
-        <p:spPr>
-          <a:xfrm>
-            <a:off x="4773637" y="3766573"/>
-            <a:ext cx="4419600" cy="666750"/>
-          </a:xfrm>
-          <a:prstGeom prst="rect">
-            <a:avLst/>
-          </a:prstGeom>
-        </p:spPr>
-      </p:pic>
-      <p:pic>
-        <p:nvPicPr>
-          <p:cNvPr id="13" name="Graphic 12">
-            <a:extLst>
-              <a:ext uri="{FF2B5EF4-FFF2-40B4-BE49-F238E27FC236}">
-                <a16:creationId xmlns:a16="http://schemas.microsoft.com/office/drawing/2014/main" id="{93F91659-AF51-4482-BD49-03766561A306}"/>
-              </a:ext>
-            </a:extLst>
-          </p:cNvPr>
-          <p:cNvPicPr>
-            <a:picLocks noChangeAspect="1"/>
-          </p:cNvPicPr>
-          <p:nvPr/>
-        </p:nvPicPr>
-        <p:blipFill>
-          <a:blip r:embed="rId7">
-            <a:extLst>
-              <a:ext uri="{28A0092B-C50C-407E-A947-70E740481C1C}">
-                <a14:useLocalDpi xmlns:a14="http://schemas.microsoft.com/office/drawing/2010/main" val="0"/>
-              </a:ext>
-              <a:ext uri="{96DAC541-7B7A-43D3-8B79-37D633B846F1}">
-                <asvg:svgBlip xmlns:asvg="http://schemas.microsoft.com/office/drawing/2016/SVG/main" r:embed="rId8"/>
-              </a:ext>
-            </a:extLst>
-          </a:blip>
-          <a:stretch>
-            <a:fillRect/>
-          </a:stretch>
-        </p:blipFill>
-        <p:spPr>
-          <a:xfrm>
-            <a:off x="4710655" y="4496252"/>
-            <a:ext cx="1076325" cy="609600"/>
-          </a:xfrm>
-          <a:prstGeom prst="rect">
-            <a:avLst/>
-          </a:prstGeom>
-        </p:spPr>
-      </p:pic>
-      <p:pic>
-        <p:nvPicPr>
-          <p:cNvPr id="15" name="Graphic 14">
-            <a:extLst>
-              <a:ext uri="{FF2B5EF4-FFF2-40B4-BE49-F238E27FC236}">
-                <a16:creationId xmlns:a16="http://schemas.microsoft.com/office/drawing/2014/main" id="{5E14583D-FC88-42C6-8A6C-A6FAA28CD230}"/>
-              </a:ext>
-            </a:extLst>
-          </p:cNvPr>
-          <p:cNvPicPr>
-            <a:picLocks noChangeAspect="1"/>
-          </p:cNvPicPr>
-          <p:nvPr/>
-        </p:nvPicPr>
-        <p:blipFill>
-          <a:blip r:embed="rId9">
-            <a:extLst>
-              <a:ext uri="{28A0092B-C50C-407E-A947-70E740481C1C}">
-                <a14:useLocalDpi xmlns:a14="http://schemas.microsoft.com/office/drawing/2010/main" val="0"/>
-              </a:ext>
-              <a:ext uri="{96DAC541-7B7A-43D3-8B79-37D633B846F1}">
-                <asvg:svgBlip xmlns:asvg="http://schemas.microsoft.com/office/drawing/2016/SVG/main" r:embed="rId10"/>
-              </a:ext>
-            </a:extLst>
-          </a:blip>
-          <a:stretch>
-            <a:fillRect/>
-          </a:stretch>
-        </p:blipFill>
-        <p:spPr>
-          <a:xfrm>
-            <a:off x="4710655" y="5298968"/>
-            <a:ext cx="4048125" cy="361950"/>
-          </a:xfrm>
-          <a:prstGeom prst="rect">
-            <a:avLst/>
-          </a:prstGeom>
-        </p:spPr>
-      </p:pic>
-      <p:sp>
-        <p:nvSpPr>
-          <p:cNvPr id="17" name="TextBox 16">
-            <a:extLst>
-              <a:ext uri="{FF2B5EF4-FFF2-40B4-BE49-F238E27FC236}">
-                <a16:creationId xmlns:a16="http://schemas.microsoft.com/office/drawing/2014/main" id="{7CF6882B-8B1B-4BD1-A56A-A7A0218D1C50}"/>
-              </a:ext>
-            </a:extLst>
-          </p:cNvPr>
-          <p:cNvSpPr txBox="1"/>
-          <p:nvPr/>
-        </p:nvSpPr>
-        <p:spPr>
-          <a:xfrm>
-            <a:off x="4617334" y="3304908"/>
-            <a:ext cx="5340858" cy="461665"/>
-          </a:xfrm>
-          <a:prstGeom prst="rect">
-            <a:avLst/>
-          </a:prstGeom>
-          <a:noFill/>
-        </p:spPr>
-        <p:txBody>
-          <a:bodyPr wrap="square" rtlCol="0">
+        <p:txBody>
+          <a:bodyPr wrap="square">
             <a:spAutoFit/>
           </a:bodyPr>
           <a:lstStyle/>
           <a:p>
             <a:r>
-              <a:rPr lang="en-SG" sz="2400" b="1" dirty="0"/>
-              <a:t>Null geodesics</a:t>
-            </a:r>
-            <a:endParaRPr lang="en-SG" sz="2400" dirty="0">
-              <a:latin typeface="Latin Modern Math" panose="02000503000000000000" pitchFamily="50" charset="0"/>
-              <a:ea typeface="Latin Modern Math" panose="02000503000000000000" pitchFamily="50" charset="0"/>
-            </a:endParaRPr>
+              <a:rPr lang="en-SG" dirty="0"/>
+              <a:t>A spacetime obtained by gluing two different geometries via a hypersurface </a:t>
+            </a:r>
+            <a:r>
+              <a:rPr lang="el-GR" dirty="0"/>
+              <a:t>Σ</a:t>
+            </a:r>
+            <a:r>
+              <a:rPr lang="en-SG" dirty="0"/>
+              <a:t> is well defined if it satisfies the Israel junction conditions (Israel, 1966):</a:t>
+            </a:r>
+          </a:p>
+          <a:p>
+            <a:endParaRPr lang="en-SG" dirty="0"/>
+          </a:p>
+          <a:p>
+            <a:r>
+              <a:rPr lang="en-SG" sz="2000" b="1" dirty="0"/>
+              <a:t>Both geometries must induce, on </a:t>
+            </a:r>
+            <a:r>
+              <a:rPr lang="el-GR" sz="2000" b="1" dirty="0"/>
+              <a:t>Σ</a:t>
+            </a:r>
+            <a:r>
+              <a:rPr lang="en-SG" sz="2000" b="1" dirty="0"/>
+              <a:t>, </a:t>
+            </a:r>
+          </a:p>
+          <a:p>
+            <a:endParaRPr lang="en-SG" dirty="0"/>
+          </a:p>
+          <a:p>
+            <a:pPr marL="514350" indent="-514350">
+              <a:buFont typeface="+mj-lt"/>
+              <a:buAutoNum type="arabicPeriod"/>
+            </a:pPr>
+            <a:r>
+              <a:rPr lang="en-SG" dirty="0"/>
+              <a:t>the same 3-metric, and</a:t>
+            </a:r>
+          </a:p>
+          <a:p>
+            <a:pPr marL="514350" indent="-514350">
+              <a:buFont typeface="+mj-lt"/>
+              <a:buAutoNum type="arabicPeriod"/>
+            </a:pPr>
+            <a:r>
+              <a:rPr lang="en-SG" dirty="0"/>
+              <a:t>the same extrinsic curvature</a:t>
+            </a:r>
+          </a:p>
+          <a:p>
+            <a:endParaRPr lang="en-SG" dirty="0"/>
           </a:p>
         </p:txBody>
       </p:sp>
     </p:spTree>
     <p:extLst>
       <p:ext uri="{BB962C8B-B14F-4D97-AF65-F5344CB8AC3E}">
-        <p14:creationId xmlns:p14="http://schemas.microsoft.com/office/powerpoint/2010/main" val="524220181"/>
+        <p14:creationId xmlns:p14="http://schemas.microsoft.com/office/powerpoint/2010/main" val="3952903197"/>
       </p:ext>
     </p:extLst>
   </p:cSld>
@@ -6403,10 +6550,10 @@
       </p:sp>
       <p:sp>
         <p:nvSpPr>
-          <p:cNvPr id="9" name="Rectangle: Rounded Corners 8">
-            <a:extLst>
-              <a:ext uri="{FF2B5EF4-FFF2-40B4-BE49-F238E27FC236}">
-                <a16:creationId xmlns:a16="http://schemas.microsoft.com/office/drawing/2014/main" id="{88E786E7-C1DB-42A2-9417-015A4639C0AA}"/>
+          <p:cNvPr id="4" name="Rectangle: Rounded Corners 3">
+            <a:extLst>
+              <a:ext uri="{FF2B5EF4-FFF2-40B4-BE49-F238E27FC236}">
+                <a16:creationId xmlns:a16="http://schemas.microsoft.com/office/drawing/2014/main" id="{40631C33-2486-47B6-BC73-BF70477A2511}"/>
               </a:ext>
             </a:extLst>
           </p:cNvPr>
@@ -6415,7 +6562,7 @@
         </p:nvSpPr>
         <p:spPr>
           <a:xfrm>
-            <a:off x="2008207" y="4971328"/>
+            <a:off x="2008207" y="1915610"/>
             <a:ext cx="1620456" cy="749461"/>
           </a:xfrm>
           <a:prstGeom prst="roundRect">
@@ -6447,42 +6594,146 @@
           <a:p>
             <a:pPr algn="ctr"/>
             <a:r>
-              <a:rPr lang="en-SG" b="1" dirty="0">
-                <a:solidFill>
-                  <a:schemeClr val="bg2"/>
-                </a:solidFill>
-              </a:rPr>
-              <a:t>3. FRW </a:t>
-            </a:r>
-            <a:r>
               <a:rPr lang="en-SG" dirty="0">
                 <a:solidFill>
                   <a:schemeClr val="bg2"/>
                 </a:solidFill>
               </a:rPr>
-              <a:t>(cheese)</a:t>
+              <a:t>1. FRW</a:t>
+            </a:r>
+          </a:p>
+        </p:txBody>
+      </p:sp>
+      <p:sp>
+        <p:nvSpPr>
+          <p:cNvPr id="9" name="Rectangle: Rounded Corners 8">
+            <a:extLst>
+              <a:ext uri="{FF2B5EF4-FFF2-40B4-BE49-F238E27FC236}">
+                <a16:creationId xmlns:a16="http://schemas.microsoft.com/office/drawing/2014/main" id="{88E786E7-C1DB-42A2-9417-015A4639C0AA}"/>
+              </a:ext>
+            </a:extLst>
+          </p:cNvPr>
+          <p:cNvSpPr/>
+          <p:nvPr/>
+        </p:nvSpPr>
+        <p:spPr>
+          <a:xfrm>
+            <a:off x="2008207" y="4971328"/>
+            <a:ext cx="1620456" cy="749461"/>
+          </a:xfrm>
+          <a:prstGeom prst="roundRect">
+            <a:avLst/>
+          </a:prstGeom>
+          <a:ln w="28575">
+            <a:solidFill>
+              <a:schemeClr val="bg2"/>
+            </a:solidFill>
+          </a:ln>
+        </p:spPr>
+        <p:style>
+          <a:lnRef idx="2">
+            <a:schemeClr val="accent5"/>
+          </a:lnRef>
+          <a:fillRef idx="1">
+            <a:schemeClr val="lt1"/>
+          </a:fillRef>
+          <a:effectRef idx="0">
+            <a:schemeClr val="accent5"/>
+          </a:effectRef>
+          <a:fontRef idx="minor">
+            <a:schemeClr val="dk1"/>
+          </a:fontRef>
+        </p:style>
+        <p:txBody>
+          <a:bodyPr rtlCol="0" anchor="ctr"/>
+          <a:lstStyle/>
+          <a:p>
+            <a:pPr algn="ctr"/>
+            <a:r>
+              <a:rPr lang="en-SG" dirty="0">
+                <a:solidFill>
+                  <a:schemeClr val="bg2"/>
+                </a:solidFill>
+              </a:rPr>
+              <a:t>3. FRW</a:t>
+            </a:r>
+          </a:p>
+        </p:txBody>
+      </p:sp>
+      <p:sp>
+        <p:nvSpPr>
+          <p:cNvPr id="7" name="Rectangle: Rounded Corners 6">
+            <a:extLst>
+              <a:ext uri="{FF2B5EF4-FFF2-40B4-BE49-F238E27FC236}">
+                <a16:creationId xmlns:a16="http://schemas.microsoft.com/office/drawing/2014/main" id="{3A42DE37-43FA-4A4F-80A6-D47C4DA2C0CA}"/>
+              </a:ext>
+            </a:extLst>
+          </p:cNvPr>
+          <p:cNvSpPr/>
+          <p:nvPr/>
+        </p:nvSpPr>
+        <p:spPr>
+          <a:xfrm>
+            <a:off x="2008207" y="3443469"/>
+            <a:ext cx="1620456" cy="749461"/>
+          </a:xfrm>
+          <a:prstGeom prst="roundRect">
+            <a:avLst/>
+          </a:prstGeom>
+          <a:ln w="28575">
+            <a:solidFill>
+              <a:schemeClr val="bg2"/>
+            </a:solidFill>
+          </a:ln>
+        </p:spPr>
+        <p:style>
+          <a:lnRef idx="2">
+            <a:schemeClr val="accent5"/>
+          </a:lnRef>
+          <a:fillRef idx="1">
+            <a:schemeClr val="lt1"/>
+          </a:fillRef>
+          <a:effectRef idx="0">
+            <a:schemeClr val="accent5"/>
+          </a:effectRef>
+          <a:fontRef idx="minor">
+            <a:schemeClr val="dk1"/>
+          </a:fontRef>
+        </p:style>
+        <p:txBody>
+          <a:bodyPr rtlCol="0" anchor="ctr"/>
+          <a:lstStyle/>
+          <a:p>
+            <a:pPr algn="ctr"/>
+            <a:r>
+              <a:rPr lang="en-SG" dirty="0">
+                <a:solidFill>
+                  <a:schemeClr val="bg2"/>
+                </a:solidFill>
+              </a:rPr>
+              <a:t>2. Kottler</a:t>
             </a:r>
           </a:p>
         </p:txBody>
       </p:sp>
       <p:cxnSp>
         <p:nvCxnSpPr>
-          <p:cNvPr id="12" name="Straight Arrow Connector 11">
-            <a:extLst>
-              <a:ext uri="{FF2B5EF4-FFF2-40B4-BE49-F238E27FC236}">
-                <a16:creationId xmlns:a16="http://schemas.microsoft.com/office/drawing/2014/main" id="{4D584F6B-602E-40BF-90F9-B0D4C282FE40}"/>
+          <p:cNvPr id="14" name="Straight Arrow Connector 13">
+            <a:extLst>
+              <a:ext uri="{FF2B5EF4-FFF2-40B4-BE49-F238E27FC236}">
+                <a16:creationId xmlns:a16="http://schemas.microsoft.com/office/drawing/2014/main" id="{3F732064-553F-461A-A1A5-EF33A6B2AB08}"/>
               </a:ext>
             </a:extLst>
           </p:cNvPr>
           <p:cNvCxnSpPr>
-            <a:stCxn id="4" idx="2"/>
-            <a:endCxn id="7" idx="0"/>
+            <a:stCxn id="7" idx="2"/>
+            <a:endCxn id="9" idx="0"/>
           </p:cNvCxnSpPr>
           <p:nvPr/>
         </p:nvCxnSpPr>
         <p:spPr>
           <a:xfrm>
-            <a:off x="2818435" y="2665071"/>
+            <a:off x="2818435" y="4192930"/>
             <a:ext cx="0" cy="778398"/>
           </a:xfrm>
           <a:prstGeom prst="straightConnector1">
@@ -6490,7 +6741,7 @@
           </a:prstGeom>
           <a:ln w="28575">
             <a:solidFill>
-              <a:schemeClr val="bg2"/>
+              <a:schemeClr val="accent5"/>
             </a:solidFill>
             <a:tailEnd type="triangle"/>
           </a:ln>
@@ -6512,22 +6763,22 @@
       </p:cxnSp>
       <p:cxnSp>
         <p:nvCxnSpPr>
-          <p:cNvPr id="14" name="Straight Arrow Connector 13">
-            <a:extLst>
-              <a:ext uri="{FF2B5EF4-FFF2-40B4-BE49-F238E27FC236}">
-                <a16:creationId xmlns:a16="http://schemas.microsoft.com/office/drawing/2014/main" id="{3F732064-553F-461A-A1A5-EF33A6B2AB08}"/>
+          <p:cNvPr id="12" name="Straight Arrow Connector 11">
+            <a:extLst>
+              <a:ext uri="{FF2B5EF4-FFF2-40B4-BE49-F238E27FC236}">
+                <a16:creationId xmlns:a16="http://schemas.microsoft.com/office/drawing/2014/main" id="{4D584F6B-602E-40BF-90F9-B0D4C282FE40}"/>
               </a:ext>
             </a:extLst>
           </p:cNvPr>
           <p:cNvCxnSpPr>
-            <a:stCxn id="7" idx="2"/>
-            <a:endCxn id="9" idx="0"/>
+            <a:stCxn id="4" idx="2"/>
+            <a:endCxn id="7" idx="0"/>
           </p:cNvCxnSpPr>
           <p:nvPr/>
         </p:nvCxnSpPr>
         <p:spPr>
           <a:xfrm>
-            <a:off x="2818435" y="4192930"/>
+            <a:off x="2818435" y="2665071"/>
             <a:ext cx="0" cy="778398"/>
           </a:xfrm>
           <a:prstGeom prst="straightConnector1">
@@ -6535,7 +6786,7 @@
           </a:prstGeom>
           <a:ln w="28575">
             <a:solidFill>
-              <a:schemeClr val="bg2"/>
+              <a:schemeClr val="accent5"/>
             </a:solidFill>
             <a:tailEnd type="triangle"/>
           </a:ln>
@@ -6557,10 +6808,10 @@
       </p:cxnSp>
       <p:sp>
         <p:nvSpPr>
-          <p:cNvPr id="8" name="TextBox 7">
-            <a:extLst>
-              <a:ext uri="{FF2B5EF4-FFF2-40B4-BE49-F238E27FC236}">
-                <a16:creationId xmlns:a16="http://schemas.microsoft.com/office/drawing/2014/main" id="{2FC6252B-9F82-4A53-A4DC-DF3CAEE93C6C}"/>
+          <p:cNvPr id="18" name="TextBox 17">
+            <a:extLst>
+              <a:ext uri="{FF2B5EF4-FFF2-40B4-BE49-F238E27FC236}">
+                <a16:creationId xmlns:a16="http://schemas.microsoft.com/office/drawing/2014/main" id="{2CAD9106-5635-4BF9-ADF1-AA94E0663CDB}"/>
               </a:ext>
             </a:extLst>
           </p:cNvPr>
@@ -6568,9 +6819,9 @@
           <p:nvPr/>
         </p:nvSpPr>
         <p:spPr>
-          <a:xfrm>
-            <a:off x="4617334" y="1684777"/>
-            <a:ext cx="3322898" cy="461665"/>
+          <a:xfrm flipH="1">
+            <a:off x="4656486" y="1684777"/>
+            <a:ext cx="5124119" cy="461665"/>
           </a:xfrm>
           <a:prstGeom prst="rect">
             <a:avLst/>
@@ -6585,21 +6836,17 @@
           <a:p>
             <a:r>
               <a:rPr lang="en-SG" sz="2400" b="1" dirty="0"/>
-              <a:t>Kottler metric</a:t>
-            </a:r>
-            <a:endParaRPr lang="en-SG" sz="2400" dirty="0">
-              <a:latin typeface="Latin Modern Math" panose="02000503000000000000" pitchFamily="50" charset="0"/>
-              <a:ea typeface="Latin Modern Math" panose="02000503000000000000" pitchFamily="50" charset="0"/>
-            </a:endParaRPr>
-          </a:p>
-        </p:txBody>
-      </p:sp>
-      <p:sp>
-        <p:nvSpPr>
-          <p:cNvPr id="4" name="Rectangle: Rounded Corners 3">
-            <a:extLst>
-              <a:ext uri="{FF2B5EF4-FFF2-40B4-BE49-F238E27FC236}">
-                <a16:creationId xmlns:a16="http://schemas.microsoft.com/office/drawing/2014/main" id="{40631C33-2486-47B6-BC73-BF70477A2511}"/>
+              <a:t>Gluing the two metrics together</a:t>
+            </a:r>
+          </a:p>
+        </p:txBody>
+      </p:sp>
+      <p:sp>
+        <p:nvSpPr>
+          <p:cNvPr id="3" name="Rectangle 2">
+            <a:extLst>
+              <a:ext uri="{FF2B5EF4-FFF2-40B4-BE49-F238E27FC236}">
+                <a16:creationId xmlns:a16="http://schemas.microsoft.com/office/drawing/2014/main" id="{26802E7C-F66A-4497-98A1-6C1FAA3F802F}"/>
               </a:ext>
             </a:extLst>
           </p:cNvPr>
@@ -6608,62 +6855,121 @@
         </p:nvSpPr>
         <p:spPr>
           <a:xfrm>
-            <a:off x="2008207" y="1915610"/>
-            <a:ext cx="1620456" cy="749461"/>
-          </a:xfrm>
-          <a:prstGeom prst="roundRect">
+            <a:off x="4700326" y="2240885"/>
+            <a:ext cx="6754723" cy="4247317"/>
+          </a:xfrm>
+          <a:prstGeom prst="rect">
             <a:avLst/>
           </a:prstGeom>
-          <a:ln w="28575">
-            <a:solidFill>
-              <a:schemeClr val="bg2"/>
-            </a:solidFill>
-          </a:ln>
-        </p:spPr>
-        <p:style>
-          <a:lnRef idx="2">
-            <a:schemeClr val="accent5"/>
-          </a:lnRef>
-          <a:fillRef idx="1">
-            <a:schemeClr val="lt1"/>
-          </a:fillRef>
-          <a:effectRef idx="0">
-            <a:schemeClr val="accent5"/>
-          </a:effectRef>
-          <a:fontRef idx="minor">
-            <a:schemeClr val="dk1"/>
-          </a:fontRef>
-        </p:style>
-        <p:txBody>
-          <a:bodyPr rtlCol="0" anchor="ctr"/>
-          <a:lstStyle/>
-          <a:p>
-            <a:pPr algn="ctr"/>
-            <a:r>
-              <a:rPr lang="en-SG" b="1" dirty="0">
-                <a:solidFill>
-                  <a:schemeClr val="bg2"/>
-                </a:solidFill>
-              </a:rPr>
-              <a:t>1. FRW </a:t>
-            </a:r>
-            <a:r>
-              <a:rPr lang="en-SG" dirty="0">
-                <a:solidFill>
-                  <a:schemeClr val="bg2"/>
-                </a:solidFill>
-              </a:rPr>
-              <a:t>(cheese)</a:t>
+        </p:spPr>
+        <p:txBody>
+          <a:bodyPr wrap="square">
+            <a:spAutoFit/>
+          </a:bodyPr>
+          <a:lstStyle/>
+          <a:p>
+            <a:r>
+              <a:rPr lang="en-SG" dirty="0"/>
+              <a:t>A spacetime obtained by gluing two different geometries via a hypersurface </a:t>
+            </a:r>
+            <a:r>
+              <a:rPr lang="el-GR" dirty="0"/>
+              <a:t>Σ</a:t>
+            </a:r>
+            <a:r>
+              <a:rPr lang="en-SG" dirty="0"/>
+              <a:t> is well defined if it satisfies the Israel junction conditions (Israel, 1966):</a:t>
+            </a:r>
+          </a:p>
+          <a:p>
+            <a:endParaRPr lang="en-SG" dirty="0"/>
+          </a:p>
+          <a:p>
+            <a:r>
+              <a:rPr lang="en-SG" sz="2000" b="1" dirty="0"/>
+              <a:t>These junction conditions tell us:</a:t>
+            </a:r>
+          </a:p>
+          <a:p>
+            <a:pPr marL="342900" indent="-342900">
+              <a:buFont typeface="+mj-lt"/>
+              <a:buAutoNum type="arabicPeriod"/>
+            </a:pPr>
+            <a:endParaRPr lang="en-SG" dirty="0"/>
+          </a:p>
+          <a:p>
+            <a:pPr marL="342900" indent="-342900">
+              <a:buFont typeface="+mj-lt"/>
+              <a:buAutoNum type="arabicPeriod"/>
+            </a:pPr>
+            <a:r>
+              <a:rPr lang="en-SG" dirty="0"/>
+              <a:t>The size of the hole is related to the mass by </a:t>
+            </a:r>
+          </a:p>
+          <a:p>
+            <a:pPr marL="342900" indent="-342900">
+              <a:buFont typeface="+mj-lt"/>
+              <a:buAutoNum type="arabicPeriod"/>
+            </a:pPr>
+            <a:endParaRPr lang="en-SG" dirty="0"/>
+          </a:p>
+          <a:p>
+            <a:pPr marL="342900" indent="-342900">
+              <a:buFont typeface="+mj-lt"/>
+              <a:buAutoNum type="arabicPeriod"/>
+            </a:pPr>
+            <a:endParaRPr lang="en-SG" dirty="0"/>
+          </a:p>
+          <a:p>
+            <a:pPr marL="342900" indent="-342900">
+              <a:buFont typeface="+mj-lt"/>
+              <a:buAutoNum type="arabicPeriod"/>
+            </a:pPr>
+            <a:r>
+              <a:rPr lang="en-SG" dirty="0"/>
+              <a:t>The rate of expansion of the hole  in Kottler coordinates:</a:t>
+            </a:r>
+          </a:p>
+          <a:p>
+            <a:pPr marL="342900" indent="-342900">
+              <a:buFont typeface="+mj-lt"/>
+              <a:buAutoNum type="arabicPeriod"/>
+            </a:pPr>
+            <a:endParaRPr lang="en-SG" dirty="0"/>
+          </a:p>
+          <a:p>
+            <a:pPr marL="342900" indent="-342900">
+              <a:buFont typeface="+mj-lt"/>
+              <a:buAutoNum type="arabicPeriod"/>
+            </a:pPr>
+            <a:endParaRPr lang="en-SG" dirty="0"/>
+          </a:p>
+          <a:p>
+            <a:pPr marL="342900" indent="-342900">
+              <a:buFont typeface="+mj-lt"/>
+              <a:buAutoNum type="arabicPeriod"/>
+            </a:pPr>
+            <a:endParaRPr lang="en-SG" dirty="0"/>
+          </a:p>
+          <a:p>
+            <a:pPr marL="342900" indent="-342900">
+              <a:buFont typeface="+mj-lt"/>
+              <a:buAutoNum type="arabicPeriod"/>
+            </a:pPr>
+            <a:r>
+              <a:rPr lang="en-SG" dirty="0"/>
+              <a:t>the Jacobian for translating velocities from one coordinate to the other </a:t>
             </a:r>
           </a:p>
         </p:txBody>
       </p:sp>
       <p:pic>
         <p:nvPicPr>
-          <p:cNvPr id="11" name="Graphic 10">
-            <a:extLst>
-              <a:ext uri="{FF2B5EF4-FFF2-40B4-BE49-F238E27FC236}">
-                <a16:creationId xmlns:a16="http://schemas.microsoft.com/office/drawing/2014/main" id="{95888D32-A8B1-42F0-9D4C-57F0836FC82F}"/>
+          <p:cNvPr id="6" name="Graphic 5">
+            <a:extLst>
+              <a:ext uri="{FF2B5EF4-FFF2-40B4-BE49-F238E27FC236}">
+                <a16:creationId xmlns:a16="http://schemas.microsoft.com/office/drawing/2014/main" id="{9B0DC63A-80C3-4658-B0F0-701B9EB23778}"/>
               </a:ext>
             </a:extLst>
           </p:cNvPr>
@@ -6689,8 +6995,8 @@
         </p:blipFill>
         <p:spPr>
           <a:xfrm>
-            <a:off x="4710655" y="2237140"/>
-            <a:ext cx="5362575" cy="714375"/>
+            <a:off x="5149584" y="5101664"/>
+            <a:ext cx="3533775" cy="619125"/>
           </a:xfrm>
           <a:prstGeom prst="rect">
             <a:avLst/>
@@ -6699,10 +7005,10 @@
       </p:pic>
       <p:pic>
         <p:nvPicPr>
-          <p:cNvPr id="5" name="Graphic 4">
-            <a:extLst>
-              <a:ext uri="{FF2B5EF4-FFF2-40B4-BE49-F238E27FC236}">
-                <a16:creationId xmlns:a16="http://schemas.microsoft.com/office/drawing/2014/main" id="{77DFF968-0702-41D3-AD1B-E37BDB8EE0F0}"/>
+          <p:cNvPr id="8" name="Graphic 7">
+            <a:extLst>
+              <a:ext uri="{FF2B5EF4-FFF2-40B4-BE49-F238E27FC236}">
+                <a16:creationId xmlns:a16="http://schemas.microsoft.com/office/drawing/2014/main" id="{D2C112D4-69A7-49B5-9D2F-DC1A1EA95EDA}"/>
               </a:ext>
             </a:extLst>
           </p:cNvPr>
@@ -6728,221 +7034,8 @@
         </p:blipFill>
         <p:spPr>
           <a:xfrm>
-            <a:off x="5592871" y="2998535"/>
-            <a:ext cx="2867025" cy="647700"/>
-          </a:xfrm>
-          <a:prstGeom prst="rect">
-            <a:avLst/>
-          </a:prstGeom>
-        </p:spPr>
-      </p:pic>
-      <p:sp>
-        <p:nvSpPr>
-          <p:cNvPr id="6" name="TextBox 5">
-            <a:extLst>
-              <a:ext uri="{FF2B5EF4-FFF2-40B4-BE49-F238E27FC236}">
-                <a16:creationId xmlns:a16="http://schemas.microsoft.com/office/drawing/2014/main" id="{33DAEEE3-ED76-4645-A9F0-E01BDF474597}"/>
-              </a:ext>
-            </a:extLst>
-          </p:cNvPr>
-          <p:cNvSpPr txBox="1"/>
-          <p:nvPr/>
-        </p:nvSpPr>
-        <p:spPr>
-          <a:xfrm>
-            <a:off x="4710655" y="3122330"/>
-            <a:ext cx="882216" cy="400110"/>
-          </a:xfrm>
-          <a:prstGeom prst="rect">
-            <a:avLst/>
-          </a:prstGeom>
-          <a:noFill/>
-        </p:spPr>
-        <p:txBody>
-          <a:bodyPr wrap="square" rtlCol="0">
-            <a:spAutoFit/>
-          </a:bodyPr>
-          <a:lstStyle/>
-          <a:p>
-            <a:r>
-              <a:rPr lang="en-SG" sz="2000" dirty="0"/>
-              <a:t>where</a:t>
-            </a:r>
-            <a:endParaRPr lang="en-SG" dirty="0"/>
-          </a:p>
-        </p:txBody>
-      </p:sp>
-      <p:sp>
-        <p:nvSpPr>
-          <p:cNvPr id="7" name="Rectangle: Rounded Corners 6">
-            <a:extLst>
-              <a:ext uri="{FF2B5EF4-FFF2-40B4-BE49-F238E27FC236}">
-                <a16:creationId xmlns:a16="http://schemas.microsoft.com/office/drawing/2014/main" id="{3A42DE37-43FA-4A4F-80A6-D47C4DA2C0CA}"/>
-              </a:ext>
-            </a:extLst>
-          </p:cNvPr>
-          <p:cNvSpPr/>
-          <p:nvPr/>
-        </p:nvSpPr>
-        <p:spPr>
-          <a:xfrm>
-            <a:off x="2008207" y="3443469"/>
-            <a:ext cx="1620456" cy="749461"/>
-          </a:xfrm>
-          <a:prstGeom prst="roundRect">
-            <a:avLst/>
-          </a:prstGeom>
-          <a:ln w="28575"/>
-        </p:spPr>
-        <p:style>
-          <a:lnRef idx="2">
-            <a:schemeClr val="accent5"/>
-          </a:lnRef>
-          <a:fillRef idx="1">
-            <a:schemeClr val="lt1"/>
-          </a:fillRef>
-          <a:effectRef idx="0">
-            <a:schemeClr val="accent5"/>
-          </a:effectRef>
-          <a:fontRef idx="minor">
-            <a:schemeClr val="dk1"/>
-          </a:fontRef>
-        </p:style>
-        <p:txBody>
-          <a:bodyPr rtlCol="0" anchor="ctr"/>
-          <a:lstStyle/>
-          <a:p>
-            <a:pPr algn="ctr"/>
-            <a:r>
-              <a:rPr lang="en-SG" b="1" dirty="0">
-                <a:solidFill>
-                  <a:schemeClr val="tx1"/>
-                </a:solidFill>
-              </a:rPr>
-              <a:t>2. Kottler </a:t>
-            </a:r>
-            <a:r>
-              <a:rPr lang="en-SG" dirty="0">
-                <a:solidFill>
-                  <a:schemeClr val="tx1"/>
-                </a:solidFill>
-              </a:rPr>
-              <a:t>(hole)</a:t>
-            </a:r>
-          </a:p>
-        </p:txBody>
-      </p:sp>
-      <p:sp>
-        <p:nvSpPr>
-          <p:cNvPr id="21" name="TextBox 20">
-            <a:extLst>
-              <a:ext uri="{FF2B5EF4-FFF2-40B4-BE49-F238E27FC236}">
-                <a16:creationId xmlns:a16="http://schemas.microsoft.com/office/drawing/2014/main" id="{774BB039-1FE1-46CD-BAD9-76D73D004780}"/>
-              </a:ext>
-            </a:extLst>
-          </p:cNvPr>
-          <p:cNvSpPr txBox="1"/>
-          <p:nvPr/>
-        </p:nvSpPr>
-        <p:spPr>
-          <a:xfrm>
-            <a:off x="4617334" y="3872284"/>
-            <a:ext cx="3322898" cy="461665"/>
-          </a:xfrm>
-          <a:prstGeom prst="rect">
-            <a:avLst/>
-          </a:prstGeom>
-          <a:noFill/>
-        </p:spPr>
-        <p:txBody>
-          <a:bodyPr wrap="square" rtlCol="0">
-            <a:spAutoFit/>
-          </a:bodyPr>
-          <a:lstStyle/>
-          <a:p>
-            <a:r>
-              <a:rPr lang="en-SG" sz="2400" b="1" dirty="0"/>
-              <a:t>Null geodesics</a:t>
-            </a:r>
-            <a:endParaRPr lang="en-SG" sz="2400" dirty="0">
-              <a:latin typeface="Latin Modern Math" panose="02000503000000000000" pitchFamily="50" charset="0"/>
-              <a:ea typeface="Latin Modern Math" panose="02000503000000000000" pitchFamily="50" charset="0"/>
-            </a:endParaRPr>
-          </a:p>
-        </p:txBody>
-      </p:sp>
-      <p:pic>
-        <p:nvPicPr>
-          <p:cNvPr id="31" name="Graphic 30">
-            <a:extLst>
-              <a:ext uri="{FF2B5EF4-FFF2-40B4-BE49-F238E27FC236}">
-                <a16:creationId xmlns:a16="http://schemas.microsoft.com/office/drawing/2014/main" id="{EDBBC51B-C1A6-4AE8-95C4-B58F33FC703E}"/>
-              </a:ext>
-            </a:extLst>
-          </p:cNvPr>
-          <p:cNvPicPr>
-            <a:picLocks noChangeAspect="1"/>
-          </p:cNvPicPr>
-          <p:nvPr/>
-        </p:nvPicPr>
-        <p:blipFill>
-          <a:blip r:embed="rId6">
-            <a:extLst>
-              <a:ext uri="{28A0092B-C50C-407E-A947-70E740481C1C}">
-                <a14:useLocalDpi xmlns:a14="http://schemas.microsoft.com/office/drawing/2010/main" val="0"/>
-              </a:ext>
-              <a:ext uri="{96DAC541-7B7A-43D3-8B79-37D633B846F1}">
-                <asvg:svgBlip xmlns:asvg="http://schemas.microsoft.com/office/drawing/2016/SVG/main" r:embed="rId7"/>
-              </a:ext>
-            </a:extLst>
-          </a:blip>
-          <a:stretch>
-            <a:fillRect/>
-          </a:stretch>
-        </p:blipFill>
-        <p:spPr>
-          <a:xfrm>
-            <a:off x="4710655" y="4525523"/>
-            <a:ext cx="2171700" cy="647700"/>
-          </a:xfrm>
-          <a:prstGeom prst="rect">
-            <a:avLst/>
-          </a:prstGeom>
-        </p:spPr>
-      </p:pic>
-      <p:pic>
-        <p:nvPicPr>
-          <p:cNvPr id="32" name="Graphic 31">
-            <a:extLst>
-              <a:ext uri="{FF2B5EF4-FFF2-40B4-BE49-F238E27FC236}">
-                <a16:creationId xmlns:a16="http://schemas.microsoft.com/office/drawing/2014/main" id="{5D1EFC26-1BE7-48C7-9296-49CD986E92EF}"/>
-              </a:ext>
-            </a:extLst>
-          </p:cNvPr>
-          <p:cNvPicPr>
-            <a:picLocks noChangeAspect="1"/>
-          </p:cNvPicPr>
-          <p:nvPr/>
-        </p:nvPicPr>
-        <p:blipFill>
-          <a:blip r:embed="rId8">
-            <a:extLst>
-              <a:ext uri="{28A0092B-C50C-407E-A947-70E740481C1C}">
-                <a14:useLocalDpi xmlns:a14="http://schemas.microsoft.com/office/drawing/2010/main" val="0"/>
-              </a:ext>
-              <a:ext uri="{96DAC541-7B7A-43D3-8B79-37D633B846F1}">
-                <asvg:svgBlip xmlns:asvg="http://schemas.microsoft.com/office/drawing/2016/SVG/main" r:embed="rId9"/>
-              </a:ext>
-            </a:extLst>
-          </a:blip>
-          <a:stretch>
-            <a:fillRect/>
-          </a:stretch>
-        </p:blipFill>
-        <p:spPr>
-          <a:xfrm>
-            <a:off x="4710655" y="5318958"/>
-            <a:ext cx="895350" cy="609600"/>
+            <a:off x="5146031" y="4255154"/>
+            <a:ext cx="1200150" cy="409575"/>
           </a:xfrm>
           <a:prstGeom prst="rect">
             <a:avLst/>
@@ -6952,7 +7045,7 @@
     </p:spTree>
     <p:extLst>
       <p:ext uri="{BB962C8B-B14F-4D97-AF65-F5344CB8AC3E}">
-        <p14:creationId xmlns:p14="http://schemas.microsoft.com/office/powerpoint/2010/main" val="2009165165"/>
+        <p14:creationId xmlns:p14="http://schemas.microsoft.com/office/powerpoint/2010/main" val="1923706198"/>
       </p:ext>
     </p:extLst>
   </p:cSld>
@@ -7002,7 +7095,7 @@
           <a:p>
             <a:r>
               <a:rPr lang="en-SG" dirty="0"/>
-              <a:t>Propagation of light</a:t>
+              <a:t>Propagation of light: the full picture</a:t>
             </a:r>
           </a:p>
         </p:txBody>
@@ -7027,11 +7120,7 @@
           <a:prstGeom prst="roundRect">
             <a:avLst/>
           </a:prstGeom>
-          <a:ln w="28575">
-            <a:solidFill>
-              <a:schemeClr val="bg2"/>
-            </a:solidFill>
-          </a:ln>
+          <a:ln w="28575"/>
         </p:spPr>
         <p:style>
           <a:lnRef idx="2">
@@ -7053,22 +7142,93 @@
           <a:p>
             <a:pPr algn="ctr"/>
             <a:r>
-              <a:rPr lang="en-SG" dirty="0">
-                <a:solidFill>
-                  <a:schemeClr val="bg2"/>
-                </a:solidFill>
-              </a:rPr>
-              <a:t>1. FRW</a:t>
-            </a:r>
-          </a:p>
-        </p:txBody>
-      </p:sp>
-      <p:sp>
-        <p:nvSpPr>
-          <p:cNvPr id="9" name="Rectangle: Rounded Corners 8">
-            <a:extLst>
-              <a:ext uri="{FF2B5EF4-FFF2-40B4-BE49-F238E27FC236}">
-                <a16:creationId xmlns:a16="http://schemas.microsoft.com/office/drawing/2014/main" id="{88E786E7-C1DB-42A2-9417-015A4639C0AA}"/>
+              <a:rPr lang="en-SG" b="1" dirty="0"/>
+              <a:t>1. FRW </a:t>
+            </a:r>
+            <a:r>
+              <a:rPr lang="en-SG" dirty="0"/>
+              <a:t>(cheese)</a:t>
+            </a:r>
+          </a:p>
+        </p:txBody>
+      </p:sp>
+      <p:sp>
+        <p:nvSpPr>
+          <p:cNvPr id="6" name="TextBox 5">
+            <a:extLst>
+              <a:ext uri="{FF2B5EF4-FFF2-40B4-BE49-F238E27FC236}">
+                <a16:creationId xmlns:a16="http://schemas.microsoft.com/office/drawing/2014/main" id="{69AA13DB-E5E8-48AC-833D-3EACF0449D29}"/>
+              </a:ext>
+            </a:extLst>
+          </p:cNvPr>
+          <p:cNvSpPr txBox="1"/>
+          <p:nvPr/>
+        </p:nvSpPr>
+        <p:spPr>
+          <a:xfrm>
+            <a:off x="3911278" y="1833815"/>
+            <a:ext cx="6700455" cy="1477328"/>
+          </a:xfrm>
+          <a:prstGeom prst="rect">
+            <a:avLst/>
+          </a:prstGeom>
+          <a:noFill/>
+        </p:spPr>
+        <p:txBody>
+          <a:bodyPr wrap="square" rtlCol="0">
+            <a:spAutoFit/>
+          </a:bodyPr>
+          <a:lstStyle/>
+          <a:p>
+            <a:pPr marL="742950" lvl="1" indent="-285750">
+              <a:buFont typeface="Arial" panose="020B0604020202020204" pitchFamily="34" charset="0"/>
+              <a:buChar char="•"/>
+            </a:pPr>
+            <a:r>
+              <a:rPr lang="en-SG" dirty="0"/>
+              <a:t>Start off light ray with a fixed </a:t>
+            </a:r>
+            <a:r>
+              <a:rPr lang="el-GR" dirty="0"/>
+              <a:t>θ</a:t>
+            </a:r>
+            <a:endParaRPr lang="en-SG" dirty="0"/>
+          </a:p>
+          <a:p>
+            <a:pPr marL="742950" lvl="1" indent="-285750">
+              <a:buFont typeface="Arial" panose="020B0604020202020204" pitchFamily="34" charset="0"/>
+              <a:buChar char="•"/>
+            </a:pPr>
+            <a:r>
+              <a:rPr lang="en-SG" dirty="0"/>
+              <a:t>Propagate light rays until it reaches the boundary of the hole</a:t>
+            </a:r>
+          </a:p>
+          <a:p>
+            <a:pPr marL="742950" lvl="1" indent="-285750">
+              <a:buFont typeface="Arial" panose="020B0604020202020204" pitchFamily="34" charset="0"/>
+              <a:buChar char="•"/>
+            </a:pPr>
+            <a:r>
+              <a:rPr lang="en-SG" dirty="0"/>
+              <a:t>Convert from FRW coordinates to Kottler coordinates using the Jacobian obtained from matching conditions</a:t>
+            </a:r>
+          </a:p>
+          <a:p>
+            <a:pPr marL="285750" indent="-285750">
+              <a:buFont typeface="Arial" panose="020B0604020202020204" pitchFamily="34" charset="0"/>
+              <a:buChar char="•"/>
+            </a:pPr>
+            <a:endParaRPr lang="en-SG" dirty="0"/>
+          </a:p>
+        </p:txBody>
+      </p:sp>
+      <p:sp>
+        <p:nvSpPr>
+          <p:cNvPr id="7" name="Rectangle: Rounded Corners 6">
+            <a:extLst>
+              <a:ext uri="{FF2B5EF4-FFF2-40B4-BE49-F238E27FC236}">
+                <a16:creationId xmlns:a16="http://schemas.microsoft.com/office/drawing/2014/main" id="{3A42DE37-43FA-4A4F-80A6-D47C4DA2C0CA}"/>
               </a:ext>
             </a:extLst>
           </p:cNvPr>
@@ -7077,17 +7237,13 @@
         </p:nvSpPr>
         <p:spPr>
           <a:xfrm>
-            <a:off x="2008207" y="4971328"/>
+            <a:off x="2008207" y="3443469"/>
             <a:ext cx="1620456" cy="749461"/>
           </a:xfrm>
           <a:prstGeom prst="roundRect">
             <a:avLst/>
           </a:prstGeom>
-          <a:ln w="28575">
-            <a:solidFill>
-              <a:schemeClr val="bg2"/>
-            </a:solidFill>
-          </a:ln>
+          <a:ln w="28575"/>
         </p:spPr>
         <p:style>
           <a:lnRef idx="2">
@@ -7109,22 +7265,118 @@
           <a:p>
             <a:pPr algn="ctr"/>
             <a:r>
+              <a:rPr lang="en-SG" b="1" dirty="0"/>
+              <a:t>2. Kottler </a:t>
+            </a:r>
+            <a:r>
+              <a:rPr lang="en-SG" dirty="0"/>
+              <a:t>(hole)</a:t>
+            </a:r>
+          </a:p>
+        </p:txBody>
+      </p:sp>
+      <p:sp>
+        <p:nvSpPr>
+          <p:cNvPr id="8" name="TextBox 7">
+            <a:extLst>
+              <a:ext uri="{FF2B5EF4-FFF2-40B4-BE49-F238E27FC236}">
+                <a16:creationId xmlns:a16="http://schemas.microsoft.com/office/drawing/2014/main" id="{4E3F1387-3A01-4DBC-BCE9-9583F9CC8E06}"/>
+              </a:ext>
+            </a:extLst>
+          </p:cNvPr>
+          <p:cNvSpPr txBox="1"/>
+          <p:nvPr/>
+        </p:nvSpPr>
+        <p:spPr>
+          <a:xfrm>
+            <a:off x="3911278" y="3360511"/>
+            <a:ext cx="7345102" cy="1477328"/>
+          </a:xfrm>
+          <a:prstGeom prst="rect">
+            <a:avLst/>
+          </a:prstGeom>
+          <a:noFill/>
+        </p:spPr>
+        <p:txBody>
+          <a:bodyPr wrap="square" rtlCol="0">
+            <a:spAutoFit/>
+          </a:bodyPr>
+          <a:lstStyle/>
+          <a:p>
+            <a:pPr marL="742950" lvl="1" indent="-285750">
+              <a:buFont typeface="Arial" panose="020B0604020202020204" pitchFamily="34" charset="0"/>
+              <a:buChar char="•"/>
+            </a:pPr>
+            <a:r>
               <a:rPr lang="en-SG" dirty="0">
                 <a:solidFill>
                   <a:schemeClr val="bg2"/>
                 </a:solidFill>
               </a:rPr>
-              <a:t>3. FRW</a:t>
-            </a:r>
-          </a:p>
-        </p:txBody>
-      </p:sp>
-      <p:sp>
-        <p:nvSpPr>
-          <p:cNvPr id="7" name="Rectangle: Rounded Corners 6">
-            <a:extLst>
-              <a:ext uri="{FF2B5EF4-FFF2-40B4-BE49-F238E27FC236}">
-                <a16:creationId xmlns:a16="http://schemas.microsoft.com/office/drawing/2014/main" id="{3A42DE37-43FA-4A4F-80A6-D47C4DA2C0CA}"/>
+              <a:t>Propagate light rays in hole using null geodesic equations</a:t>
+            </a:r>
+          </a:p>
+          <a:p>
+            <a:pPr marL="742950" lvl="1" indent="-285750">
+              <a:buFont typeface="Arial" panose="020B0604020202020204" pitchFamily="34" charset="0"/>
+              <a:buChar char="•"/>
+            </a:pPr>
+            <a:r>
+              <a:rPr lang="en-SG" dirty="0">
+                <a:solidFill>
+                  <a:schemeClr val="bg2"/>
+                </a:solidFill>
+              </a:rPr>
+              <a:t>At the same time, the boundary of the hole is also changing</a:t>
+            </a:r>
+          </a:p>
+          <a:p>
+            <a:pPr marL="742950" lvl="1" indent="-285750">
+              <a:buFont typeface="Arial" panose="020B0604020202020204" pitchFamily="34" charset="0"/>
+              <a:buChar char="•"/>
+            </a:pPr>
+            <a:r>
+              <a:rPr lang="en-SG" dirty="0">
+                <a:solidFill>
+                  <a:schemeClr val="bg2"/>
+                </a:solidFill>
+              </a:rPr>
+              <a:t>Stop when it has reached the boundary of the hole</a:t>
+            </a:r>
+          </a:p>
+          <a:p>
+            <a:pPr marL="742950" lvl="1" indent="-285750">
+              <a:buFont typeface="Arial" panose="020B0604020202020204" pitchFamily="34" charset="0"/>
+              <a:buChar char="•"/>
+            </a:pPr>
+            <a:r>
+              <a:rPr lang="en-SG" dirty="0">
+                <a:solidFill>
+                  <a:schemeClr val="bg2"/>
+                </a:solidFill>
+              </a:rPr>
+              <a:t>convert from Kottler coordinates back to FRW coordinates</a:t>
+            </a:r>
+          </a:p>
+          <a:p>
+            <a:pPr marL="285750" indent="-285750">
+              <a:buFont typeface="Arial" panose="020B0604020202020204" pitchFamily="34" charset="0"/>
+              <a:buChar char="•"/>
+            </a:pPr>
+            <a:endParaRPr lang="en-SG" dirty="0">
+              <a:solidFill>
+                <a:schemeClr val="bg2"/>
+              </a:solidFill>
+            </a:endParaRPr>
+          </a:p>
+        </p:txBody>
+      </p:sp>
+      <p:sp>
+        <p:nvSpPr>
+          <p:cNvPr id="9" name="Rectangle: Rounded Corners 8">
+            <a:extLst>
+              <a:ext uri="{FF2B5EF4-FFF2-40B4-BE49-F238E27FC236}">
+                <a16:creationId xmlns:a16="http://schemas.microsoft.com/office/drawing/2014/main" id="{88E786E7-C1DB-42A2-9417-015A4639C0AA}"/>
               </a:ext>
             </a:extLst>
           </p:cNvPr>
@@ -7133,17 +7385,13 @@
         </p:nvSpPr>
         <p:spPr>
           <a:xfrm>
-            <a:off x="2008207" y="3443469"/>
+            <a:off x="2008207" y="4971328"/>
             <a:ext cx="1620456" cy="749461"/>
           </a:xfrm>
           <a:prstGeom prst="roundRect">
             <a:avLst/>
           </a:prstGeom>
-          <a:ln w="28575">
-            <a:solidFill>
-              <a:schemeClr val="bg2"/>
-            </a:solidFill>
-          </a:ln>
+          <a:ln w="28575"/>
         </p:spPr>
         <p:style>
           <a:lnRef idx="2">
@@ -7165,43 +7413,104 @@
           <a:p>
             <a:pPr algn="ctr"/>
             <a:r>
+              <a:rPr lang="en-SG" b="1" dirty="0"/>
+              <a:t>3. FRW </a:t>
+            </a:r>
+            <a:r>
+              <a:rPr lang="en-SG" dirty="0"/>
+              <a:t>(cheese)</a:t>
+            </a:r>
+          </a:p>
+        </p:txBody>
+      </p:sp>
+      <p:sp>
+        <p:nvSpPr>
+          <p:cNvPr id="10" name="TextBox 9">
+            <a:extLst>
+              <a:ext uri="{FF2B5EF4-FFF2-40B4-BE49-F238E27FC236}">
+                <a16:creationId xmlns:a16="http://schemas.microsoft.com/office/drawing/2014/main" id="{091A3889-37F3-4D71-B5BB-9B8AF3371BEE}"/>
+              </a:ext>
+            </a:extLst>
+          </p:cNvPr>
+          <p:cNvSpPr txBox="1"/>
+          <p:nvPr/>
+        </p:nvSpPr>
+        <p:spPr>
+          <a:xfrm>
+            <a:off x="3911278" y="4980966"/>
+            <a:ext cx="6700455" cy="923330"/>
+          </a:xfrm>
+          <a:prstGeom prst="rect">
+            <a:avLst/>
+          </a:prstGeom>
+          <a:noFill/>
+        </p:spPr>
+        <p:txBody>
+          <a:bodyPr wrap="square" rtlCol="0">
+            <a:spAutoFit/>
+          </a:bodyPr>
+          <a:lstStyle/>
+          <a:p>
+            <a:pPr marL="742950" lvl="1" indent="-285750">
+              <a:buFont typeface="Arial" panose="020B0604020202020204" pitchFamily="34" charset="0"/>
+              <a:buChar char="•"/>
+            </a:pPr>
+            <a:r>
               <a:rPr lang="en-SG" dirty="0">
                 <a:solidFill>
                   <a:schemeClr val="bg2"/>
                 </a:solidFill>
               </a:rPr>
-              <a:t>2. Kottler</a:t>
-            </a:r>
+              <a:t>Continue propagating light rays until it crosses the axis</a:t>
+            </a:r>
+          </a:p>
+          <a:p>
+            <a:pPr marL="742950" lvl="1" indent="-285750">
+              <a:buFont typeface="Arial" panose="020B0604020202020204" pitchFamily="34" charset="0"/>
+              <a:buChar char="•"/>
+            </a:pPr>
+            <a:r>
+              <a:rPr lang="en-SG" dirty="0">
+                <a:solidFill>
+                  <a:schemeClr val="bg2"/>
+                </a:solidFill>
+              </a:rPr>
+              <a:t>Record the coordinate at which it crosses the axis</a:t>
+            </a:r>
+          </a:p>
+          <a:p>
+            <a:pPr marL="285750" indent="-285750">
+              <a:buFont typeface="Arial" panose="020B0604020202020204" pitchFamily="34" charset="0"/>
+              <a:buChar char="•"/>
+            </a:pPr>
+            <a:endParaRPr lang="en-SG" dirty="0"/>
           </a:p>
         </p:txBody>
       </p:sp>
       <p:cxnSp>
         <p:nvCxnSpPr>
-          <p:cNvPr id="14" name="Straight Arrow Connector 13">
-            <a:extLst>
-              <a:ext uri="{FF2B5EF4-FFF2-40B4-BE49-F238E27FC236}">
-                <a16:creationId xmlns:a16="http://schemas.microsoft.com/office/drawing/2014/main" id="{3F732064-553F-461A-A1A5-EF33A6B2AB08}"/>
+          <p:cNvPr id="12" name="Straight Arrow Connector 11">
+            <a:extLst>
+              <a:ext uri="{FF2B5EF4-FFF2-40B4-BE49-F238E27FC236}">
+                <a16:creationId xmlns:a16="http://schemas.microsoft.com/office/drawing/2014/main" id="{4D584F6B-602E-40BF-90F9-B0D4C282FE40}"/>
               </a:ext>
             </a:extLst>
           </p:cNvPr>
           <p:cNvCxnSpPr>
-            <a:stCxn id="7" idx="2"/>
-            <a:endCxn id="9" idx="0"/>
+            <a:stCxn id="4" idx="2"/>
+            <a:endCxn id="7" idx="0"/>
           </p:cNvCxnSpPr>
           <p:nvPr/>
         </p:nvCxnSpPr>
         <p:spPr>
           <a:xfrm>
-            <a:off x="2818435" y="4192930"/>
+            <a:off x="2818435" y="2665071"/>
             <a:ext cx="0" cy="778398"/>
           </a:xfrm>
           <a:prstGeom prst="straightConnector1">
             <a:avLst/>
           </a:prstGeom>
           <a:ln w="28575">
-            <a:solidFill>
-              <a:schemeClr val="accent5"/>
-            </a:solidFill>
             <a:tailEnd type="triangle"/>
           </a:ln>
         </p:spPr>
@@ -7222,31 +7531,28 @@
       </p:cxnSp>
       <p:cxnSp>
         <p:nvCxnSpPr>
-          <p:cNvPr id="12" name="Straight Arrow Connector 11">
-            <a:extLst>
-              <a:ext uri="{FF2B5EF4-FFF2-40B4-BE49-F238E27FC236}">
-                <a16:creationId xmlns:a16="http://schemas.microsoft.com/office/drawing/2014/main" id="{4D584F6B-602E-40BF-90F9-B0D4C282FE40}"/>
+          <p:cNvPr id="14" name="Straight Arrow Connector 13">
+            <a:extLst>
+              <a:ext uri="{FF2B5EF4-FFF2-40B4-BE49-F238E27FC236}">
+                <a16:creationId xmlns:a16="http://schemas.microsoft.com/office/drawing/2014/main" id="{3F732064-553F-461A-A1A5-EF33A6B2AB08}"/>
               </a:ext>
             </a:extLst>
           </p:cNvPr>
           <p:cNvCxnSpPr>
-            <a:stCxn id="4" idx="2"/>
-            <a:endCxn id="7" idx="0"/>
+            <a:stCxn id="7" idx="2"/>
+            <a:endCxn id="9" idx="0"/>
           </p:cNvCxnSpPr>
           <p:nvPr/>
         </p:nvCxnSpPr>
         <p:spPr>
           <a:xfrm>
-            <a:off x="2818435" y="2665071"/>
+            <a:off x="2818435" y="4192930"/>
             <a:ext cx="0" cy="778398"/>
           </a:xfrm>
           <a:prstGeom prst="straightConnector1">
             <a:avLst/>
           </a:prstGeom>
           <a:ln w="28575">
-            <a:solidFill>
-              <a:schemeClr val="accent5"/>
-            </a:solidFill>
             <a:tailEnd type="triangle"/>
           </a:ln>
         </p:spPr>
@@ -7265,130 +7571,10 @@
           </a:fontRef>
         </p:style>
       </p:cxnSp>
-      <p:sp>
-        <p:nvSpPr>
-          <p:cNvPr id="18" name="TextBox 17">
-            <a:extLst>
-              <a:ext uri="{FF2B5EF4-FFF2-40B4-BE49-F238E27FC236}">
-                <a16:creationId xmlns:a16="http://schemas.microsoft.com/office/drawing/2014/main" id="{2CAD9106-5635-4BF9-ADF1-AA94E0663CDB}"/>
-              </a:ext>
-            </a:extLst>
-          </p:cNvPr>
-          <p:cNvSpPr txBox="1"/>
-          <p:nvPr/>
-        </p:nvSpPr>
-        <p:spPr>
-          <a:xfrm flipH="1">
-            <a:off x="4656486" y="1684777"/>
-            <a:ext cx="5124119" cy="461665"/>
-          </a:xfrm>
-          <a:prstGeom prst="rect">
-            <a:avLst/>
-          </a:prstGeom>
-          <a:noFill/>
-        </p:spPr>
-        <p:txBody>
-          <a:bodyPr wrap="square" rtlCol="0">
-            <a:spAutoFit/>
-          </a:bodyPr>
-          <a:lstStyle/>
-          <a:p>
-            <a:r>
-              <a:rPr lang="en-SG" sz="2400" b="1" dirty="0"/>
-              <a:t>Gluing the two metrics together</a:t>
-            </a:r>
-          </a:p>
-        </p:txBody>
-      </p:sp>
-      <p:sp>
-        <p:nvSpPr>
-          <p:cNvPr id="3" name="Rectangle 2">
-            <a:extLst>
-              <a:ext uri="{FF2B5EF4-FFF2-40B4-BE49-F238E27FC236}">
-                <a16:creationId xmlns:a16="http://schemas.microsoft.com/office/drawing/2014/main" id="{26802E7C-F66A-4497-98A1-6C1FAA3F802F}"/>
-              </a:ext>
-            </a:extLst>
-          </p:cNvPr>
-          <p:cNvSpPr/>
-          <p:nvPr/>
-        </p:nvSpPr>
-        <p:spPr>
-          <a:xfrm>
-            <a:off x="4700326" y="2240885"/>
-            <a:ext cx="6754723" cy="2616101"/>
-          </a:xfrm>
-          <a:prstGeom prst="rect">
-            <a:avLst/>
-          </a:prstGeom>
-        </p:spPr>
-        <p:txBody>
-          <a:bodyPr wrap="square">
-            <a:spAutoFit/>
-          </a:bodyPr>
-          <a:lstStyle/>
-          <a:p>
-            <a:r>
-              <a:rPr lang="en-SG" dirty="0"/>
-              <a:t>A spacetime obtained by gluing two different geometries via a hypersurface </a:t>
-            </a:r>
-            <a:r>
-              <a:rPr lang="el-GR" dirty="0"/>
-              <a:t>Σ</a:t>
-            </a:r>
-            <a:r>
-              <a:rPr lang="en-SG" dirty="0"/>
-              <a:t> is well defined if it satisfies the Israel junction conditions [??]:</a:t>
-            </a:r>
-          </a:p>
-          <a:p>
-            <a:endParaRPr lang="en-SG" dirty="0"/>
-          </a:p>
-          <a:p>
-            <a:r>
-              <a:rPr lang="en-SG" sz="2000" b="1" dirty="0"/>
-              <a:t>Both geometries must induce, on </a:t>
-            </a:r>
-            <a:r>
-              <a:rPr lang="el-GR" sz="2000" b="1" dirty="0"/>
-              <a:t>Σ</a:t>
-            </a:r>
-            <a:r>
-              <a:rPr lang="en-SG" sz="2000" b="1" dirty="0"/>
-              <a:t>, </a:t>
-            </a:r>
-          </a:p>
-          <a:p>
-            <a:endParaRPr lang="en-SG" dirty="0"/>
-          </a:p>
-          <a:p>
-            <a:pPr marL="514350" indent="-514350">
-              <a:buFont typeface="+mj-lt"/>
-              <a:buAutoNum type="arabicPeriod"/>
-            </a:pPr>
-            <a:r>
-              <a:rPr lang="en-SG" dirty="0"/>
-              <a:t>the same 3-metric, and</a:t>
-            </a:r>
-          </a:p>
-          <a:p>
-            <a:pPr marL="514350" indent="-514350">
-              <a:buFont typeface="+mj-lt"/>
-              <a:buAutoNum type="arabicPeriod"/>
-            </a:pPr>
-            <a:r>
-              <a:rPr lang="en-SG" dirty="0"/>
-              <a:t>the same extrinsic curvature</a:t>
-            </a:r>
-          </a:p>
-          <a:p>
-            <a:endParaRPr lang="en-SG" dirty="0"/>
-          </a:p>
-        </p:txBody>
-      </p:sp>
     </p:spTree>
     <p:extLst>
       <p:ext uri="{BB962C8B-B14F-4D97-AF65-F5344CB8AC3E}">
-        <p14:creationId xmlns:p14="http://schemas.microsoft.com/office/powerpoint/2010/main" val="3952903197"/>
+        <p14:creationId xmlns:p14="http://schemas.microsoft.com/office/powerpoint/2010/main" val="2134805424"/>
       </p:ext>
     </p:extLst>
   </p:cSld>
@@ -7438,7 +7624,7 @@
           <a:p>
             <a:r>
               <a:rPr lang="en-SG" dirty="0"/>
-              <a:t>Propagation of light</a:t>
+              <a:t>Propagation of light: the full picture</a:t>
             </a:r>
           </a:p>
         </p:txBody>
@@ -7463,11 +7649,7 @@
           <a:prstGeom prst="roundRect">
             <a:avLst/>
           </a:prstGeom>
-          <a:ln w="28575">
-            <a:solidFill>
-              <a:schemeClr val="bg2"/>
-            </a:solidFill>
-          </a:ln>
+          <a:ln w="28575"/>
         </p:spPr>
         <p:style>
           <a:lnRef idx="2">
@@ -7489,22 +7671,93 @@
           <a:p>
             <a:pPr algn="ctr"/>
             <a:r>
-              <a:rPr lang="en-SG" dirty="0">
-                <a:solidFill>
-                  <a:schemeClr val="bg2"/>
-                </a:solidFill>
-              </a:rPr>
-              <a:t>1. FRW</a:t>
-            </a:r>
-          </a:p>
-        </p:txBody>
-      </p:sp>
-      <p:sp>
-        <p:nvSpPr>
-          <p:cNvPr id="9" name="Rectangle: Rounded Corners 8">
-            <a:extLst>
-              <a:ext uri="{FF2B5EF4-FFF2-40B4-BE49-F238E27FC236}">
-                <a16:creationId xmlns:a16="http://schemas.microsoft.com/office/drawing/2014/main" id="{88E786E7-C1DB-42A2-9417-015A4639C0AA}"/>
+              <a:rPr lang="en-SG" b="1" dirty="0"/>
+              <a:t>1. FRW </a:t>
+            </a:r>
+            <a:r>
+              <a:rPr lang="en-SG" dirty="0"/>
+              <a:t>(cheese)</a:t>
+            </a:r>
+          </a:p>
+        </p:txBody>
+      </p:sp>
+      <p:sp>
+        <p:nvSpPr>
+          <p:cNvPr id="6" name="TextBox 5">
+            <a:extLst>
+              <a:ext uri="{FF2B5EF4-FFF2-40B4-BE49-F238E27FC236}">
+                <a16:creationId xmlns:a16="http://schemas.microsoft.com/office/drawing/2014/main" id="{69AA13DB-E5E8-48AC-833D-3EACF0449D29}"/>
+              </a:ext>
+            </a:extLst>
+          </p:cNvPr>
+          <p:cNvSpPr txBox="1"/>
+          <p:nvPr/>
+        </p:nvSpPr>
+        <p:spPr>
+          <a:xfrm>
+            <a:off x="3911278" y="1833815"/>
+            <a:ext cx="6700455" cy="1477328"/>
+          </a:xfrm>
+          <a:prstGeom prst="rect">
+            <a:avLst/>
+          </a:prstGeom>
+          <a:noFill/>
+        </p:spPr>
+        <p:txBody>
+          <a:bodyPr wrap="square" rtlCol="0">
+            <a:spAutoFit/>
+          </a:bodyPr>
+          <a:lstStyle/>
+          <a:p>
+            <a:pPr marL="742950" lvl="1" indent="-285750">
+              <a:buFont typeface="Arial" panose="020B0604020202020204" pitchFamily="34" charset="0"/>
+              <a:buChar char="•"/>
+            </a:pPr>
+            <a:r>
+              <a:rPr lang="en-SG" dirty="0"/>
+              <a:t>Start off light ray with a fixed </a:t>
+            </a:r>
+            <a:r>
+              <a:rPr lang="el-GR" dirty="0"/>
+              <a:t>θ</a:t>
+            </a:r>
+            <a:endParaRPr lang="en-SG" dirty="0"/>
+          </a:p>
+          <a:p>
+            <a:pPr marL="742950" lvl="1" indent="-285750">
+              <a:buFont typeface="Arial" panose="020B0604020202020204" pitchFamily="34" charset="0"/>
+              <a:buChar char="•"/>
+            </a:pPr>
+            <a:r>
+              <a:rPr lang="en-SG" dirty="0"/>
+              <a:t>Propagate light rays until it reaches the boundary of the hole</a:t>
+            </a:r>
+          </a:p>
+          <a:p>
+            <a:pPr marL="742950" lvl="1" indent="-285750">
+              <a:buFont typeface="Arial" panose="020B0604020202020204" pitchFamily="34" charset="0"/>
+              <a:buChar char="•"/>
+            </a:pPr>
+            <a:r>
+              <a:rPr lang="en-SG" dirty="0"/>
+              <a:t>Convert from FRW coordinates to Kottler coordinates using the Jacobian obtained from matching conditions</a:t>
+            </a:r>
+          </a:p>
+          <a:p>
+            <a:pPr marL="285750" indent="-285750">
+              <a:buFont typeface="Arial" panose="020B0604020202020204" pitchFamily="34" charset="0"/>
+              <a:buChar char="•"/>
+            </a:pPr>
+            <a:endParaRPr lang="en-SG" dirty="0"/>
+          </a:p>
+        </p:txBody>
+      </p:sp>
+      <p:sp>
+        <p:nvSpPr>
+          <p:cNvPr id="7" name="Rectangle: Rounded Corners 6">
+            <a:extLst>
+              <a:ext uri="{FF2B5EF4-FFF2-40B4-BE49-F238E27FC236}">
+                <a16:creationId xmlns:a16="http://schemas.microsoft.com/office/drawing/2014/main" id="{3A42DE37-43FA-4A4F-80A6-D47C4DA2C0CA}"/>
               </a:ext>
             </a:extLst>
           </p:cNvPr>
@@ -7513,17 +7766,13 @@
         </p:nvSpPr>
         <p:spPr>
           <a:xfrm>
-            <a:off x="2008207" y="4971328"/>
+            <a:off x="2008207" y="3443469"/>
             <a:ext cx="1620456" cy="749461"/>
           </a:xfrm>
           <a:prstGeom prst="roundRect">
             <a:avLst/>
           </a:prstGeom>
-          <a:ln w="28575">
-            <a:solidFill>
-              <a:schemeClr val="bg2"/>
-            </a:solidFill>
-          </a:ln>
+          <a:ln w="28575"/>
         </p:spPr>
         <p:style>
           <a:lnRef idx="2">
@@ -7545,22 +7794,98 @@
           <a:p>
             <a:pPr algn="ctr"/>
             <a:r>
-              <a:rPr lang="en-SG" dirty="0">
-                <a:solidFill>
-                  <a:schemeClr val="bg2"/>
-                </a:solidFill>
-              </a:rPr>
-              <a:t>3. FRW</a:t>
-            </a:r>
-          </a:p>
-        </p:txBody>
-      </p:sp>
-      <p:sp>
-        <p:nvSpPr>
-          <p:cNvPr id="7" name="Rectangle: Rounded Corners 6">
-            <a:extLst>
-              <a:ext uri="{FF2B5EF4-FFF2-40B4-BE49-F238E27FC236}">
-                <a16:creationId xmlns:a16="http://schemas.microsoft.com/office/drawing/2014/main" id="{3A42DE37-43FA-4A4F-80A6-D47C4DA2C0CA}"/>
+              <a:rPr lang="en-SG" b="1" dirty="0"/>
+              <a:t>2. Kottler </a:t>
+            </a:r>
+            <a:r>
+              <a:rPr lang="en-SG" dirty="0"/>
+              <a:t>(hole)</a:t>
+            </a:r>
+          </a:p>
+        </p:txBody>
+      </p:sp>
+      <p:sp>
+        <p:nvSpPr>
+          <p:cNvPr id="8" name="TextBox 7">
+            <a:extLst>
+              <a:ext uri="{FF2B5EF4-FFF2-40B4-BE49-F238E27FC236}">
+                <a16:creationId xmlns:a16="http://schemas.microsoft.com/office/drawing/2014/main" id="{4E3F1387-3A01-4DBC-BCE9-9583F9CC8E06}"/>
+              </a:ext>
+            </a:extLst>
+          </p:cNvPr>
+          <p:cNvSpPr txBox="1"/>
+          <p:nvPr/>
+        </p:nvSpPr>
+        <p:spPr>
+          <a:xfrm>
+            <a:off x="3911278" y="3360511"/>
+            <a:ext cx="7345102" cy="1477328"/>
+          </a:xfrm>
+          <a:prstGeom prst="rect">
+            <a:avLst/>
+          </a:prstGeom>
+          <a:noFill/>
+        </p:spPr>
+        <p:txBody>
+          <a:bodyPr wrap="square" rtlCol="0">
+            <a:spAutoFit/>
+          </a:bodyPr>
+          <a:lstStyle/>
+          <a:p>
+            <a:pPr marL="742950" lvl="1" indent="-285750">
+              <a:buFont typeface="Arial" panose="020B0604020202020204" pitchFamily="34" charset="0"/>
+              <a:buChar char="•"/>
+            </a:pPr>
+            <a:r>
+              <a:rPr lang="en-SG" dirty="0"/>
+              <a:t>Propagate light rays in hole using null geodesic equations</a:t>
+            </a:r>
+          </a:p>
+          <a:p>
+            <a:pPr marL="742950" lvl="1" indent="-285750">
+              <a:buFont typeface="Arial" panose="020B0604020202020204" pitchFamily="34" charset="0"/>
+              <a:buChar char="•"/>
+            </a:pPr>
+            <a:r>
+              <a:rPr lang="en-SG" dirty="0"/>
+              <a:t>At the same time, the boundary of the hole is also changing</a:t>
+            </a:r>
+          </a:p>
+          <a:p>
+            <a:pPr marL="742950" lvl="1" indent="-285750">
+              <a:buFont typeface="Arial" panose="020B0604020202020204" pitchFamily="34" charset="0"/>
+              <a:buChar char="•"/>
+            </a:pPr>
+            <a:r>
+              <a:rPr lang="en-SG" dirty="0"/>
+              <a:t>Stop when it has reached the boundary of the hole</a:t>
+            </a:r>
+          </a:p>
+          <a:p>
+            <a:pPr marL="742950" lvl="1" indent="-285750">
+              <a:buFont typeface="Arial" panose="020B0604020202020204" pitchFamily="34" charset="0"/>
+              <a:buChar char="•"/>
+            </a:pPr>
+            <a:r>
+              <a:rPr lang="en-SG" dirty="0"/>
+              <a:t>convert from Kottler coordinates back to FRW coordinates</a:t>
+            </a:r>
+          </a:p>
+          <a:p>
+            <a:pPr marL="285750" indent="-285750">
+              <a:buFont typeface="Arial" panose="020B0604020202020204" pitchFamily="34" charset="0"/>
+              <a:buChar char="•"/>
+            </a:pPr>
+            <a:endParaRPr lang="en-SG" dirty="0"/>
+          </a:p>
+        </p:txBody>
+      </p:sp>
+      <p:sp>
+        <p:nvSpPr>
+          <p:cNvPr id="9" name="Rectangle: Rounded Corners 8">
+            <a:extLst>
+              <a:ext uri="{FF2B5EF4-FFF2-40B4-BE49-F238E27FC236}">
+                <a16:creationId xmlns:a16="http://schemas.microsoft.com/office/drawing/2014/main" id="{88E786E7-C1DB-42A2-9417-015A4639C0AA}"/>
               </a:ext>
             </a:extLst>
           </p:cNvPr>
@@ -7569,17 +7894,13 @@
         </p:nvSpPr>
         <p:spPr>
           <a:xfrm>
-            <a:off x="2008207" y="3443469"/>
+            <a:off x="2008207" y="4971328"/>
             <a:ext cx="1620456" cy="749461"/>
           </a:xfrm>
           <a:prstGeom prst="roundRect">
             <a:avLst/>
           </a:prstGeom>
-          <a:ln w="28575">
-            <a:solidFill>
-              <a:schemeClr val="bg2"/>
-            </a:solidFill>
-          </a:ln>
+          <a:ln w="28575"/>
         </p:spPr>
         <p:style>
           <a:lnRef idx="2">
@@ -7601,43 +7922,104 @@
           <a:p>
             <a:pPr algn="ctr"/>
             <a:r>
+              <a:rPr lang="en-SG" b="1" dirty="0"/>
+              <a:t>3. FRW </a:t>
+            </a:r>
+            <a:r>
+              <a:rPr lang="en-SG" dirty="0"/>
+              <a:t>(cheese)</a:t>
+            </a:r>
+          </a:p>
+        </p:txBody>
+      </p:sp>
+      <p:sp>
+        <p:nvSpPr>
+          <p:cNvPr id="10" name="TextBox 9">
+            <a:extLst>
+              <a:ext uri="{FF2B5EF4-FFF2-40B4-BE49-F238E27FC236}">
+                <a16:creationId xmlns:a16="http://schemas.microsoft.com/office/drawing/2014/main" id="{091A3889-37F3-4D71-B5BB-9B8AF3371BEE}"/>
+              </a:ext>
+            </a:extLst>
+          </p:cNvPr>
+          <p:cNvSpPr txBox="1"/>
+          <p:nvPr/>
+        </p:nvSpPr>
+        <p:spPr>
+          <a:xfrm>
+            <a:off x="3911278" y="4980966"/>
+            <a:ext cx="6700455" cy="923330"/>
+          </a:xfrm>
+          <a:prstGeom prst="rect">
+            <a:avLst/>
+          </a:prstGeom>
+          <a:noFill/>
+        </p:spPr>
+        <p:txBody>
+          <a:bodyPr wrap="square" rtlCol="0">
+            <a:spAutoFit/>
+          </a:bodyPr>
+          <a:lstStyle/>
+          <a:p>
+            <a:pPr marL="742950" lvl="1" indent="-285750">
+              <a:buFont typeface="Arial" panose="020B0604020202020204" pitchFamily="34" charset="0"/>
+              <a:buChar char="•"/>
+            </a:pPr>
+            <a:r>
               <a:rPr lang="en-SG" dirty="0">
                 <a:solidFill>
                   <a:schemeClr val="bg2"/>
                 </a:solidFill>
               </a:rPr>
-              <a:t>2. Kottler</a:t>
-            </a:r>
+              <a:t>Continue propagating light rays until it crosses the axis</a:t>
+            </a:r>
+          </a:p>
+          <a:p>
+            <a:pPr marL="742950" lvl="1" indent="-285750">
+              <a:buFont typeface="Arial" panose="020B0604020202020204" pitchFamily="34" charset="0"/>
+              <a:buChar char="•"/>
+            </a:pPr>
+            <a:r>
+              <a:rPr lang="en-SG" dirty="0">
+                <a:solidFill>
+                  <a:schemeClr val="bg2"/>
+                </a:solidFill>
+              </a:rPr>
+              <a:t>Record the coordinate at which it crosses the axis</a:t>
+            </a:r>
+          </a:p>
+          <a:p>
+            <a:pPr marL="285750" indent="-285750">
+              <a:buFont typeface="Arial" panose="020B0604020202020204" pitchFamily="34" charset="0"/>
+              <a:buChar char="•"/>
+            </a:pPr>
+            <a:endParaRPr lang="en-SG" dirty="0"/>
           </a:p>
         </p:txBody>
       </p:sp>
       <p:cxnSp>
         <p:nvCxnSpPr>
-          <p:cNvPr id="14" name="Straight Arrow Connector 13">
-            <a:extLst>
-              <a:ext uri="{FF2B5EF4-FFF2-40B4-BE49-F238E27FC236}">
-                <a16:creationId xmlns:a16="http://schemas.microsoft.com/office/drawing/2014/main" id="{3F732064-553F-461A-A1A5-EF33A6B2AB08}"/>
+          <p:cNvPr id="12" name="Straight Arrow Connector 11">
+            <a:extLst>
+              <a:ext uri="{FF2B5EF4-FFF2-40B4-BE49-F238E27FC236}">
+                <a16:creationId xmlns:a16="http://schemas.microsoft.com/office/drawing/2014/main" id="{4D584F6B-602E-40BF-90F9-B0D4C282FE40}"/>
               </a:ext>
             </a:extLst>
           </p:cNvPr>
           <p:cNvCxnSpPr>
-            <a:stCxn id="7" idx="2"/>
-            <a:endCxn id="9" idx="0"/>
+            <a:stCxn id="4" idx="2"/>
+            <a:endCxn id="7" idx="0"/>
           </p:cNvCxnSpPr>
           <p:nvPr/>
         </p:nvCxnSpPr>
         <p:spPr>
           <a:xfrm>
-            <a:off x="2818435" y="4192930"/>
+            <a:off x="2818435" y="2665071"/>
             <a:ext cx="0" cy="778398"/>
           </a:xfrm>
           <a:prstGeom prst="straightConnector1">
             <a:avLst/>
           </a:prstGeom>
           <a:ln w="28575">
-            <a:solidFill>
-              <a:schemeClr val="accent5"/>
-            </a:solidFill>
             <a:tailEnd type="triangle"/>
           </a:ln>
         </p:spPr>
@@ -7658,31 +8040,28 @@
       </p:cxnSp>
       <p:cxnSp>
         <p:nvCxnSpPr>
-          <p:cNvPr id="12" name="Straight Arrow Connector 11">
-            <a:extLst>
-              <a:ext uri="{FF2B5EF4-FFF2-40B4-BE49-F238E27FC236}">
-                <a16:creationId xmlns:a16="http://schemas.microsoft.com/office/drawing/2014/main" id="{4D584F6B-602E-40BF-90F9-B0D4C282FE40}"/>
+          <p:cNvPr id="14" name="Straight Arrow Connector 13">
+            <a:extLst>
+              <a:ext uri="{FF2B5EF4-FFF2-40B4-BE49-F238E27FC236}">
+                <a16:creationId xmlns:a16="http://schemas.microsoft.com/office/drawing/2014/main" id="{3F732064-553F-461A-A1A5-EF33A6B2AB08}"/>
               </a:ext>
             </a:extLst>
           </p:cNvPr>
           <p:cNvCxnSpPr>
-            <a:stCxn id="4" idx="2"/>
-            <a:endCxn id="7" idx="0"/>
+            <a:stCxn id="7" idx="2"/>
+            <a:endCxn id="9" idx="0"/>
           </p:cNvCxnSpPr>
           <p:nvPr/>
         </p:nvCxnSpPr>
         <p:spPr>
           <a:xfrm>
-            <a:off x="2818435" y="2665071"/>
+            <a:off x="2818435" y="4192930"/>
             <a:ext cx="0" cy="778398"/>
           </a:xfrm>
           <a:prstGeom prst="straightConnector1">
             <a:avLst/>
           </a:prstGeom>
           <a:ln w="28575">
-            <a:solidFill>
-              <a:schemeClr val="accent5"/>
-            </a:solidFill>
             <a:tailEnd type="triangle"/>
           </a:ln>
         </p:spPr>
@@ -7701,246 +8080,10 @@
           </a:fontRef>
         </p:style>
       </p:cxnSp>
-      <p:sp>
-        <p:nvSpPr>
-          <p:cNvPr id="18" name="TextBox 17">
-            <a:extLst>
-              <a:ext uri="{FF2B5EF4-FFF2-40B4-BE49-F238E27FC236}">
-                <a16:creationId xmlns:a16="http://schemas.microsoft.com/office/drawing/2014/main" id="{2CAD9106-5635-4BF9-ADF1-AA94E0663CDB}"/>
-              </a:ext>
-            </a:extLst>
-          </p:cNvPr>
-          <p:cNvSpPr txBox="1"/>
-          <p:nvPr/>
-        </p:nvSpPr>
-        <p:spPr>
-          <a:xfrm flipH="1">
-            <a:off x="4656486" y="1684777"/>
-            <a:ext cx="5124119" cy="461665"/>
-          </a:xfrm>
-          <a:prstGeom prst="rect">
-            <a:avLst/>
-          </a:prstGeom>
-          <a:noFill/>
-        </p:spPr>
-        <p:txBody>
-          <a:bodyPr wrap="square" rtlCol="0">
-            <a:spAutoFit/>
-          </a:bodyPr>
-          <a:lstStyle/>
-          <a:p>
-            <a:r>
-              <a:rPr lang="en-SG" sz="2400" b="1" dirty="0"/>
-              <a:t>Gluing the two metrics together</a:t>
-            </a:r>
-          </a:p>
-        </p:txBody>
-      </p:sp>
-      <p:sp>
-        <p:nvSpPr>
-          <p:cNvPr id="3" name="Rectangle 2">
-            <a:extLst>
-              <a:ext uri="{FF2B5EF4-FFF2-40B4-BE49-F238E27FC236}">
-                <a16:creationId xmlns:a16="http://schemas.microsoft.com/office/drawing/2014/main" id="{26802E7C-F66A-4497-98A1-6C1FAA3F802F}"/>
-              </a:ext>
-            </a:extLst>
-          </p:cNvPr>
-          <p:cNvSpPr/>
-          <p:nvPr/>
-        </p:nvSpPr>
-        <p:spPr>
-          <a:xfrm>
-            <a:off x="4700326" y="2240885"/>
-            <a:ext cx="6754723" cy="4247317"/>
-          </a:xfrm>
-          <a:prstGeom prst="rect">
-            <a:avLst/>
-          </a:prstGeom>
-        </p:spPr>
-        <p:txBody>
-          <a:bodyPr wrap="square">
-            <a:spAutoFit/>
-          </a:bodyPr>
-          <a:lstStyle/>
-          <a:p>
-            <a:r>
-              <a:rPr lang="en-SG" dirty="0"/>
-              <a:t>A spacetime obtained by gluing two different geometries via a hypersurface </a:t>
-            </a:r>
-            <a:r>
-              <a:rPr lang="el-GR" dirty="0"/>
-              <a:t>Σ</a:t>
-            </a:r>
-            <a:r>
-              <a:rPr lang="en-SG" dirty="0"/>
-              <a:t> is well defined if it satisfies the Israel junction conditions [??]:</a:t>
-            </a:r>
-          </a:p>
-          <a:p>
-            <a:endParaRPr lang="en-SG" dirty="0"/>
-          </a:p>
-          <a:p>
-            <a:r>
-              <a:rPr lang="en-SG" sz="2000" b="1" dirty="0"/>
-              <a:t>These junction conditions tell us:</a:t>
-            </a:r>
-          </a:p>
-          <a:p>
-            <a:pPr marL="342900" indent="-342900">
-              <a:buFont typeface="+mj-lt"/>
-              <a:buAutoNum type="arabicPeriod"/>
-            </a:pPr>
-            <a:endParaRPr lang="en-SG" dirty="0"/>
-          </a:p>
-          <a:p>
-            <a:pPr marL="342900" indent="-342900">
-              <a:buFont typeface="+mj-lt"/>
-              <a:buAutoNum type="arabicPeriod"/>
-            </a:pPr>
-            <a:r>
-              <a:rPr lang="en-SG" dirty="0"/>
-              <a:t>The size of the hole is related to the mass by </a:t>
-            </a:r>
-          </a:p>
-          <a:p>
-            <a:pPr marL="342900" indent="-342900">
-              <a:buFont typeface="+mj-lt"/>
-              <a:buAutoNum type="arabicPeriod"/>
-            </a:pPr>
-            <a:endParaRPr lang="en-SG" dirty="0"/>
-          </a:p>
-          <a:p>
-            <a:pPr marL="342900" indent="-342900">
-              <a:buFont typeface="+mj-lt"/>
-              <a:buAutoNum type="arabicPeriod"/>
-            </a:pPr>
-            <a:endParaRPr lang="en-SG" dirty="0"/>
-          </a:p>
-          <a:p>
-            <a:pPr marL="342900" indent="-342900">
-              <a:buFont typeface="+mj-lt"/>
-              <a:buAutoNum type="arabicPeriod"/>
-            </a:pPr>
-            <a:r>
-              <a:rPr lang="en-SG" dirty="0"/>
-              <a:t>The rate of expansion of the hole  in Kottler coordinates:</a:t>
-            </a:r>
-          </a:p>
-          <a:p>
-            <a:pPr marL="342900" indent="-342900">
-              <a:buFont typeface="+mj-lt"/>
-              <a:buAutoNum type="arabicPeriod"/>
-            </a:pPr>
-            <a:endParaRPr lang="en-SG" dirty="0"/>
-          </a:p>
-          <a:p>
-            <a:pPr marL="342900" indent="-342900">
-              <a:buFont typeface="+mj-lt"/>
-              <a:buAutoNum type="arabicPeriod"/>
-            </a:pPr>
-            <a:endParaRPr lang="en-SG" dirty="0"/>
-          </a:p>
-          <a:p>
-            <a:pPr marL="342900" indent="-342900">
-              <a:buFont typeface="+mj-lt"/>
-              <a:buAutoNum type="arabicPeriod"/>
-            </a:pPr>
-            <a:endParaRPr lang="en-SG" dirty="0"/>
-          </a:p>
-          <a:p>
-            <a:pPr marL="342900" indent="-342900">
-              <a:buFont typeface="+mj-lt"/>
-              <a:buAutoNum type="arabicPeriod"/>
-            </a:pPr>
-            <a:r>
-              <a:rPr lang="en-SG" dirty="0"/>
-              <a:t>the Jacobian for translating velocities from one coordinate to the other </a:t>
-            </a:r>
-          </a:p>
-        </p:txBody>
-      </p:sp>
-      <p:pic>
-        <p:nvPicPr>
-          <p:cNvPr id="6" name="Graphic 5">
-            <a:extLst>
-              <a:ext uri="{FF2B5EF4-FFF2-40B4-BE49-F238E27FC236}">
-                <a16:creationId xmlns:a16="http://schemas.microsoft.com/office/drawing/2014/main" id="{9B0DC63A-80C3-4658-B0F0-701B9EB23778}"/>
-              </a:ext>
-            </a:extLst>
-          </p:cNvPr>
-          <p:cNvPicPr>
-            <a:picLocks noChangeAspect="1"/>
-          </p:cNvPicPr>
-          <p:nvPr/>
-        </p:nvPicPr>
-        <p:blipFill>
-          <a:blip r:embed="rId2">
-            <a:extLst>
-              <a:ext uri="{28A0092B-C50C-407E-A947-70E740481C1C}">
-                <a14:useLocalDpi xmlns:a14="http://schemas.microsoft.com/office/drawing/2010/main" val="0"/>
-              </a:ext>
-              <a:ext uri="{96DAC541-7B7A-43D3-8B79-37D633B846F1}">
-                <asvg:svgBlip xmlns:asvg="http://schemas.microsoft.com/office/drawing/2016/SVG/main" r:embed="rId3"/>
-              </a:ext>
-            </a:extLst>
-          </a:blip>
-          <a:stretch>
-            <a:fillRect/>
-          </a:stretch>
-        </p:blipFill>
-        <p:spPr>
-          <a:xfrm>
-            <a:off x="5149584" y="5101664"/>
-            <a:ext cx="3533775" cy="619125"/>
-          </a:xfrm>
-          <a:prstGeom prst="rect">
-            <a:avLst/>
-          </a:prstGeom>
-        </p:spPr>
-      </p:pic>
-      <p:pic>
-        <p:nvPicPr>
-          <p:cNvPr id="8" name="Graphic 7">
-            <a:extLst>
-              <a:ext uri="{FF2B5EF4-FFF2-40B4-BE49-F238E27FC236}">
-                <a16:creationId xmlns:a16="http://schemas.microsoft.com/office/drawing/2014/main" id="{D2C112D4-69A7-49B5-9D2F-DC1A1EA95EDA}"/>
-              </a:ext>
-            </a:extLst>
-          </p:cNvPr>
-          <p:cNvPicPr>
-            <a:picLocks noChangeAspect="1"/>
-          </p:cNvPicPr>
-          <p:nvPr/>
-        </p:nvPicPr>
-        <p:blipFill>
-          <a:blip r:embed="rId4">
-            <a:extLst>
-              <a:ext uri="{28A0092B-C50C-407E-A947-70E740481C1C}">
-                <a14:useLocalDpi xmlns:a14="http://schemas.microsoft.com/office/drawing/2010/main" val="0"/>
-              </a:ext>
-              <a:ext uri="{96DAC541-7B7A-43D3-8B79-37D633B846F1}">
-                <asvg:svgBlip xmlns:asvg="http://schemas.microsoft.com/office/drawing/2016/SVG/main" r:embed="rId5"/>
-              </a:ext>
-            </a:extLst>
-          </a:blip>
-          <a:stretch>
-            <a:fillRect/>
-          </a:stretch>
-        </p:blipFill>
-        <p:spPr>
-          <a:xfrm>
-            <a:off x="5146031" y="4255154"/>
-            <a:ext cx="1200150" cy="409575"/>
-          </a:xfrm>
-          <a:prstGeom prst="rect">
-            <a:avLst/>
-          </a:prstGeom>
-        </p:spPr>
-      </p:pic>
     </p:spTree>
     <p:extLst>
       <p:ext uri="{BB962C8B-B14F-4D97-AF65-F5344CB8AC3E}">
-        <p14:creationId xmlns:p14="http://schemas.microsoft.com/office/powerpoint/2010/main" val="1923706198"/>
+        <p14:creationId xmlns:p14="http://schemas.microsoft.com/office/powerpoint/2010/main" val="2603182385"/>
       </p:ext>
     </p:extLst>
   </p:cSld>
@@ -8473,7 +8616,7 @@
           <p:cNvPr id="2" name="Title 1">
             <a:extLst>
               <a:ext uri="{FF2B5EF4-FFF2-40B4-BE49-F238E27FC236}">
-                <a16:creationId xmlns:a16="http://schemas.microsoft.com/office/drawing/2014/main" id="{6FAD5C0E-9E78-4916-979C-DBF5B32C23E0}"/>
+                <a16:creationId xmlns:a16="http://schemas.microsoft.com/office/drawing/2014/main" id="{17B95E15-44A4-4729-ADC1-A3C5886E1970}"/>
               </a:ext>
             </a:extLst>
           </p:cNvPr>
@@ -8491,129 +8634,32 @@
           <a:p>
             <a:r>
               <a:rPr lang="en-SG" dirty="0"/>
-              <a:t>Preliminary results</a:t>
-            </a:r>
-          </a:p>
-        </p:txBody>
-      </p:sp>
-      <p:pic>
-        <p:nvPicPr>
-          <p:cNvPr id="5" name="Content Placeholder 4" descr="A picture containing object&#10;&#10;Description generated with high confidence">
-            <a:extLst>
-              <a:ext uri="{FF2B5EF4-FFF2-40B4-BE49-F238E27FC236}">
-                <a16:creationId xmlns:a16="http://schemas.microsoft.com/office/drawing/2014/main" id="{65CD4BE8-FA2D-4919-95D0-D784BFB80FAC}"/>
-              </a:ext>
-            </a:extLst>
-          </p:cNvPr>
-          <p:cNvPicPr>
-            <a:picLocks noGrp="1" noChangeAspect="1"/>
-          </p:cNvPicPr>
+              <a:t>Results</a:t>
+            </a:r>
+          </a:p>
+        </p:txBody>
+      </p:sp>
+      <p:sp>
+        <p:nvSpPr>
+          <p:cNvPr id="3" name="Text Placeholder 2">
+            <a:extLst>
+              <a:ext uri="{FF2B5EF4-FFF2-40B4-BE49-F238E27FC236}">
+                <a16:creationId xmlns:a16="http://schemas.microsoft.com/office/drawing/2014/main" id="{64C4893C-F4B9-4EA0-ABF4-E7B4376F6B07}"/>
+              </a:ext>
+            </a:extLst>
+          </p:cNvPr>
+          <p:cNvSpPr>
+            <a:spLocks noGrp="1"/>
+          </p:cNvSpPr>
           <p:nvPr>
-            <p:ph idx="1"/>
+            <p:ph type="body" idx="1"/>
           </p:nvPr>
-        </p:nvPicPr>
-        <p:blipFill>
-          <a:blip r:embed="rId2">
-            <a:extLst>
-              <a:ext uri="{28A0092B-C50C-407E-A947-70E740481C1C}">
-                <a14:useLocalDpi xmlns:a14="http://schemas.microsoft.com/office/drawing/2010/main" val="0"/>
-              </a:ext>
-            </a:extLst>
-          </a:blip>
-          <a:stretch>
-            <a:fillRect/>
-          </a:stretch>
-        </p:blipFill>
-        <p:spPr>
-          <a:xfrm>
-            <a:off x="665961" y="1265342"/>
-            <a:ext cx="8001006" cy="5334004"/>
-          </a:xfrm>
-        </p:spPr>
-      </p:pic>
-      <p:sp>
-        <p:nvSpPr>
-          <p:cNvPr id="6" name="TextBox 5">
-            <a:extLst>
-              <a:ext uri="{FF2B5EF4-FFF2-40B4-BE49-F238E27FC236}">
-                <a16:creationId xmlns:a16="http://schemas.microsoft.com/office/drawing/2014/main" id="{E9E7E422-78B3-416A-8AAB-62B14D0F5776}"/>
-              </a:ext>
-            </a:extLst>
-          </p:cNvPr>
-          <p:cNvSpPr txBox="1"/>
-          <p:nvPr/>
-        </p:nvSpPr>
-        <p:spPr>
-          <a:xfrm>
-            <a:off x="8260915" y="2282969"/>
-            <a:ext cx="3394553" cy="3724096"/>
-          </a:xfrm>
-          <a:prstGeom prst="rect">
-            <a:avLst/>
-          </a:prstGeom>
-          <a:noFill/>
-        </p:spPr>
-        <p:txBody>
-          <a:bodyPr wrap="square" rtlCol="0">
-            <a:spAutoFit/>
-          </a:bodyPr>
-          <a:lstStyle/>
-          <a:p>
-            <a:pPr marL="285750" indent="-285750">
-              <a:buFont typeface="Arial" panose="020B0604020202020204" pitchFamily="34" charset="0"/>
-              <a:buChar char="•"/>
-            </a:pPr>
-            <a:r>
-              <a:rPr lang="en-SG" sz="2000" dirty="0"/>
-              <a:t>Numerical errors need to be reduced</a:t>
-            </a:r>
-          </a:p>
-          <a:p>
-            <a:pPr marL="285750" indent="-285750">
-              <a:buFont typeface="Arial" panose="020B0604020202020204" pitchFamily="34" charset="0"/>
-              <a:buChar char="•"/>
-            </a:pPr>
-            <a:endParaRPr lang="en-SG" sz="2000" dirty="0"/>
-          </a:p>
-          <a:p>
-            <a:pPr marL="285750" indent="-285750">
-              <a:buFont typeface="Arial" panose="020B0604020202020204" pitchFamily="34" charset="0"/>
-              <a:buChar char="•"/>
-            </a:pPr>
-            <a:r>
-              <a:rPr lang="en-SG" sz="2000" dirty="0"/>
-              <a:t>Light ray is in FRW most of the time</a:t>
-            </a:r>
-          </a:p>
-          <a:p>
-            <a:pPr marL="285750" indent="-285750">
-              <a:buFont typeface="Arial" panose="020B0604020202020204" pitchFamily="34" charset="0"/>
-              <a:buChar char="•"/>
-            </a:pPr>
-            <a:endParaRPr lang="en-SG" sz="2000" dirty="0"/>
-          </a:p>
-          <a:p>
-            <a:pPr marL="285750" indent="-285750">
-              <a:buFont typeface="Arial" panose="020B0604020202020204" pitchFamily="34" charset="0"/>
-              <a:buChar char="•"/>
-            </a:pPr>
-            <a:r>
-              <a:rPr lang="en-SG" sz="2000" dirty="0"/>
-              <a:t>Replace FRW numerical integration with analytical calculation from geometry considerations</a:t>
-            </a:r>
-          </a:p>
-          <a:p>
-            <a:pPr marL="285750" indent="-285750">
-              <a:buFont typeface="Arial" panose="020B0604020202020204" pitchFamily="34" charset="0"/>
-              <a:buChar char="•"/>
-            </a:pPr>
-            <a:endParaRPr lang="en-SG" dirty="0"/>
-          </a:p>
-          <a:p>
-            <a:pPr marL="285750" indent="-285750">
-              <a:buFont typeface="Arial" panose="020B0604020202020204" pitchFamily="34" charset="0"/>
-              <a:buChar char="•"/>
-            </a:pPr>
+        </p:nvSpPr>
+        <p:spPr/>
+        <p:txBody>
+          <a:bodyPr/>
+          <a:lstStyle/>
+          <a:p>
             <a:endParaRPr lang="en-SG" dirty="0"/>
           </a:p>
         </p:txBody>
@@ -8621,7 +8667,7 @@
     </p:spTree>
     <p:extLst>
       <p:ext uri="{BB962C8B-B14F-4D97-AF65-F5344CB8AC3E}">
-        <p14:creationId xmlns:p14="http://schemas.microsoft.com/office/powerpoint/2010/main" val="1009688595"/>
+        <p14:creationId xmlns:p14="http://schemas.microsoft.com/office/powerpoint/2010/main" val="2922231574"/>
       </p:ext>
     </p:extLst>
   </p:cSld>
@@ -8653,7 +8699,7 @@
           <p:cNvPr id="2" name="Title 1">
             <a:extLst>
               <a:ext uri="{FF2B5EF4-FFF2-40B4-BE49-F238E27FC236}">
-                <a16:creationId xmlns:a16="http://schemas.microsoft.com/office/drawing/2014/main" id="{17B95E15-44A4-4729-ADC1-A3C5886E1970}"/>
+                <a16:creationId xmlns:a16="http://schemas.microsoft.com/office/drawing/2014/main" id="{4BE51676-9BDF-4F2D-B825-08F5A2C57B5E}"/>
               </a:ext>
             </a:extLst>
           </p:cNvPr>
@@ -8670,41 +8716,55 @@
           <a:lstStyle/>
           <a:p>
             <a:r>
+              <a:rPr lang="en-SG" b="1" dirty="0"/>
+              <a:t>Results</a:t>
+            </a:r>
+            <a:r>
               <a:rPr lang="en-SG" dirty="0"/>
-              <a:t>Results</a:t>
-            </a:r>
-          </a:p>
-        </p:txBody>
-      </p:sp>
-      <p:sp>
-        <p:nvSpPr>
-          <p:cNvPr id="3" name="Text Placeholder 2">
-            <a:extLst>
-              <a:ext uri="{FF2B5EF4-FFF2-40B4-BE49-F238E27FC236}">
-                <a16:creationId xmlns:a16="http://schemas.microsoft.com/office/drawing/2014/main" id="{64C4893C-F4B9-4EA0-ABF4-E7B4376F6B07}"/>
-              </a:ext>
-            </a:extLst>
-          </p:cNvPr>
-          <p:cNvSpPr>
-            <a:spLocks noGrp="1"/>
-          </p:cNvSpPr>
+              <a:t>: Keeping the size of the hole fixed</a:t>
+            </a:r>
+          </a:p>
+        </p:txBody>
+      </p:sp>
+      <p:pic>
+        <p:nvPicPr>
+          <p:cNvPr id="9" name="Content Placeholder 8" descr="A screenshot of a computer&#10;&#10;Description generated with very high confidence">
+            <a:extLst>
+              <a:ext uri="{FF2B5EF4-FFF2-40B4-BE49-F238E27FC236}">
+                <a16:creationId xmlns:a16="http://schemas.microsoft.com/office/drawing/2014/main" id="{585DB2CF-0249-4969-B815-E0146A7E3C15}"/>
+              </a:ext>
+            </a:extLst>
+          </p:cNvPr>
+          <p:cNvPicPr>
+            <a:picLocks noGrp="1" noChangeAspect="1"/>
+          </p:cNvPicPr>
           <p:nvPr>
-            <p:ph type="body" idx="1"/>
+            <p:ph idx="1"/>
           </p:nvPr>
-        </p:nvSpPr>
-        <p:spPr/>
-        <p:txBody>
-          <a:bodyPr/>
-          <a:lstStyle/>
-          <a:p>
-            <a:endParaRPr lang="en-SG" dirty="0"/>
-          </a:p>
-        </p:txBody>
-      </p:sp>
+        </p:nvPicPr>
+        <p:blipFill>
+          <a:blip r:embed="rId3">
+            <a:extLst>
+              <a:ext uri="{28A0092B-C50C-407E-A947-70E740481C1C}">
+                <a14:useLocalDpi xmlns:a14="http://schemas.microsoft.com/office/drawing/2010/main" val="0"/>
+              </a:ext>
+            </a:extLst>
+          </a:blip>
+          <a:stretch>
+            <a:fillRect/>
+          </a:stretch>
+        </p:blipFill>
+        <p:spPr>
+          <a:xfrm>
+            <a:off x="1536520" y="905001"/>
+            <a:ext cx="8741608" cy="5827738"/>
+          </a:xfrm>
+        </p:spPr>
+      </p:pic>
     </p:spTree>
     <p:extLst>
       <p:ext uri="{BB962C8B-B14F-4D97-AF65-F5344CB8AC3E}">
-        <p14:creationId xmlns:p14="http://schemas.microsoft.com/office/powerpoint/2010/main" val="2922231574"/>
+        <p14:creationId xmlns:p14="http://schemas.microsoft.com/office/powerpoint/2010/main" val="4094297486"/>
       </p:ext>
     </p:extLst>
   </p:cSld>
@@ -8798,10 +8858,97 @@
           </a:xfrm>
         </p:spPr>
       </p:pic>
+      <p:cxnSp>
+        <p:nvCxnSpPr>
+          <p:cNvPr id="11" name="Straight Arrow Connector 10">
+            <a:extLst>
+              <a:ext uri="{FF2B5EF4-FFF2-40B4-BE49-F238E27FC236}">
+                <a16:creationId xmlns:a16="http://schemas.microsoft.com/office/drawing/2014/main" id="{3801C2AA-5B8F-4821-B7E9-F7AC7D6EAED7}"/>
+              </a:ext>
+            </a:extLst>
+          </p:cNvPr>
+          <p:cNvCxnSpPr>
+            <a:cxnSpLocks/>
+          </p:cNvCxnSpPr>
+          <p:nvPr/>
+        </p:nvCxnSpPr>
+        <p:spPr>
+          <a:xfrm>
+            <a:off x="5066778" y="4139852"/>
+            <a:ext cx="2091847" cy="0"/>
+          </a:xfrm>
+          <a:prstGeom prst="straightConnector1">
+            <a:avLst/>
+          </a:prstGeom>
+          <a:ln w="38100">
+            <a:solidFill>
+              <a:schemeClr val="bg2">
+                <a:lumMod val="75000"/>
+              </a:schemeClr>
+            </a:solidFill>
+            <a:tailEnd type="triangle"/>
+          </a:ln>
+        </p:spPr>
+        <p:style>
+          <a:lnRef idx="1">
+            <a:schemeClr val="accent1"/>
+          </a:lnRef>
+          <a:fillRef idx="0">
+            <a:schemeClr val="accent1"/>
+          </a:fillRef>
+          <a:effectRef idx="0">
+            <a:schemeClr val="accent1"/>
+          </a:effectRef>
+          <a:fontRef idx="minor">
+            <a:schemeClr val="tx1"/>
+          </a:fontRef>
+        </p:style>
+      </p:cxnSp>
+      <p:sp>
+        <p:nvSpPr>
+          <p:cNvPr id="13" name="TextBox 12">
+            <a:extLst>
+              <a:ext uri="{FF2B5EF4-FFF2-40B4-BE49-F238E27FC236}">
+                <a16:creationId xmlns:a16="http://schemas.microsoft.com/office/drawing/2014/main" id="{6D309DCD-5ECA-4C41-8FED-F06075B688AB}"/>
+              </a:ext>
+            </a:extLst>
+          </p:cNvPr>
+          <p:cNvSpPr txBox="1"/>
+          <p:nvPr/>
+        </p:nvSpPr>
+        <p:spPr>
+          <a:xfrm>
+            <a:off x="5004148" y="3242217"/>
+            <a:ext cx="2511469" cy="646331"/>
+          </a:xfrm>
+          <a:prstGeom prst="rect">
+            <a:avLst/>
+          </a:prstGeom>
+          <a:noFill/>
+        </p:spPr>
+        <p:txBody>
+          <a:bodyPr wrap="square" rtlCol="0">
+            <a:spAutoFit/>
+          </a:bodyPr>
+          <a:lstStyle/>
+          <a:p>
+            <a:r>
+              <a:rPr lang="en-SG" dirty="0">
+                <a:solidFill>
+                  <a:schemeClr val="accent3">
+                    <a:lumMod val="75000"/>
+                  </a:schemeClr>
+                </a:solidFill>
+              </a:rPr>
+              <a:t>Constant size of hole, decreasing mass</a:t>
+            </a:r>
+          </a:p>
+        </p:txBody>
+      </p:sp>
     </p:spTree>
     <p:extLst>
       <p:ext uri="{BB962C8B-B14F-4D97-AF65-F5344CB8AC3E}">
-        <p14:creationId xmlns:p14="http://schemas.microsoft.com/office/powerpoint/2010/main" val="4094297486"/>
+        <p14:creationId xmlns:p14="http://schemas.microsoft.com/office/powerpoint/2010/main" val="2527623951"/>
       </p:ext>
     </p:extLst>
   </p:cSld>
@@ -8851,11 +8998,11 @@
           <a:p>
             <a:r>
               <a:rPr lang="en-SG" b="1" dirty="0"/>
-              <a:t>Introduction</a:t>
+              <a:t>Introduction:</a:t>
             </a:r>
             <a:r>
               <a:rPr lang="en-SG" dirty="0"/>
-              <a:t>: motivation</a:t>
+              <a:t> motivation</a:t>
             </a:r>
           </a:p>
         </p:txBody>
@@ -8961,6 +9108,42 @@
           <a:chExt cx="0" cy="0"/>
         </a:xfrm>
       </p:grpSpPr>
+      <p:pic>
+        <p:nvPicPr>
+          <p:cNvPr id="4" name="Picture 3" descr="A screenshot of a video game&#10;&#10;Description generated with high confidence">
+            <a:extLst>
+              <a:ext uri="{FF2B5EF4-FFF2-40B4-BE49-F238E27FC236}">
+                <a16:creationId xmlns:a16="http://schemas.microsoft.com/office/drawing/2014/main" id="{3F87A2DA-9B70-471B-83F6-3A8FC401556F}"/>
+              </a:ext>
+            </a:extLst>
+          </p:cNvPr>
+          <p:cNvPicPr>
+            <a:picLocks noChangeAspect="1"/>
+          </p:cNvPicPr>
+          <p:nvPr/>
+        </p:nvPicPr>
+        <p:blipFill>
+          <a:blip r:embed="rId3">
+            <a:extLst>
+              <a:ext uri="{28A0092B-C50C-407E-A947-70E740481C1C}">
+                <a14:useLocalDpi xmlns:a14="http://schemas.microsoft.com/office/drawing/2010/main" val="0"/>
+              </a:ext>
+            </a:extLst>
+          </a:blip>
+          <a:stretch>
+            <a:fillRect/>
+          </a:stretch>
+        </p:blipFill>
+        <p:spPr>
+          <a:xfrm>
+            <a:off x="1536520" y="905001"/>
+            <a:ext cx="8741608" cy="5827738"/>
+          </a:xfrm>
+          <a:prstGeom prst="rect">
+            <a:avLst/>
+          </a:prstGeom>
+        </p:spPr>
+      </p:pic>
       <p:sp>
         <p:nvSpPr>
           <p:cNvPr id="2" name="Title 1">
@@ -8988,129 +9171,7 @@
             </a:r>
             <a:r>
               <a:rPr lang="en-SG" dirty="0"/>
-              <a:t>: Keeping the size of the hole fixed</a:t>
-            </a:r>
-          </a:p>
-        </p:txBody>
-      </p:sp>
-      <p:pic>
-        <p:nvPicPr>
-          <p:cNvPr id="9" name="Content Placeholder 8" descr="A screenshot of a computer&#10;&#10;Description generated with very high confidence">
-            <a:extLst>
-              <a:ext uri="{FF2B5EF4-FFF2-40B4-BE49-F238E27FC236}">
-                <a16:creationId xmlns:a16="http://schemas.microsoft.com/office/drawing/2014/main" id="{585DB2CF-0249-4969-B815-E0146A7E3C15}"/>
-              </a:ext>
-            </a:extLst>
-          </p:cNvPr>
-          <p:cNvPicPr>
-            <a:picLocks noGrp="1" noChangeAspect="1"/>
-          </p:cNvPicPr>
-          <p:nvPr>
-            <p:ph idx="1"/>
-          </p:nvPr>
-        </p:nvPicPr>
-        <p:blipFill>
-          <a:blip r:embed="rId3">
-            <a:extLst>
-              <a:ext uri="{28A0092B-C50C-407E-A947-70E740481C1C}">
-                <a14:useLocalDpi xmlns:a14="http://schemas.microsoft.com/office/drawing/2010/main" val="0"/>
-              </a:ext>
-            </a:extLst>
-          </a:blip>
-          <a:stretch>
-            <a:fillRect/>
-          </a:stretch>
-        </p:blipFill>
-        <p:spPr>
-          <a:xfrm>
-            <a:off x="1536520" y="905001"/>
-            <a:ext cx="8741608" cy="5827738"/>
-          </a:xfrm>
-        </p:spPr>
-      </p:pic>
-      <p:cxnSp>
-        <p:nvCxnSpPr>
-          <p:cNvPr id="11" name="Straight Arrow Connector 10">
-            <a:extLst>
-              <a:ext uri="{FF2B5EF4-FFF2-40B4-BE49-F238E27FC236}">
-                <a16:creationId xmlns:a16="http://schemas.microsoft.com/office/drawing/2014/main" id="{3801C2AA-5B8F-4821-B7E9-F7AC7D6EAED7}"/>
-              </a:ext>
-            </a:extLst>
-          </p:cNvPr>
-          <p:cNvCxnSpPr>
-            <a:cxnSpLocks/>
-          </p:cNvCxnSpPr>
-          <p:nvPr/>
-        </p:nvCxnSpPr>
-        <p:spPr>
-          <a:xfrm>
-            <a:off x="5066778" y="4139852"/>
-            <a:ext cx="2091847" cy="0"/>
-          </a:xfrm>
-          <a:prstGeom prst="straightConnector1">
-            <a:avLst/>
-          </a:prstGeom>
-          <a:ln w="38100">
-            <a:solidFill>
-              <a:schemeClr val="bg2">
-                <a:lumMod val="75000"/>
-              </a:schemeClr>
-            </a:solidFill>
-            <a:tailEnd type="triangle"/>
-          </a:ln>
-        </p:spPr>
-        <p:style>
-          <a:lnRef idx="1">
-            <a:schemeClr val="accent1"/>
-          </a:lnRef>
-          <a:fillRef idx="0">
-            <a:schemeClr val="accent1"/>
-          </a:fillRef>
-          <a:effectRef idx="0">
-            <a:schemeClr val="accent1"/>
-          </a:effectRef>
-          <a:fontRef idx="minor">
-            <a:schemeClr val="tx1"/>
-          </a:fontRef>
-        </p:style>
-      </p:cxnSp>
-      <p:sp>
-        <p:nvSpPr>
-          <p:cNvPr id="13" name="TextBox 12">
-            <a:extLst>
-              <a:ext uri="{FF2B5EF4-FFF2-40B4-BE49-F238E27FC236}">
-                <a16:creationId xmlns:a16="http://schemas.microsoft.com/office/drawing/2014/main" id="{6D309DCD-5ECA-4C41-8FED-F06075B688AB}"/>
-              </a:ext>
-            </a:extLst>
-          </p:cNvPr>
-          <p:cNvSpPr txBox="1"/>
-          <p:nvPr/>
-        </p:nvSpPr>
-        <p:spPr>
-          <a:xfrm>
-            <a:off x="5004148" y="3242217"/>
-            <a:ext cx="2511469" cy="646331"/>
-          </a:xfrm>
-          <a:prstGeom prst="rect">
-            <a:avLst/>
-          </a:prstGeom>
-          <a:noFill/>
-        </p:spPr>
-        <p:txBody>
-          <a:bodyPr wrap="square" rtlCol="0">
-            <a:spAutoFit/>
-          </a:bodyPr>
-          <a:lstStyle/>
-          <a:p>
-            <a:r>
-              <a:rPr lang="en-SG" dirty="0">
-                <a:solidFill>
-                  <a:schemeClr val="accent3">
-                    <a:lumMod val="75000"/>
-                  </a:schemeClr>
-                </a:solidFill>
-              </a:rPr>
-              <a:t>Constant size of hole, decreasing mass</a:t>
+              <a:t>: Keeping the central mass fixed</a:t>
             </a:r>
           </a:p>
         </p:txBody>
@@ -9118,7 +9179,7 @@
     </p:spTree>
     <p:extLst>
       <p:ext uri="{BB962C8B-B14F-4D97-AF65-F5344CB8AC3E}">
-        <p14:creationId xmlns:p14="http://schemas.microsoft.com/office/powerpoint/2010/main" val="2527623951"/>
+        <p14:creationId xmlns:p14="http://schemas.microsoft.com/office/powerpoint/2010/main" val="3887177821"/>
       </p:ext>
     </p:extLst>
   </p:cSld>
@@ -9213,10 +9274,97 @@
           </a:p>
         </p:txBody>
       </p:sp>
+      <p:cxnSp>
+        <p:nvCxnSpPr>
+          <p:cNvPr id="11" name="Straight Arrow Connector 10">
+            <a:extLst>
+              <a:ext uri="{FF2B5EF4-FFF2-40B4-BE49-F238E27FC236}">
+                <a16:creationId xmlns:a16="http://schemas.microsoft.com/office/drawing/2014/main" id="{3801C2AA-5B8F-4821-B7E9-F7AC7D6EAED7}"/>
+              </a:ext>
+            </a:extLst>
+          </p:cNvPr>
+          <p:cNvCxnSpPr>
+            <a:cxnSpLocks/>
+          </p:cNvCxnSpPr>
+          <p:nvPr/>
+        </p:nvCxnSpPr>
+        <p:spPr>
+          <a:xfrm>
+            <a:off x="5517715" y="3131507"/>
+            <a:ext cx="2091847" cy="0"/>
+          </a:xfrm>
+          <a:prstGeom prst="straightConnector1">
+            <a:avLst/>
+          </a:prstGeom>
+          <a:ln w="38100">
+            <a:solidFill>
+              <a:schemeClr val="bg2">
+                <a:lumMod val="75000"/>
+              </a:schemeClr>
+            </a:solidFill>
+            <a:tailEnd type="triangle"/>
+          </a:ln>
+        </p:spPr>
+        <p:style>
+          <a:lnRef idx="1">
+            <a:schemeClr val="accent1"/>
+          </a:lnRef>
+          <a:fillRef idx="0">
+            <a:schemeClr val="accent1"/>
+          </a:fillRef>
+          <a:effectRef idx="0">
+            <a:schemeClr val="accent1"/>
+          </a:effectRef>
+          <a:fontRef idx="minor">
+            <a:schemeClr val="tx1"/>
+          </a:fontRef>
+        </p:style>
+      </p:cxnSp>
+      <p:sp>
+        <p:nvSpPr>
+          <p:cNvPr id="13" name="TextBox 12">
+            <a:extLst>
+              <a:ext uri="{FF2B5EF4-FFF2-40B4-BE49-F238E27FC236}">
+                <a16:creationId xmlns:a16="http://schemas.microsoft.com/office/drawing/2014/main" id="{6D309DCD-5ECA-4C41-8FED-F06075B688AB}"/>
+              </a:ext>
+            </a:extLst>
+          </p:cNvPr>
+          <p:cNvSpPr txBox="1"/>
+          <p:nvPr/>
+        </p:nvSpPr>
+        <p:spPr>
+          <a:xfrm>
+            <a:off x="5461348" y="2268938"/>
+            <a:ext cx="2511469" cy="646331"/>
+          </a:xfrm>
+          <a:prstGeom prst="rect">
+            <a:avLst/>
+          </a:prstGeom>
+          <a:noFill/>
+        </p:spPr>
+        <p:txBody>
+          <a:bodyPr wrap="square" rtlCol="0">
+            <a:spAutoFit/>
+          </a:bodyPr>
+          <a:lstStyle/>
+          <a:p>
+            <a:r>
+              <a:rPr lang="en-SG" dirty="0">
+                <a:solidFill>
+                  <a:schemeClr val="accent3">
+                    <a:lumMod val="75000"/>
+                  </a:schemeClr>
+                </a:solidFill>
+              </a:rPr>
+              <a:t>Increasing size of hole, constant mass</a:t>
+            </a:r>
+          </a:p>
+        </p:txBody>
+      </p:sp>
     </p:spTree>
     <p:extLst>
       <p:ext uri="{BB962C8B-B14F-4D97-AF65-F5344CB8AC3E}">
-        <p14:creationId xmlns:p14="http://schemas.microsoft.com/office/powerpoint/2010/main" val="3887177821"/>
+        <p14:creationId xmlns:p14="http://schemas.microsoft.com/office/powerpoint/2010/main" val="829122126"/>
       </p:ext>
     </p:extLst>
   </p:cSld>
@@ -9243,48 +9391,12 @@
           <a:chExt cx="0" cy="0"/>
         </a:xfrm>
       </p:grpSpPr>
-      <p:pic>
-        <p:nvPicPr>
-          <p:cNvPr id="4" name="Picture 3" descr="A screenshot of a video game&#10;&#10;Description generated with high confidence">
-            <a:extLst>
-              <a:ext uri="{FF2B5EF4-FFF2-40B4-BE49-F238E27FC236}">
-                <a16:creationId xmlns:a16="http://schemas.microsoft.com/office/drawing/2014/main" id="{3F87A2DA-9B70-471B-83F6-3A8FC401556F}"/>
-              </a:ext>
-            </a:extLst>
-          </p:cNvPr>
-          <p:cNvPicPr>
-            <a:picLocks noChangeAspect="1"/>
-          </p:cNvPicPr>
-          <p:nvPr/>
-        </p:nvPicPr>
-        <p:blipFill>
-          <a:blip r:embed="rId3">
-            <a:extLst>
-              <a:ext uri="{28A0092B-C50C-407E-A947-70E740481C1C}">
-                <a14:useLocalDpi xmlns:a14="http://schemas.microsoft.com/office/drawing/2010/main" val="0"/>
-              </a:ext>
-            </a:extLst>
-          </a:blip>
-          <a:stretch>
-            <a:fillRect/>
-          </a:stretch>
-        </p:blipFill>
-        <p:spPr>
-          <a:xfrm>
-            <a:off x="1536520" y="905001"/>
-            <a:ext cx="8741608" cy="5827738"/>
-          </a:xfrm>
-          <a:prstGeom prst="rect">
-            <a:avLst/>
-          </a:prstGeom>
-        </p:spPr>
-      </p:pic>
       <p:sp>
         <p:nvSpPr>
           <p:cNvPr id="2" name="Title 1">
             <a:extLst>
               <a:ext uri="{FF2B5EF4-FFF2-40B4-BE49-F238E27FC236}">
-                <a16:creationId xmlns:a16="http://schemas.microsoft.com/office/drawing/2014/main" id="{4BE51676-9BDF-4F2D-B825-08F5A2C57B5E}"/>
+                <a16:creationId xmlns:a16="http://schemas.microsoft.com/office/drawing/2014/main" id="{12758B9D-7B40-456A-AC25-1785720BADF6}"/>
               </a:ext>
             </a:extLst>
           </p:cNvPr>
@@ -9301,99 +9413,61 @@
           <a:lstStyle/>
           <a:p>
             <a:r>
-              <a:rPr lang="en-SG" b="1" dirty="0"/>
-              <a:t>Results</a:t>
-            </a:r>
-            <a:r>
               <a:rPr lang="en-SG" dirty="0"/>
-              <a:t>: Keeping the central mass fixed</a:t>
-            </a:r>
-          </a:p>
-        </p:txBody>
-      </p:sp>
-      <p:cxnSp>
-        <p:nvCxnSpPr>
-          <p:cNvPr id="11" name="Straight Arrow Connector 10">
-            <a:extLst>
-              <a:ext uri="{FF2B5EF4-FFF2-40B4-BE49-F238E27FC236}">
-                <a16:creationId xmlns:a16="http://schemas.microsoft.com/office/drawing/2014/main" id="{3801C2AA-5B8F-4821-B7E9-F7AC7D6EAED7}"/>
-              </a:ext>
-            </a:extLst>
-          </p:cNvPr>
-          <p:cNvCxnSpPr>
-            <a:cxnSpLocks/>
-          </p:cNvCxnSpPr>
-          <p:nvPr/>
-        </p:nvCxnSpPr>
+              <a:t>Currently working on / future work</a:t>
+            </a:r>
+          </a:p>
+        </p:txBody>
+      </p:sp>
+      <p:sp>
+        <p:nvSpPr>
+          <p:cNvPr id="3" name="Content Placeholder 2">
+            <a:extLst>
+              <a:ext uri="{FF2B5EF4-FFF2-40B4-BE49-F238E27FC236}">
+                <a16:creationId xmlns:a16="http://schemas.microsoft.com/office/drawing/2014/main" id="{A224682F-C453-43F1-9CDC-1D34A49B4577}"/>
+              </a:ext>
+            </a:extLst>
+          </p:cNvPr>
+          <p:cNvSpPr>
+            <a:spLocks noGrp="1"/>
+          </p:cNvSpPr>
+          <p:nvPr>
+            <p:ph idx="1"/>
+          </p:nvPr>
+        </p:nvSpPr>
         <p:spPr>
           <a:xfrm>
-            <a:off x="5517715" y="3131507"/>
-            <a:ext cx="2091847" cy="0"/>
-          </a:xfrm>
-          <a:prstGeom prst="straightConnector1">
-            <a:avLst/>
-          </a:prstGeom>
-          <a:ln w="38100">
-            <a:solidFill>
-              <a:schemeClr val="bg2">
-                <a:lumMod val="75000"/>
-              </a:schemeClr>
-            </a:solidFill>
-            <a:tailEnd type="triangle"/>
-          </a:ln>
-        </p:spPr>
-        <p:style>
-          <a:lnRef idx="1">
-            <a:schemeClr val="accent1"/>
-          </a:lnRef>
-          <a:fillRef idx="0">
-            <a:schemeClr val="accent1"/>
-          </a:fillRef>
-          <a:effectRef idx="0">
-            <a:schemeClr val="accent1"/>
-          </a:effectRef>
-          <a:fontRef idx="minor">
-            <a:schemeClr val="tx1"/>
-          </a:fontRef>
-        </p:style>
-      </p:cxnSp>
-      <p:sp>
-        <p:nvSpPr>
-          <p:cNvPr id="13" name="TextBox 12">
-            <a:extLst>
-              <a:ext uri="{FF2B5EF4-FFF2-40B4-BE49-F238E27FC236}">
-                <a16:creationId xmlns:a16="http://schemas.microsoft.com/office/drawing/2014/main" id="{6D309DCD-5ECA-4C41-8FED-F06075B688AB}"/>
-              </a:ext>
-            </a:extLst>
-          </p:cNvPr>
-          <p:cNvSpPr txBox="1"/>
-          <p:nvPr/>
-        </p:nvSpPr>
-        <p:spPr>
-          <a:xfrm>
-            <a:off x="5461348" y="2268938"/>
-            <a:ext cx="2511469" cy="646331"/>
-          </a:xfrm>
-          <a:prstGeom prst="rect">
-            <a:avLst/>
-          </a:prstGeom>
-          <a:noFill/>
-        </p:spPr>
-        <p:txBody>
-          <a:bodyPr wrap="square" rtlCol="0">
-            <a:spAutoFit/>
-          </a:bodyPr>
-          <a:lstStyle/>
-          <a:p>
-            <a:r>
-              <a:rPr lang="en-SG" dirty="0">
-                <a:solidFill>
-                  <a:schemeClr val="accent3">
-                    <a:lumMod val="75000"/>
-                  </a:schemeClr>
-                </a:solidFill>
-              </a:rPr>
-              <a:t>Increasing size of hole, constant mass</a:t>
+            <a:off x="2060270" y="2013515"/>
+            <a:ext cx="8071460" cy="4351338"/>
+          </a:xfrm>
+        </p:spPr>
+        <p:txBody>
+          <a:bodyPr/>
+          <a:lstStyle/>
+          <a:p>
+            <a:r>
+              <a:rPr lang="en-SG" dirty="0"/>
+              <a:t>Compare with analytical estimations that take into account the size of the Swiss-Cheese hole (</a:t>
+            </a:r>
+            <a:r>
+              <a:rPr lang="en-SG" dirty="0" err="1"/>
+              <a:t>Kantowski</a:t>
+            </a:r>
+            <a:r>
+              <a:rPr lang="en-SG" dirty="0"/>
+              <a:t> et al, 2009) [IN PROGRESS]</a:t>
+            </a:r>
+          </a:p>
+          <a:p>
+            <a:r>
+              <a:rPr lang="en-SG" dirty="0"/>
+              <a:t>Curved space</a:t>
+            </a:r>
+          </a:p>
+          <a:p>
+            <a:r>
+              <a:rPr lang="en-SG" dirty="0"/>
+              <a:t>Extend the model to a general mass distribution instead of a point mass</a:t>
             </a:r>
           </a:p>
         </p:txBody>
@@ -9401,7 +9475,7 @@
     </p:spTree>
     <p:extLst>
       <p:ext uri="{BB962C8B-B14F-4D97-AF65-F5344CB8AC3E}">
-        <p14:creationId xmlns:p14="http://schemas.microsoft.com/office/powerpoint/2010/main" val="829122126"/>
+        <p14:creationId xmlns:p14="http://schemas.microsoft.com/office/powerpoint/2010/main" val="1656938297"/>
       </p:ext>
     </p:extLst>
   </p:cSld>
@@ -9433,7 +9507,7 @@
           <p:cNvPr id="2" name="Title 1">
             <a:extLst>
               <a:ext uri="{FF2B5EF4-FFF2-40B4-BE49-F238E27FC236}">
-                <a16:creationId xmlns:a16="http://schemas.microsoft.com/office/drawing/2014/main" id="{FEA8CF88-A07E-4FF6-A8A0-BD28B109031E}"/>
+                <a16:creationId xmlns:a16="http://schemas.microsoft.com/office/drawing/2014/main" id="{54F7536E-C1B0-4410-9F8D-DD0B9311F5F7}"/>
               </a:ext>
             </a:extLst>
           </p:cNvPr>
@@ -9450,12 +9524,8 @@
           <a:lstStyle/>
           <a:p>
             <a:r>
-              <a:rPr lang="en-SG" b="1" dirty="0"/>
-              <a:t>Extension</a:t>
-            </a:r>
-            <a:r>
               <a:rPr lang="en-SG" dirty="0"/>
-              <a:t>: A generalized static mass distribution</a:t>
+              <a:t>References</a:t>
             </a:r>
           </a:p>
         </p:txBody>
@@ -9465,7 +9535,7 @@
           <p:cNvPr id="3" name="Content Placeholder 2">
             <a:extLst>
               <a:ext uri="{FF2B5EF4-FFF2-40B4-BE49-F238E27FC236}">
-                <a16:creationId xmlns:a16="http://schemas.microsoft.com/office/drawing/2014/main" id="{42617BF9-CB31-4000-B3B4-89946C0B0F81}"/>
+                <a16:creationId xmlns:a16="http://schemas.microsoft.com/office/drawing/2014/main" id="{C019527E-480F-4B1A-9AB7-BEFA100079AB}"/>
               </a:ext>
             </a:extLst>
           </p:cNvPr>
@@ -9478,17 +9548,235 @@
         </p:nvSpPr>
         <p:spPr/>
         <p:txBody>
-          <a:bodyPr/>
-          <a:lstStyle/>
-          <a:p>
-            <a:endParaRPr lang="en-SG" dirty="0"/>
+          <a:bodyPr>
+            <a:normAutofit fontScale="77500" lnSpcReduction="20000"/>
+          </a:bodyPr>
+          <a:lstStyle/>
+          <a:p>
+            <a:pPr marL="0" indent="0">
+              <a:buNone/>
+            </a:pPr>
+            <a:r>
+              <a:rPr lang="en-SG" dirty="0" err="1"/>
+              <a:t>Aghili</a:t>
+            </a:r>
+            <a:r>
+              <a:rPr lang="en-SG" dirty="0"/>
+              <a:t>, M. E., Bolen, B., &amp; </a:t>
+            </a:r>
+            <a:r>
+              <a:rPr lang="en-SG" dirty="0" err="1"/>
+              <a:t>Bombelli</a:t>
+            </a:r>
+            <a:r>
+              <a:rPr lang="en-SG" dirty="0"/>
+              <a:t>, L. (2017). Effect of accelerated global expansion on the bending of light. </a:t>
+            </a:r>
+            <a:r>
+              <a:rPr lang="en-SG" i="1" dirty="0"/>
+              <a:t>General Relativity and Gravitation</a:t>
+            </a:r>
+            <a:r>
+              <a:rPr lang="en-SG" dirty="0"/>
+              <a:t>, </a:t>
+            </a:r>
+            <a:r>
+              <a:rPr lang="en-SG" i="1" dirty="0"/>
+              <a:t>49</a:t>
+            </a:r>
+            <a:r>
+              <a:rPr lang="en-SG" dirty="0"/>
+              <a:t>(1), 10.</a:t>
+            </a:r>
+          </a:p>
+          <a:p>
+            <a:pPr marL="0" indent="0">
+              <a:buNone/>
+            </a:pPr>
+            <a:r>
+              <a:rPr lang="en-SG" dirty="0"/>
+              <a:t>Islam, J. N. (1983). The cosmological constant and classical tests of general relativity. </a:t>
+            </a:r>
+            <a:r>
+              <a:rPr lang="en-SG" i="1" dirty="0"/>
+              <a:t>Physics Letters A</a:t>
+            </a:r>
+            <a:r>
+              <a:rPr lang="en-SG" dirty="0"/>
+              <a:t>, </a:t>
+            </a:r>
+            <a:r>
+              <a:rPr lang="en-SG" i="1" dirty="0"/>
+              <a:t>97</a:t>
+            </a:r>
+            <a:r>
+              <a:rPr lang="en-SG" dirty="0"/>
+              <a:t>(6), 239-241.</a:t>
+            </a:r>
+          </a:p>
+          <a:p>
+            <a:pPr marL="0" indent="0">
+              <a:buNone/>
+            </a:pPr>
+            <a:r>
+              <a:rPr lang="en-SG" dirty="0"/>
+              <a:t>Israel, W. (1966). Singular hypersurfaces and thin shells in general relativity. </a:t>
+            </a:r>
+            <a:r>
+              <a:rPr lang="en-SG" i="1" dirty="0"/>
+              <a:t>Il Nuovo </a:t>
+            </a:r>
+            <a:r>
+              <a:rPr lang="en-SG" i="1" dirty="0" err="1"/>
+              <a:t>Cimento</a:t>
+            </a:r>
+            <a:r>
+              <a:rPr lang="en-SG" i="1" dirty="0"/>
+              <a:t> B (1965-1970)</a:t>
+            </a:r>
+            <a:r>
+              <a:rPr lang="en-SG" dirty="0"/>
+              <a:t>, </a:t>
+            </a:r>
+            <a:r>
+              <a:rPr lang="en-SG" i="1" dirty="0"/>
+              <a:t>44</a:t>
+            </a:r>
+            <a:r>
+              <a:rPr lang="en-SG" dirty="0"/>
+              <a:t>(1), 1-14.</a:t>
+            </a:r>
+          </a:p>
+          <a:p>
+            <a:pPr marL="0" indent="0">
+              <a:buNone/>
+            </a:pPr>
+            <a:r>
+              <a:rPr lang="en-SG" dirty="0" err="1"/>
+              <a:t>Rindler</a:t>
+            </a:r>
+            <a:r>
+              <a:rPr lang="en-SG" dirty="0"/>
+              <a:t>, W., &amp; Ishak, M. (2007). Contribution of the cosmological constant to the relativistic bending of light revisited. </a:t>
+            </a:r>
+            <a:r>
+              <a:rPr lang="en-SG" i="1" dirty="0"/>
+              <a:t>Physical Review D</a:t>
+            </a:r>
+            <a:r>
+              <a:rPr lang="en-SG" dirty="0"/>
+              <a:t>, </a:t>
+            </a:r>
+            <a:r>
+              <a:rPr lang="en-SG" i="1" dirty="0"/>
+              <a:t>76</a:t>
+            </a:r>
+            <a:r>
+              <a:rPr lang="en-SG" dirty="0"/>
+              <a:t>(4), 043006.</a:t>
+            </a:r>
+          </a:p>
+          <a:p>
+            <a:pPr marL="0" indent="0">
+              <a:buNone/>
+            </a:pPr>
+            <a:r>
+              <a:rPr lang="en-SG" dirty="0" err="1"/>
+              <a:t>Kantowski</a:t>
+            </a:r>
+            <a:r>
+              <a:rPr lang="en-SG" dirty="0"/>
+              <a:t>, R., Chen, B., &amp; Dai, X. (2010). Gravitational lensing corrections in flat </a:t>
+            </a:r>
+            <a:r>
+              <a:rPr lang="el-GR" dirty="0"/>
+              <a:t>Λ</a:t>
+            </a:r>
+            <a:r>
+              <a:rPr lang="en-SG" dirty="0"/>
+              <a:t>CDM cosmology. </a:t>
+            </a:r>
+            <a:r>
+              <a:rPr lang="en-SG" i="1" dirty="0"/>
+              <a:t>The Astrophysical Journal</a:t>
+            </a:r>
+            <a:r>
+              <a:rPr lang="en-SG" dirty="0"/>
+              <a:t>, </a:t>
+            </a:r>
+            <a:r>
+              <a:rPr lang="en-SG" i="1" dirty="0"/>
+              <a:t>718</a:t>
+            </a:r>
+            <a:r>
+              <a:rPr lang="en-SG" dirty="0"/>
+              <a:t>(2), 913.</a:t>
+            </a:r>
+          </a:p>
+          <a:p>
+            <a:pPr marL="0" indent="0">
+              <a:buNone/>
+            </a:pPr>
+            <a:r>
+              <a:rPr lang="en-SG" dirty="0" err="1"/>
+              <a:t>Rindler</a:t>
+            </a:r>
+            <a:r>
+              <a:rPr lang="en-SG" dirty="0"/>
+              <a:t>, W., &amp; Ishak, M. (2007). Contribution of the cosmological constant to the relativistic bending of light revisited. </a:t>
+            </a:r>
+            <a:r>
+              <a:rPr lang="en-SG" i="1" dirty="0"/>
+              <a:t>Physical Review D</a:t>
+            </a:r>
+            <a:r>
+              <a:rPr lang="en-SG" dirty="0"/>
+              <a:t>, </a:t>
+            </a:r>
+            <a:r>
+              <a:rPr lang="en-SG" i="1" dirty="0"/>
+              <a:t>76</a:t>
+            </a:r>
+            <a:r>
+              <a:rPr lang="en-SG" dirty="0"/>
+              <a:t>(4), 043006.</a:t>
+            </a:r>
+          </a:p>
+          <a:p>
+            <a:pPr marL="0" indent="0">
+              <a:buNone/>
+            </a:pPr>
+            <a:r>
+              <a:rPr lang="en-SG" dirty="0" err="1"/>
+              <a:t>Schücker</a:t>
+            </a:r>
+            <a:r>
+              <a:rPr lang="en-SG" dirty="0"/>
+              <a:t>, T. (2009). Strong lensing in the Einstein–Straus solution. </a:t>
+            </a:r>
+            <a:r>
+              <a:rPr lang="en-SG" i="1" dirty="0"/>
+              <a:t>General Relativity and Gravitation</a:t>
+            </a:r>
+            <a:r>
+              <a:rPr lang="en-SG" dirty="0"/>
+              <a:t>, </a:t>
+            </a:r>
+            <a:r>
+              <a:rPr lang="en-SG" i="1" dirty="0"/>
+              <a:t>41</a:t>
+            </a:r>
+            <a:r>
+              <a:rPr lang="en-SG" dirty="0"/>
+              <a:t>(7), 1595-1610.</a:t>
+            </a:r>
           </a:p>
         </p:txBody>
       </p:sp>
     </p:spTree>
     <p:extLst>
       <p:ext uri="{BB962C8B-B14F-4D97-AF65-F5344CB8AC3E}">
-        <p14:creationId xmlns:p14="http://schemas.microsoft.com/office/powerpoint/2010/main" val="1793315277"/>
+        <p14:creationId xmlns:p14="http://schemas.microsoft.com/office/powerpoint/2010/main" val="2366932104"/>
       </p:ext>
     </p:extLst>
   </p:cSld>
@@ -9520,7 +9808,7 @@
           <p:cNvPr id="2" name="Title 1">
             <a:extLst>
               <a:ext uri="{FF2B5EF4-FFF2-40B4-BE49-F238E27FC236}">
-                <a16:creationId xmlns:a16="http://schemas.microsoft.com/office/drawing/2014/main" id="{12758B9D-7B40-456A-AC25-1785720BADF6}"/>
+                <a16:creationId xmlns:a16="http://schemas.microsoft.com/office/drawing/2014/main" id="{5CEF89BC-1E29-4490-A374-7C8C4BBFD0AC}"/>
               </a:ext>
             </a:extLst>
           </p:cNvPr>
@@ -9528,7 +9816,7 @@
             <a:spLocks noGrp="1"/>
           </p:cNvSpPr>
           <p:nvPr>
-            <p:ph type="title"/>
+            <p:ph type="ctrTitle"/>
           </p:nvPr>
         </p:nvSpPr>
         <p:spPr/>
@@ -9538,17 +9826,17 @@
           <a:p>
             <a:r>
               <a:rPr lang="en-SG" dirty="0"/>
-              <a:t>Currently working on / future work</a:t>
-            </a:r>
-          </a:p>
-        </p:txBody>
-      </p:sp>
-      <p:sp>
-        <p:nvSpPr>
-          <p:cNvPr id="3" name="Content Placeholder 2">
-            <a:extLst>
-              <a:ext uri="{FF2B5EF4-FFF2-40B4-BE49-F238E27FC236}">
-                <a16:creationId xmlns:a16="http://schemas.microsoft.com/office/drawing/2014/main" id="{A224682F-C453-43F1-9CDC-1D34A49B4577}"/>
+              <a:t>Thank you!</a:t>
+            </a:r>
+          </a:p>
+        </p:txBody>
+      </p:sp>
+      <p:sp>
+        <p:nvSpPr>
+          <p:cNvPr id="3" name="Subtitle 2">
+            <a:extLst>
+              <a:ext uri="{FF2B5EF4-FFF2-40B4-BE49-F238E27FC236}">
+                <a16:creationId xmlns:a16="http://schemas.microsoft.com/office/drawing/2014/main" id="{3B935B9A-C003-4778-9FC0-A1956A4B2BF3}"/>
               </a:ext>
             </a:extLst>
           </p:cNvPr>
@@ -9556,7 +9844,7 @@
             <a:spLocks noGrp="1"/>
           </p:cNvSpPr>
           <p:nvPr>
-            <p:ph idx="1"/>
+            <p:ph type="subTitle" idx="1"/>
           </p:nvPr>
         </p:nvSpPr>
         <p:spPr/>
@@ -9564,34 +9852,14 @@
           <a:bodyPr/>
           <a:lstStyle/>
           <a:p>
-            <a:r>
-              <a:rPr lang="en-SG" dirty="0"/>
-              <a:t>Look at analytical estimations that take into account the size of the Swiss-Cheese hole (</a:t>
-            </a:r>
-            <a:r>
-              <a:rPr lang="en-SG" dirty="0" err="1"/>
-              <a:t>Kantowski</a:t>
-            </a:r>
-            <a:r>
-              <a:rPr lang="en-SG" dirty="0"/>
-              <a:t> et al, 2009) [IN PROGRESS]</a:t>
-            </a:r>
-          </a:p>
-          <a:p>
-            <a:endParaRPr lang="en-SG" dirty="0"/>
-          </a:p>
-          <a:p>
-            <a:r>
-              <a:rPr lang="en-SG" dirty="0"/>
-              <a:t>Extend to curved space</a:t>
-            </a:r>
+            <a:endParaRPr lang="en-SG"/>
           </a:p>
         </p:txBody>
       </p:sp>
     </p:spTree>
     <p:extLst>
       <p:ext uri="{BB962C8B-B14F-4D97-AF65-F5344CB8AC3E}">
-        <p14:creationId xmlns:p14="http://schemas.microsoft.com/office/powerpoint/2010/main" val="1656938297"/>
+        <p14:creationId xmlns:p14="http://schemas.microsoft.com/office/powerpoint/2010/main" val="882974891"/>
       </p:ext>
     </p:extLst>
   </p:cSld>
@@ -9623,7 +9891,7 @@
           <p:cNvPr id="2" name="Title 1">
             <a:extLst>
               <a:ext uri="{FF2B5EF4-FFF2-40B4-BE49-F238E27FC236}">
-                <a16:creationId xmlns:a16="http://schemas.microsoft.com/office/drawing/2014/main" id="{5CEF89BC-1E29-4490-A374-7C8C4BBFD0AC}"/>
+                <a16:creationId xmlns:a16="http://schemas.microsoft.com/office/drawing/2014/main" id="{FEA8CF88-A07E-4FF6-A8A0-BD28B109031E}"/>
               </a:ext>
             </a:extLst>
           </p:cNvPr>
@@ -9631,7 +9899,7 @@
             <a:spLocks noGrp="1"/>
           </p:cNvSpPr>
           <p:nvPr>
-            <p:ph type="ctrTitle"/>
+            <p:ph type="title"/>
           </p:nvPr>
         </p:nvSpPr>
         <p:spPr/>
@@ -9640,18 +9908,22 @@
           <a:lstStyle/>
           <a:p>
             <a:r>
+              <a:rPr lang="en-SG" b="1" dirty="0"/>
+              <a:t>Extension</a:t>
+            </a:r>
+            <a:r>
               <a:rPr lang="en-SG" dirty="0"/>
-              <a:t>Thank you!</a:t>
-            </a:r>
-          </a:p>
-        </p:txBody>
-      </p:sp>
-      <p:sp>
-        <p:nvSpPr>
-          <p:cNvPr id="3" name="Subtitle 2">
-            <a:extLst>
-              <a:ext uri="{FF2B5EF4-FFF2-40B4-BE49-F238E27FC236}">
-                <a16:creationId xmlns:a16="http://schemas.microsoft.com/office/drawing/2014/main" id="{3B935B9A-C003-4778-9FC0-A1956A4B2BF3}"/>
+              <a:t>: A generalized static mass distribution</a:t>
+            </a:r>
+          </a:p>
+        </p:txBody>
+      </p:sp>
+      <p:sp>
+        <p:nvSpPr>
+          <p:cNvPr id="3" name="Content Placeholder 2">
+            <a:extLst>
+              <a:ext uri="{FF2B5EF4-FFF2-40B4-BE49-F238E27FC236}">
+                <a16:creationId xmlns:a16="http://schemas.microsoft.com/office/drawing/2014/main" id="{42617BF9-CB31-4000-B3B4-89946C0B0F81}"/>
               </a:ext>
             </a:extLst>
           </p:cNvPr>
@@ -9659,7 +9931,7 @@
             <a:spLocks noGrp="1"/>
           </p:cNvSpPr>
           <p:nvPr>
-            <p:ph type="subTitle" idx="1"/>
+            <p:ph idx="1"/>
           </p:nvPr>
         </p:nvSpPr>
         <p:spPr/>
@@ -9667,14 +9939,14 @@
           <a:bodyPr/>
           <a:lstStyle/>
           <a:p>
-            <a:endParaRPr lang="en-SG"/>
+            <a:endParaRPr lang="en-SG" dirty="0"/>
           </a:p>
         </p:txBody>
       </p:sp>
     </p:spTree>
     <p:extLst>
       <p:ext uri="{BB962C8B-B14F-4D97-AF65-F5344CB8AC3E}">
-        <p14:creationId xmlns:p14="http://schemas.microsoft.com/office/powerpoint/2010/main" val="882974891"/>
+        <p14:creationId xmlns:p14="http://schemas.microsoft.com/office/powerpoint/2010/main" val="1793315277"/>
       </p:ext>
     </p:extLst>
   </p:cSld>
@@ -9706,6 +9978,186 @@
           <p:cNvPr id="2" name="Title 1">
             <a:extLst>
               <a:ext uri="{FF2B5EF4-FFF2-40B4-BE49-F238E27FC236}">
+                <a16:creationId xmlns:a16="http://schemas.microsoft.com/office/drawing/2014/main" id="{6FAD5C0E-9E78-4916-979C-DBF5B32C23E0}"/>
+              </a:ext>
+            </a:extLst>
+          </p:cNvPr>
+          <p:cNvSpPr>
+            <a:spLocks noGrp="1"/>
+          </p:cNvSpPr>
+          <p:nvPr>
+            <p:ph type="title"/>
+          </p:nvPr>
+        </p:nvSpPr>
+        <p:spPr/>
+        <p:txBody>
+          <a:bodyPr/>
+          <a:lstStyle/>
+          <a:p>
+            <a:r>
+              <a:rPr lang="en-SG" dirty="0"/>
+              <a:t>Preliminary results</a:t>
+            </a:r>
+          </a:p>
+        </p:txBody>
+      </p:sp>
+      <p:pic>
+        <p:nvPicPr>
+          <p:cNvPr id="5" name="Content Placeholder 4" descr="A picture containing object&#10;&#10;Description generated with high confidence">
+            <a:extLst>
+              <a:ext uri="{FF2B5EF4-FFF2-40B4-BE49-F238E27FC236}">
+                <a16:creationId xmlns:a16="http://schemas.microsoft.com/office/drawing/2014/main" id="{65CD4BE8-FA2D-4919-95D0-D784BFB80FAC}"/>
+              </a:ext>
+            </a:extLst>
+          </p:cNvPr>
+          <p:cNvPicPr>
+            <a:picLocks noGrp="1" noChangeAspect="1"/>
+          </p:cNvPicPr>
+          <p:nvPr>
+            <p:ph idx="1"/>
+          </p:nvPr>
+        </p:nvPicPr>
+        <p:blipFill>
+          <a:blip r:embed="rId2">
+            <a:extLst>
+              <a:ext uri="{28A0092B-C50C-407E-A947-70E740481C1C}">
+                <a14:useLocalDpi xmlns:a14="http://schemas.microsoft.com/office/drawing/2010/main" val="0"/>
+              </a:ext>
+            </a:extLst>
+          </a:blip>
+          <a:stretch>
+            <a:fillRect/>
+          </a:stretch>
+        </p:blipFill>
+        <p:spPr>
+          <a:xfrm>
+            <a:off x="665961" y="1265342"/>
+            <a:ext cx="8001006" cy="5334004"/>
+          </a:xfrm>
+        </p:spPr>
+      </p:pic>
+      <p:sp>
+        <p:nvSpPr>
+          <p:cNvPr id="6" name="TextBox 5">
+            <a:extLst>
+              <a:ext uri="{FF2B5EF4-FFF2-40B4-BE49-F238E27FC236}">
+                <a16:creationId xmlns:a16="http://schemas.microsoft.com/office/drawing/2014/main" id="{E9E7E422-78B3-416A-8AAB-62B14D0F5776}"/>
+              </a:ext>
+            </a:extLst>
+          </p:cNvPr>
+          <p:cNvSpPr txBox="1"/>
+          <p:nvPr/>
+        </p:nvSpPr>
+        <p:spPr>
+          <a:xfrm>
+            <a:off x="8260915" y="2282969"/>
+            <a:ext cx="3394553" cy="3724096"/>
+          </a:xfrm>
+          <a:prstGeom prst="rect">
+            <a:avLst/>
+          </a:prstGeom>
+          <a:noFill/>
+        </p:spPr>
+        <p:txBody>
+          <a:bodyPr wrap="square" rtlCol="0">
+            <a:spAutoFit/>
+          </a:bodyPr>
+          <a:lstStyle/>
+          <a:p>
+            <a:pPr marL="285750" indent="-285750">
+              <a:buFont typeface="Arial" panose="020B0604020202020204" pitchFamily="34" charset="0"/>
+              <a:buChar char="•"/>
+            </a:pPr>
+            <a:r>
+              <a:rPr lang="en-SG" sz="2000" dirty="0"/>
+              <a:t>Numerical errors need to be reduced</a:t>
+            </a:r>
+          </a:p>
+          <a:p>
+            <a:pPr marL="285750" indent="-285750">
+              <a:buFont typeface="Arial" panose="020B0604020202020204" pitchFamily="34" charset="0"/>
+              <a:buChar char="•"/>
+            </a:pPr>
+            <a:endParaRPr lang="en-SG" sz="2000" dirty="0"/>
+          </a:p>
+          <a:p>
+            <a:pPr marL="285750" indent="-285750">
+              <a:buFont typeface="Arial" panose="020B0604020202020204" pitchFamily="34" charset="0"/>
+              <a:buChar char="•"/>
+            </a:pPr>
+            <a:r>
+              <a:rPr lang="en-SG" sz="2000" dirty="0"/>
+              <a:t>Light ray is in FRW most of the time</a:t>
+            </a:r>
+          </a:p>
+          <a:p>
+            <a:pPr marL="285750" indent="-285750">
+              <a:buFont typeface="Arial" panose="020B0604020202020204" pitchFamily="34" charset="0"/>
+              <a:buChar char="•"/>
+            </a:pPr>
+            <a:endParaRPr lang="en-SG" sz="2000" dirty="0"/>
+          </a:p>
+          <a:p>
+            <a:pPr marL="285750" indent="-285750">
+              <a:buFont typeface="Arial" panose="020B0604020202020204" pitchFamily="34" charset="0"/>
+              <a:buChar char="•"/>
+            </a:pPr>
+            <a:r>
+              <a:rPr lang="en-SG" sz="2000" dirty="0"/>
+              <a:t>Replace FRW numerical integration with analytical calculation from geometry considerations</a:t>
+            </a:r>
+          </a:p>
+          <a:p>
+            <a:pPr marL="285750" indent="-285750">
+              <a:buFont typeface="Arial" panose="020B0604020202020204" pitchFamily="34" charset="0"/>
+              <a:buChar char="•"/>
+            </a:pPr>
+            <a:endParaRPr lang="en-SG" dirty="0"/>
+          </a:p>
+          <a:p>
+            <a:pPr marL="285750" indent="-285750">
+              <a:buFont typeface="Arial" panose="020B0604020202020204" pitchFamily="34" charset="0"/>
+              <a:buChar char="•"/>
+            </a:pPr>
+            <a:endParaRPr lang="en-SG" dirty="0"/>
+          </a:p>
+        </p:txBody>
+      </p:sp>
+    </p:spTree>
+    <p:extLst>
+      <p:ext uri="{BB962C8B-B14F-4D97-AF65-F5344CB8AC3E}">
+        <p14:creationId xmlns:p14="http://schemas.microsoft.com/office/powerpoint/2010/main" val="1009688595"/>
+      </p:ext>
+    </p:extLst>
+  </p:cSld>
+  <p:clrMapOvr>
+    <a:masterClrMapping/>
+  </p:clrMapOvr>
+</p:sld>
+</file>
+
+<file path=ppt/slides/slide27.xml><?xml version="1.0" encoding="utf-8"?>
+<p:sld xmlns:a="http://schemas.openxmlformats.org/drawingml/2006/main" xmlns:r="http://schemas.openxmlformats.org/officeDocument/2006/relationships" xmlns:p="http://schemas.openxmlformats.org/presentationml/2006/main">
+  <p:cSld>
+    <p:spTree>
+      <p:nvGrpSpPr>
+        <p:cNvPr id="1" name=""/>
+        <p:cNvGrpSpPr/>
+        <p:nvPr/>
+      </p:nvGrpSpPr>
+      <p:grpSpPr>
+        <a:xfrm>
+          <a:off x="0" y="0"/>
+          <a:ext cx="0" cy="0"/>
+          <a:chOff x="0" y="0"/>
+          <a:chExt cx="0" cy="0"/>
+        </a:xfrm>
+      </p:grpSpPr>
+      <p:sp>
+        <p:nvSpPr>
+          <p:cNvPr id="2" name="Title 1">
+            <a:extLst>
+              <a:ext uri="{FF2B5EF4-FFF2-40B4-BE49-F238E27FC236}">
                 <a16:creationId xmlns:a16="http://schemas.microsoft.com/office/drawing/2014/main" id="{FA5AD027-E320-4806-AE9C-208B8D86BD36}"/>
               </a:ext>
             </a:extLst>
@@ -10446,7 +10898,7 @@
 </p:sld>
 </file>
 
-<file path=ppt/slides/slide27.xml><?xml version="1.0" encoding="utf-8"?>
+<file path=ppt/slides/slide28.xml><?xml version="1.0" encoding="utf-8"?>
 <p:sld xmlns:a="http://schemas.openxmlformats.org/drawingml/2006/main" xmlns:r="http://schemas.openxmlformats.org/officeDocument/2006/relationships" xmlns:p="http://schemas.openxmlformats.org/presentationml/2006/main">
   <p:cSld>
     <p:spTree>
@@ -11906,7 +12358,7 @@
 </p:sld>
 </file>
 
-<file path=ppt/slides/slide3.xml><?xml version="1.0" encoding="utf-8"?>
+<file path=ppt/slides/slide29.xml><?xml version="1.0" encoding="utf-8"?>
 <p:sld xmlns:a="http://schemas.openxmlformats.org/drawingml/2006/main" xmlns:r="http://schemas.openxmlformats.org/officeDocument/2006/relationships" xmlns:p="http://schemas.openxmlformats.org/presentationml/2006/main">
   <p:cSld>
     <p:spTree>
@@ -11928,7 +12380,7 @@
           <p:cNvPr id="2" name="Title 1">
             <a:extLst>
               <a:ext uri="{FF2B5EF4-FFF2-40B4-BE49-F238E27FC236}">
-                <a16:creationId xmlns:a16="http://schemas.microsoft.com/office/drawing/2014/main" id="{C2900ADF-CE5E-4A1E-84AC-6749B305BF12}"/>
+                <a16:creationId xmlns:a16="http://schemas.microsoft.com/office/drawing/2014/main" id="{D824E415-672D-4D30-BCE1-31801BC250B4}"/>
               </a:ext>
             </a:extLst>
           </p:cNvPr>
@@ -11946,145 +12398,11 @@
           <a:p>
             <a:r>
               <a:rPr lang="en-SG" b="1" dirty="0"/>
-              <a:t>Introduction</a:t>
+              <a:t>Introduction: </a:t>
             </a:r>
             <a:r>
               <a:rPr lang="en-SG" dirty="0"/>
-              <a:t>: an overview of the literature</a:t>
-            </a:r>
-          </a:p>
-        </p:txBody>
-      </p:sp>
-      <p:sp>
-        <p:nvSpPr>
-          <p:cNvPr id="3" name="Content Placeholder 2">
-            <a:extLst>
-              <a:ext uri="{FF2B5EF4-FFF2-40B4-BE49-F238E27FC236}">
-                <a16:creationId xmlns:a16="http://schemas.microsoft.com/office/drawing/2014/main" id="{6A37D6C3-8910-4542-85EC-40DB9FCFEE11}"/>
-              </a:ext>
-            </a:extLst>
-          </p:cNvPr>
-          <p:cNvSpPr>
-            <a:spLocks noGrp="1"/>
-          </p:cNvSpPr>
-          <p:nvPr>
-            <p:ph idx="1"/>
-          </p:nvPr>
-        </p:nvSpPr>
-        <p:spPr>
-          <a:xfrm>
-            <a:off x="2011993" y="1825625"/>
-            <a:ext cx="8168014" cy="4351338"/>
-          </a:xfrm>
-        </p:spPr>
-        <p:txBody>
-          <a:bodyPr/>
-          <a:lstStyle/>
-          <a:p>
-            <a:pPr marL="0" indent="0">
-              <a:buNone/>
-            </a:pPr>
-            <a:r>
-              <a:rPr lang="en-SG" b="1" dirty="0"/>
-              <a:t>Key question</a:t>
-            </a:r>
-          </a:p>
-          <a:p>
-            <a:r>
-              <a:rPr lang="en-SG" dirty="0"/>
-              <a:t>Does the cosmological constant directly affect gravitational lensing?</a:t>
-            </a:r>
-          </a:p>
-          <a:p>
-            <a:pPr marL="0" indent="0">
-              <a:buNone/>
-            </a:pPr>
-            <a:endParaRPr lang="en-SG" b="1" dirty="0"/>
-          </a:p>
-          <a:p>
-            <a:pPr marL="0" indent="0">
-              <a:buNone/>
-            </a:pPr>
-            <a:r>
-              <a:rPr lang="en-SG" b="1" dirty="0"/>
-              <a:t>Key papers </a:t>
-            </a:r>
-          </a:p>
-          <a:p>
-            <a:r>
-              <a:rPr lang="en-SG" dirty="0"/>
-              <a:t>Islam, 1983 (Conventional view)</a:t>
-            </a:r>
-          </a:p>
-          <a:p>
-            <a:r>
-              <a:rPr lang="en-SG" dirty="0" err="1"/>
-              <a:t>Rindler</a:t>
-            </a:r>
-            <a:r>
-              <a:rPr lang="en-SG" dirty="0"/>
-              <a:t> and Ishak, 2007 (Challenging the conventional view)</a:t>
-            </a:r>
-          </a:p>
-          <a:p>
-            <a:endParaRPr lang="en-SG" dirty="0"/>
-          </a:p>
-        </p:txBody>
-      </p:sp>
-    </p:spTree>
-    <p:extLst>
-      <p:ext uri="{BB962C8B-B14F-4D97-AF65-F5344CB8AC3E}">
-        <p14:creationId xmlns:p14="http://schemas.microsoft.com/office/powerpoint/2010/main" val="3588381738"/>
-      </p:ext>
-    </p:extLst>
-  </p:cSld>
-  <p:clrMapOvr>
-    <a:masterClrMapping/>
-  </p:clrMapOvr>
-</p:sld>
-</file>
-
-<file path=ppt/slides/slide4.xml><?xml version="1.0" encoding="utf-8"?>
-<p:sld xmlns:a="http://schemas.openxmlformats.org/drawingml/2006/main" xmlns:r="http://schemas.openxmlformats.org/officeDocument/2006/relationships" xmlns:p="http://schemas.openxmlformats.org/presentationml/2006/main">
-  <p:cSld>
-    <p:spTree>
-      <p:nvGrpSpPr>
-        <p:cNvPr id="1" name=""/>
-        <p:cNvGrpSpPr/>
-        <p:nvPr/>
-      </p:nvGrpSpPr>
-      <p:grpSpPr>
-        <a:xfrm>
-          <a:off x="0" y="0"/>
-          <a:ext cx="0" cy="0"/>
-          <a:chOff x="0" y="0"/>
-          <a:chExt cx="0" cy="0"/>
-        </a:xfrm>
-      </p:grpSpPr>
-      <p:sp>
-        <p:nvSpPr>
-          <p:cNvPr id="2" name="Title 1">
-            <a:extLst>
-              <a:ext uri="{FF2B5EF4-FFF2-40B4-BE49-F238E27FC236}">
-                <a16:creationId xmlns:a16="http://schemas.microsoft.com/office/drawing/2014/main" id="{D824E415-672D-4D30-BCE1-31801BC250B4}"/>
-              </a:ext>
-            </a:extLst>
-          </p:cNvPr>
-          <p:cNvSpPr>
-            <a:spLocks noGrp="1"/>
-          </p:cNvSpPr>
-          <p:nvPr>
-            <p:ph type="title"/>
-          </p:nvPr>
-        </p:nvSpPr>
-        <p:spPr/>
-        <p:txBody>
-          <a:bodyPr/>
-          <a:lstStyle/>
-          <a:p>
-            <a:r>
-              <a:rPr lang="en-SG" dirty="0"/>
-              <a:t>Gravitational lensing equations</a:t>
+              <a:t>gravitational lensing</a:t>
             </a:r>
           </a:p>
         </p:txBody>
@@ -13500,10 +13818,1843 @@
           </p:sp>
         </mc:Fallback>
       </mc:AlternateContent>
+      <p:pic>
+        <p:nvPicPr>
+          <p:cNvPr id="50" name="Graphic 49">
+            <a:extLst>
+              <a:ext uri="{FF2B5EF4-FFF2-40B4-BE49-F238E27FC236}">
+                <a16:creationId xmlns:a16="http://schemas.microsoft.com/office/drawing/2014/main" id="{BF6DF185-854D-4089-82D4-472763A71293}"/>
+              </a:ext>
+            </a:extLst>
+          </p:cNvPr>
+          <p:cNvPicPr>
+            <a:picLocks noChangeAspect="1"/>
+          </p:cNvPicPr>
+          <p:nvPr/>
+        </p:nvPicPr>
+        <p:blipFill>
+          <a:blip r:embed="rId10">
+            <a:extLst>
+              <a:ext uri="{28A0092B-C50C-407E-A947-70E740481C1C}">
+                <a14:useLocalDpi xmlns:a14="http://schemas.microsoft.com/office/drawing/2010/main" val="0"/>
+              </a:ext>
+              <a:ext uri="{96DAC541-7B7A-43D3-8B79-37D633B846F1}">
+                <asvg:svgBlip xmlns:asvg="http://schemas.microsoft.com/office/drawing/2016/SVG/main" r:embed="rId11"/>
+              </a:ext>
+            </a:extLst>
+          </a:blip>
+          <a:stretch>
+            <a:fillRect/>
+          </a:stretch>
+        </p:blipFill>
+        <p:spPr>
+          <a:xfrm>
+            <a:off x="1253729" y="5025820"/>
+            <a:ext cx="4937300" cy="731452"/>
+          </a:xfrm>
+          <a:prstGeom prst="rect">
+            <a:avLst/>
+          </a:prstGeom>
+        </p:spPr>
+      </p:pic>
+      <p:pic>
+        <p:nvPicPr>
+          <p:cNvPr id="51" name="Graphic 50">
+            <a:extLst>
+              <a:ext uri="{FF2B5EF4-FFF2-40B4-BE49-F238E27FC236}">
+                <a16:creationId xmlns:a16="http://schemas.microsoft.com/office/drawing/2014/main" id="{730B54F4-1A05-4E23-81C5-6BBBC34EC324}"/>
+              </a:ext>
+            </a:extLst>
+          </p:cNvPr>
+          <p:cNvPicPr>
+            <a:picLocks noChangeAspect="1"/>
+          </p:cNvPicPr>
+          <p:nvPr/>
+        </p:nvPicPr>
+        <p:blipFill>
+          <a:blip r:embed="rId12">
+            <a:extLst>
+              <a:ext uri="{28A0092B-C50C-407E-A947-70E740481C1C}">
+                <a14:useLocalDpi xmlns:a14="http://schemas.microsoft.com/office/drawing/2010/main" val="0"/>
+              </a:ext>
+              <a:ext uri="{96DAC541-7B7A-43D3-8B79-37D633B846F1}">
+                <asvg:svgBlip xmlns:asvg="http://schemas.microsoft.com/office/drawing/2016/SVG/main" r:embed="rId13"/>
+              </a:ext>
+            </a:extLst>
+          </a:blip>
+          <a:stretch>
+            <a:fillRect/>
+          </a:stretch>
+        </p:blipFill>
+        <p:spPr>
+          <a:xfrm>
+            <a:off x="1253729" y="5895938"/>
+            <a:ext cx="5982232" cy="731452"/>
+          </a:xfrm>
+          <a:prstGeom prst="rect">
+            <a:avLst/>
+          </a:prstGeom>
+        </p:spPr>
+      </p:pic>
     </p:spTree>
     <p:extLst>
       <p:ext uri="{BB962C8B-B14F-4D97-AF65-F5344CB8AC3E}">
-        <p14:creationId xmlns:p14="http://schemas.microsoft.com/office/powerpoint/2010/main" val="233616826"/>
+        <p14:creationId xmlns:p14="http://schemas.microsoft.com/office/powerpoint/2010/main" val="2015799418"/>
+      </p:ext>
+    </p:extLst>
+  </p:cSld>
+  <p:clrMapOvr>
+    <a:masterClrMapping/>
+  </p:clrMapOvr>
+</p:sld>
+</file>
+
+<file path=ppt/slides/slide3.xml><?xml version="1.0" encoding="utf-8"?>
+<p:sld xmlns:a="http://schemas.openxmlformats.org/drawingml/2006/main" xmlns:r="http://schemas.openxmlformats.org/officeDocument/2006/relationships" xmlns:p="http://schemas.openxmlformats.org/presentationml/2006/main">
+  <p:cSld>
+    <p:spTree>
+      <p:nvGrpSpPr>
+        <p:cNvPr id="1" name=""/>
+        <p:cNvGrpSpPr/>
+        <p:nvPr/>
+      </p:nvGrpSpPr>
+      <p:grpSpPr>
+        <a:xfrm>
+          <a:off x="0" y="0"/>
+          <a:ext cx="0" cy="0"/>
+          <a:chOff x="0" y="0"/>
+          <a:chExt cx="0" cy="0"/>
+        </a:xfrm>
+      </p:grpSpPr>
+      <p:sp>
+        <p:nvSpPr>
+          <p:cNvPr id="2" name="Title 1">
+            <a:extLst>
+              <a:ext uri="{FF2B5EF4-FFF2-40B4-BE49-F238E27FC236}">
+                <a16:creationId xmlns:a16="http://schemas.microsoft.com/office/drawing/2014/main" id="{C2900ADF-CE5E-4A1E-84AC-6749B305BF12}"/>
+              </a:ext>
+            </a:extLst>
+          </p:cNvPr>
+          <p:cNvSpPr>
+            <a:spLocks noGrp="1"/>
+          </p:cNvSpPr>
+          <p:nvPr>
+            <p:ph type="title"/>
+          </p:nvPr>
+        </p:nvSpPr>
+        <p:spPr/>
+        <p:txBody>
+          <a:bodyPr/>
+          <a:lstStyle/>
+          <a:p>
+            <a:r>
+              <a:rPr lang="en-SG" b="1" dirty="0"/>
+              <a:t>Introduction:</a:t>
+            </a:r>
+            <a:r>
+              <a:rPr lang="en-SG" dirty="0"/>
+              <a:t> an overview of the literature</a:t>
+            </a:r>
+          </a:p>
+        </p:txBody>
+      </p:sp>
+      <p:sp>
+        <p:nvSpPr>
+          <p:cNvPr id="3" name="Content Placeholder 2">
+            <a:extLst>
+              <a:ext uri="{FF2B5EF4-FFF2-40B4-BE49-F238E27FC236}">
+                <a16:creationId xmlns:a16="http://schemas.microsoft.com/office/drawing/2014/main" id="{6A37D6C3-8910-4542-85EC-40DB9FCFEE11}"/>
+              </a:ext>
+            </a:extLst>
+          </p:cNvPr>
+          <p:cNvSpPr>
+            <a:spLocks noGrp="1"/>
+          </p:cNvSpPr>
+          <p:nvPr>
+            <p:ph idx="1"/>
+          </p:nvPr>
+        </p:nvSpPr>
+        <p:spPr>
+          <a:xfrm>
+            <a:off x="2011993" y="1825625"/>
+            <a:ext cx="8168014" cy="4351338"/>
+          </a:xfrm>
+        </p:spPr>
+        <p:txBody>
+          <a:bodyPr/>
+          <a:lstStyle/>
+          <a:p>
+            <a:pPr marL="0" indent="0">
+              <a:buNone/>
+            </a:pPr>
+            <a:r>
+              <a:rPr lang="en-SG" b="1" dirty="0"/>
+              <a:t>Key question</a:t>
+            </a:r>
+          </a:p>
+          <a:p>
+            <a:r>
+              <a:rPr lang="en-SG" dirty="0"/>
+              <a:t>Does the cosmological constant directly affect gravitational lensing?</a:t>
+            </a:r>
+          </a:p>
+          <a:p>
+            <a:pPr marL="0" indent="0">
+              <a:buNone/>
+            </a:pPr>
+            <a:endParaRPr lang="en-SG" b="1" dirty="0"/>
+          </a:p>
+          <a:p>
+            <a:pPr marL="0" indent="0">
+              <a:buNone/>
+            </a:pPr>
+            <a:r>
+              <a:rPr lang="en-SG" b="1" dirty="0"/>
+              <a:t>Key papers </a:t>
+            </a:r>
+          </a:p>
+          <a:p>
+            <a:r>
+              <a:rPr lang="en-SG" dirty="0"/>
+              <a:t>Islam, 1983 (Conventional view)</a:t>
+            </a:r>
+          </a:p>
+          <a:p>
+            <a:r>
+              <a:rPr lang="en-SG" dirty="0" err="1"/>
+              <a:t>Rindler</a:t>
+            </a:r>
+            <a:r>
+              <a:rPr lang="en-SG" dirty="0"/>
+              <a:t> and Ishak, 2007 (Challenging the conventional view)</a:t>
+            </a:r>
+          </a:p>
+          <a:p>
+            <a:endParaRPr lang="en-SG" dirty="0"/>
+          </a:p>
+        </p:txBody>
+      </p:sp>
+    </p:spTree>
+    <p:extLst>
+      <p:ext uri="{BB962C8B-B14F-4D97-AF65-F5344CB8AC3E}">
+        <p14:creationId xmlns:p14="http://schemas.microsoft.com/office/powerpoint/2010/main" val="3588381738"/>
+      </p:ext>
+    </p:extLst>
+  </p:cSld>
+  <p:clrMapOvr>
+    <a:masterClrMapping/>
+  </p:clrMapOvr>
+</p:sld>
+</file>
+
+<file path=ppt/slides/slide30.xml><?xml version="1.0" encoding="utf-8"?>
+<p:sld xmlns:a="http://schemas.openxmlformats.org/drawingml/2006/main" xmlns:r="http://schemas.openxmlformats.org/officeDocument/2006/relationships" xmlns:p="http://schemas.openxmlformats.org/presentationml/2006/main">
+  <p:cSld>
+    <p:spTree>
+      <p:nvGrpSpPr>
+        <p:cNvPr id="1" name=""/>
+        <p:cNvGrpSpPr/>
+        <p:nvPr/>
+      </p:nvGrpSpPr>
+      <p:grpSpPr>
+        <a:xfrm>
+          <a:off x="0" y="0"/>
+          <a:ext cx="0" cy="0"/>
+          <a:chOff x="0" y="0"/>
+          <a:chExt cx="0" cy="0"/>
+        </a:xfrm>
+      </p:grpSpPr>
+      <p:sp>
+        <p:nvSpPr>
+          <p:cNvPr id="2" name="Title 1">
+            <a:extLst>
+              <a:ext uri="{FF2B5EF4-FFF2-40B4-BE49-F238E27FC236}">
+                <a16:creationId xmlns:a16="http://schemas.microsoft.com/office/drawing/2014/main" id="{A4F12EE5-9BE0-46A7-AF66-5BBA029FDBD9}"/>
+              </a:ext>
+            </a:extLst>
+          </p:cNvPr>
+          <p:cNvSpPr>
+            <a:spLocks noGrp="1"/>
+          </p:cNvSpPr>
+          <p:nvPr>
+            <p:ph type="title"/>
+          </p:nvPr>
+        </p:nvSpPr>
+        <p:spPr/>
+        <p:txBody>
+          <a:bodyPr/>
+          <a:lstStyle/>
+          <a:p>
+            <a:r>
+              <a:rPr lang="en-SG" b="1" dirty="0"/>
+              <a:t>The project</a:t>
+            </a:r>
+            <a:r>
+              <a:rPr lang="en-SG" dirty="0"/>
+              <a:t>: Investigating the role of the cosmological constant in gravitational lensing</a:t>
+            </a:r>
+          </a:p>
+        </p:txBody>
+      </p:sp>
+      <p:sp>
+        <p:nvSpPr>
+          <p:cNvPr id="3" name="Content Placeholder 2">
+            <a:extLst>
+              <a:ext uri="{FF2B5EF4-FFF2-40B4-BE49-F238E27FC236}">
+                <a16:creationId xmlns:a16="http://schemas.microsoft.com/office/drawing/2014/main" id="{8201A9DB-AE86-4B4F-A77A-B9DA3071B947}"/>
+              </a:ext>
+            </a:extLst>
+          </p:cNvPr>
+          <p:cNvSpPr>
+            <a:spLocks noGrp="1"/>
+          </p:cNvSpPr>
+          <p:nvPr>
+            <p:ph idx="1"/>
+          </p:nvPr>
+        </p:nvSpPr>
+        <p:spPr/>
+        <p:txBody>
+          <a:bodyPr>
+            <a:normAutofit/>
+          </a:bodyPr>
+          <a:lstStyle/>
+          <a:p>
+            <a:r>
+              <a:rPr lang="en-GB" sz="2000" dirty="0"/>
+              <a:t>Both the cosmological constant and gravitational lensing form important parts of our understanding of the universe</a:t>
+            </a:r>
+            <a:endParaRPr lang="en-SG" sz="2000" dirty="0"/>
+          </a:p>
+          <a:p>
+            <a:r>
+              <a:rPr lang="en-GB" sz="2000" dirty="0"/>
+              <a:t>If there is an effect of the cosmological constant in gravitational lensing that is not accounted for, it might come important for future precision cosmology measurements. </a:t>
+            </a:r>
+          </a:p>
+          <a:p>
+            <a:endParaRPr lang="en-SG" sz="2000" dirty="0"/>
+          </a:p>
+          <a:p>
+            <a:r>
+              <a:rPr lang="en-GB" sz="2000" dirty="0"/>
+              <a:t>Mostly analytical</a:t>
+            </a:r>
+            <a:endParaRPr lang="en-SG" sz="2000" dirty="0"/>
+          </a:p>
+          <a:p>
+            <a:r>
+              <a:rPr lang="en-GB" sz="2000" dirty="0"/>
+              <a:t>Islam (1983): Conventional view</a:t>
+            </a:r>
+            <a:endParaRPr lang="en-SG" sz="2000" dirty="0"/>
+          </a:p>
+          <a:p>
+            <a:r>
+              <a:rPr lang="en-GB" sz="2000" dirty="0" err="1"/>
+              <a:t>Rindler</a:t>
+            </a:r>
+            <a:r>
+              <a:rPr lang="en-GB" sz="2000" dirty="0"/>
+              <a:t> and Ishak (2007): Challenged the conventional view</a:t>
+            </a:r>
+            <a:endParaRPr lang="en-SG" sz="2000" dirty="0"/>
+          </a:p>
+          <a:p>
+            <a:pPr fontAlgn="t"/>
+            <a:r>
+              <a:rPr lang="en-SG" sz="2000" dirty="0"/>
+              <a:t>Numerical approach</a:t>
+            </a:r>
+          </a:p>
+          <a:p>
+            <a:pPr fontAlgn="t"/>
+            <a:r>
+              <a:rPr lang="en-SG" sz="2000" dirty="0"/>
+              <a:t>Swiss-cheese model</a:t>
+            </a:r>
+          </a:p>
+          <a:p>
+            <a:endParaRPr lang="en-SG" dirty="0"/>
+          </a:p>
+        </p:txBody>
+      </p:sp>
+    </p:spTree>
+    <p:extLst>
+      <p:ext uri="{BB962C8B-B14F-4D97-AF65-F5344CB8AC3E}">
+        <p14:creationId xmlns:p14="http://schemas.microsoft.com/office/powerpoint/2010/main" val="3580529139"/>
+      </p:ext>
+    </p:extLst>
+  </p:cSld>
+  <p:clrMapOvr>
+    <a:masterClrMapping/>
+  </p:clrMapOvr>
+</p:sld>
+</file>
+
+<file path=ppt/slides/slide4.xml><?xml version="1.0" encoding="utf-8"?>
+<p:sld xmlns:a="http://schemas.openxmlformats.org/drawingml/2006/main" xmlns:r="http://schemas.openxmlformats.org/officeDocument/2006/relationships" xmlns:p="http://schemas.openxmlformats.org/presentationml/2006/main">
+  <p:cSld>
+    <p:spTree>
+      <p:nvGrpSpPr>
+        <p:cNvPr id="1" name=""/>
+        <p:cNvGrpSpPr/>
+        <p:nvPr/>
+      </p:nvGrpSpPr>
+      <p:grpSpPr>
+        <a:xfrm>
+          <a:off x="0" y="0"/>
+          <a:ext cx="0" cy="0"/>
+          <a:chOff x="0" y="0"/>
+          <a:chExt cx="0" cy="0"/>
+        </a:xfrm>
+      </p:grpSpPr>
+      <p:sp>
+        <p:nvSpPr>
+          <p:cNvPr id="2" name="Title 1">
+            <a:extLst>
+              <a:ext uri="{FF2B5EF4-FFF2-40B4-BE49-F238E27FC236}">
+                <a16:creationId xmlns:a16="http://schemas.microsoft.com/office/drawing/2014/main" id="{D824E415-672D-4D30-BCE1-31801BC250B4}"/>
+              </a:ext>
+            </a:extLst>
+          </p:cNvPr>
+          <p:cNvSpPr>
+            <a:spLocks noGrp="1"/>
+          </p:cNvSpPr>
+          <p:nvPr>
+            <p:ph type="title"/>
+          </p:nvPr>
+        </p:nvSpPr>
+        <p:spPr/>
+        <p:txBody>
+          <a:bodyPr/>
+          <a:lstStyle/>
+          <a:p>
+            <a:r>
+              <a:rPr lang="en-SG" b="1" dirty="0"/>
+              <a:t>Introduction: </a:t>
+            </a:r>
+            <a:r>
+              <a:rPr lang="en-SG" dirty="0"/>
+              <a:t>gravitational lensing</a:t>
+            </a:r>
+          </a:p>
+        </p:txBody>
+      </p:sp>
+      <p:cxnSp>
+        <p:nvCxnSpPr>
+          <p:cNvPr id="7" name="Straight Connector 6">
+            <a:extLst>
+              <a:ext uri="{FF2B5EF4-FFF2-40B4-BE49-F238E27FC236}">
+                <a16:creationId xmlns:a16="http://schemas.microsoft.com/office/drawing/2014/main" id="{D2366A9D-1F3E-449B-89CD-B91609A8BE09}"/>
+              </a:ext>
+            </a:extLst>
+          </p:cNvPr>
+          <p:cNvCxnSpPr>
+            <a:cxnSpLocks/>
+          </p:cNvCxnSpPr>
+          <p:nvPr/>
+        </p:nvCxnSpPr>
+        <p:spPr>
+          <a:xfrm flipV="1">
+            <a:off x="1461370" y="3745283"/>
+            <a:ext cx="8924794" cy="18788"/>
+          </a:xfrm>
+          <a:prstGeom prst="line">
+            <a:avLst/>
+          </a:prstGeom>
+          <a:ln w="19050"/>
+        </p:spPr>
+        <p:style>
+          <a:lnRef idx="1">
+            <a:schemeClr val="dk1"/>
+          </a:lnRef>
+          <a:fillRef idx="0">
+            <a:schemeClr val="dk1"/>
+          </a:fillRef>
+          <a:effectRef idx="0">
+            <a:schemeClr val="dk1"/>
+          </a:effectRef>
+          <a:fontRef idx="minor">
+            <a:schemeClr val="tx1"/>
+          </a:fontRef>
+        </p:style>
+      </p:cxnSp>
+      <p:cxnSp>
+        <p:nvCxnSpPr>
+          <p:cNvPr id="10" name="Straight Connector 9">
+            <a:extLst>
+              <a:ext uri="{FF2B5EF4-FFF2-40B4-BE49-F238E27FC236}">
+                <a16:creationId xmlns:a16="http://schemas.microsoft.com/office/drawing/2014/main" id="{240B1291-14E5-47E4-80F3-0FD05D1F8B85}"/>
+              </a:ext>
+            </a:extLst>
+          </p:cNvPr>
+          <p:cNvCxnSpPr>
+            <a:cxnSpLocks/>
+          </p:cNvCxnSpPr>
+          <p:nvPr/>
+        </p:nvCxnSpPr>
+        <p:spPr>
+          <a:xfrm flipV="1">
+            <a:off x="1536526" y="2242160"/>
+            <a:ext cx="4559473" cy="1521911"/>
+          </a:xfrm>
+          <a:prstGeom prst="line">
+            <a:avLst/>
+          </a:prstGeom>
+          <a:ln w="19050"/>
+        </p:spPr>
+        <p:style>
+          <a:lnRef idx="1">
+            <a:schemeClr val="dk1"/>
+          </a:lnRef>
+          <a:fillRef idx="0">
+            <a:schemeClr val="dk1"/>
+          </a:fillRef>
+          <a:effectRef idx="0">
+            <a:schemeClr val="dk1"/>
+          </a:effectRef>
+          <a:fontRef idx="minor">
+            <a:schemeClr val="tx1"/>
+          </a:fontRef>
+        </p:style>
+      </p:cxnSp>
+      <p:cxnSp>
+        <p:nvCxnSpPr>
+          <p:cNvPr id="12" name="Straight Connector 11">
+            <a:extLst>
+              <a:ext uri="{FF2B5EF4-FFF2-40B4-BE49-F238E27FC236}">
+                <a16:creationId xmlns:a16="http://schemas.microsoft.com/office/drawing/2014/main" id="{9F46C067-B3A2-47CA-8DD5-F3CCC4F948E3}"/>
+              </a:ext>
+            </a:extLst>
+          </p:cNvPr>
+          <p:cNvCxnSpPr>
+            <a:cxnSpLocks/>
+          </p:cNvCxnSpPr>
+          <p:nvPr/>
+        </p:nvCxnSpPr>
+        <p:spPr>
+          <a:xfrm>
+            <a:off x="6096000" y="2242159"/>
+            <a:ext cx="4290164" cy="1941534"/>
+          </a:xfrm>
+          <a:prstGeom prst="line">
+            <a:avLst/>
+          </a:prstGeom>
+          <a:ln w="19050"/>
+        </p:spPr>
+        <p:style>
+          <a:lnRef idx="1">
+            <a:schemeClr val="dk1"/>
+          </a:lnRef>
+          <a:fillRef idx="0">
+            <a:schemeClr val="dk1"/>
+          </a:fillRef>
+          <a:effectRef idx="0">
+            <a:schemeClr val="dk1"/>
+          </a:effectRef>
+          <a:fontRef idx="minor">
+            <a:schemeClr val="tx1"/>
+          </a:fontRef>
+        </p:style>
+      </p:cxnSp>
+      <p:cxnSp>
+        <p:nvCxnSpPr>
+          <p:cNvPr id="16" name="Straight Connector 15">
+            <a:extLst>
+              <a:ext uri="{FF2B5EF4-FFF2-40B4-BE49-F238E27FC236}">
+                <a16:creationId xmlns:a16="http://schemas.microsoft.com/office/drawing/2014/main" id="{EF9FB068-5634-41F2-983E-38C603B254C1}"/>
+              </a:ext>
+            </a:extLst>
+          </p:cNvPr>
+          <p:cNvCxnSpPr/>
+          <p:nvPr/>
+        </p:nvCxnSpPr>
+        <p:spPr>
+          <a:xfrm>
+            <a:off x="6096000" y="2242159"/>
+            <a:ext cx="0" cy="1503123"/>
+          </a:xfrm>
+          <a:prstGeom prst="line">
+            <a:avLst/>
+          </a:prstGeom>
+          <a:ln w="19050">
+            <a:prstDash val="dash"/>
+          </a:ln>
+        </p:spPr>
+        <p:style>
+          <a:lnRef idx="1">
+            <a:schemeClr val="dk1"/>
+          </a:lnRef>
+          <a:fillRef idx="0">
+            <a:schemeClr val="dk1"/>
+          </a:fillRef>
+          <a:effectRef idx="0">
+            <a:schemeClr val="dk1"/>
+          </a:effectRef>
+          <a:fontRef idx="minor">
+            <a:schemeClr val="tx1"/>
+          </a:fontRef>
+        </p:style>
+      </p:cxnSp>
+      <p:cxnSp>
+        <p:nvCxnSpPr>
+          <p:cNvPr id="19" name="Straight Connector 18">
+            <a:extLst>
+              <a:ext uri="{FF2B5EF4-FFF2-40B4-BE49-F238E27FC236}">
+                <a16:creationId xmlns:a16="http://schemas.microsoft.com/office/drawing/2014/main" id="{06D342E6-9F64-4DBC-A968-BD462E626F1A}"/>
+              </a:ext>
+            </a:extLst>
+          </p:cNvPr>
+          <p:cNvCxnSpPr>
+            <a:cxnSpLocks/>
+          </p:cNvCxnSpPr>
+          <p:nvPr/>
+        </p:nvCxnSpPr>
+        <p:spPr>
+          <a:xfrm flipV="1">
+            <a:off x="6095999" y="739036"/>
+            <a:ext cx="4490580" cy="1503123"/>
+          </a:xfrm>
+          <a:prstGeom prst="line">
+            <a:avLst/>
+          </a:prstGeom>
+          <a:ln w="19050">
+            <a:prstDash val="dash"/>
+          </a:ln>
+        </p:spPr>
+        <p:style>
+          <a:lnRef idx="1">
+            <a:schemeClr val="dk1"/>
+          </a:lnRef>
+          <a:fillRef idx="0">
+            <a:schemeClr val="dk1"/>
+          </a:fillRef>
+          <a:effectRef idx="0">
+            <a:schemeClr val="dk1"/>
+          </a:effectRef>
+          <a:fontRef idx="minor">
+            <a:schemeClr val="tx1"/>
+          </a:fontRef>
+        </p:style>
+      </p:cxnSp>
+      <p:cxnSp>
+        <p:nvCxnSpPr>
+          <p:cNvPr id="21" name="Straight Connector 20">
+            <a:extLst>
+              <a:ext uri="{FF2B5EF4-FFF2-40B4-BE49-F238E27FC236}">
+                <a16:creationId xmlns:a16="http://schemas.microsoft.com/office/drawing/2014/main" id="{A3E0A1B8-84BC-469F-AA53-37D22AA5E316}"/>
+              </a:ext>
+            </a:extLst>
+          </p:cNvPr>
+          <p:cNvCxnSpPr>
+            <a:cxnSpLocks/>
+          </p:cNvCxnSpPr>
+          <p:nvPr/>
+        </p:nvCxnSpPr>
+        <p:spPr>
+          <a:xfrm>
+            <a:off x="9423748" y="1096027"/>
+            <a:ext cx="0" cy="2649254"/>
+          </a:xfrm>
+          <a:prstGeom prst="line">
+            <a:avLst/>
+          </a:prstGeom>
+          <a:ln w="19050">
+            <a:prstDash val="dash"/>
+          </a:ln>
+        </p:spPr>
+        <p:style>
+          <a:lnRef idx="1">
+            <a:schemeClr val="dk1"/>
+          </a:lnRef>
+          <a:fillRef idx="0">
+            <a:schemeClr val="dk1"/>
+          </a:fillRef>
+          <a:effectRef idx="0">
+            <a:schemeClr val="dk1"/>
+          </a:effectRef>
+          <a:fontRef idx="minor">
+            <a:schemeClr val="tx1"/>
+          </a:fontRef>
+        </p:style>
+      </p:cxnSp>
+      <p:cxnSp>
+        <p:nvCxnSpPr>
+          <p:cNvPr id="24" name="Straight Arrow Connector 23">
+            <a:extLst>
+              <a:ext uri="{FF2B5EF4-FFF2-40B4-BE49-F238E27FC236}">
+                <a16:creationId xmlns:a16="http://schemas.microsoft.com/office/drawing/2014/main" id="{B588C122-EFF1-448E-8420-418D91052F01}"/>
+              </a:ext>
+            </a:extLst>
+          </p:cNvPr>
+          <p:cNvCxnSpPr>
+            <a:cxnSpLocks/>
+          </p:cNvCxnSpPr>
+          <p:nvPr/>
+        </p:nvCxnSpPr>
+        <p:spPr>
+          <a:xfrm>
+            <a:off x="1536526" y="4265112"/>
+            <a:ext cx="4615841" cy="0"/>
+          </a:xfrm>
+          <a:prstGeom prst="straightConnector1">
+            <a:avLst/>
+          </a:prstGeom>
+          <a:ln w="19050">
+            <a:headEnd type="triangle" w="lg" len="lg"/>
+            <a:tailEnd type="triangle" w="lg" len="lg"/>
+          </a:ln>
+        </p:spPr>
+        <p:style>
+          <a:lnRef idx="1">
+            <a:schemeClr val="dk1"/>
+          </a:lnRef>
+          <a:fillRef idx="0">
+            <a:schemeClr val="dk1"/>
+          </a:fillRef>
+          <a:effectRef idx="0">
+            <a:schemeClr val="dk1"/>
+          </a:effectRef>
+          <a:fontRef idx="minor">
+            <a:schemeClr val="tx1"/>
+          </a:fontRef>
+        </p:style>
+      </p:cxnSp>
+      <p:cxnSp>
+        <p:nvCxnSpPr>
+          <p:cNvPr id="32" name="Straight Arrow Connector 31">
+            <a:extLst>
+              <a:ext uri="{FF2B5EF4-FFF2-40B4-BE49-F238E27FC236}">
+                <a16:creationId xmlns:a16="http://schemas.microsoft.com/office/drawing/2014/main" id="{DE656E3D-613A-45FA-84C3-CA0E23C91D3F}"/>
+              </a:ext>
+            </a:extLst>
+          </p:cNvPr>
+          <p:cNvCxnSpPr>
+            <a:cxnSpLocks/>
+          </p:cNvCxnSpPr>
+          <p:nvPr/>
+        </p:nvCxnSpPr>
+        <p:spPr>
+          <a:xfrm>
+            <a:off x="6152367" y="4265112"/>
+            <a:ext cx="3331923" cy="0"/>
+          </a:xfrm>
+          <a:prstGeom prst="straightConnector1">
+            <a:avLst/>
+          </a:prstGeom>
+          <a:ln w="19050">
+            <a:headEnd type="triangle" w="lg" len="lg"/>
+            <a:tailEnd type="triangle" w="lg" len="lg"/>
+          </a:ln>
+        </p:spPr>
+        <p:style>
+          <a:lnRef idx="1">
+            <a:schemeClr val="dk1"/>
+          </a:lnRef>
+          <a:fillRef idx="0">
+            <a:schemeClr val="dk1"/>
+          </a:fillRef>
+          <a:effectRef idx="0">
+            <a:schemeClr val="dk1"/>
+          </a:effectRef>
+          <a:fontRef idx="minor">
+            <a:schemeClr val="tx1"/>
+          </a:fontRef>
+        </p:style>
+      </p:cxnSp>
+      <mc:AlternateContent xmlns:mc="http://schemas.openxmlformats.org/markup-compatibility/2006">
+        <mc:Choice xmlns:a14="http://schemas.microsoft.com/office/drawing/2010/main" Requires="a14">
+          <p:sp>
+            <p:nvSpPr>
+              <p:cNvPr id="34" name="TextBox 33">
+                <a:extLst>
+                  <a:ext uri="{FF2B5EF4-FFF2-40B4-BE49-F238E27FC236}">
+                    <a16:creationId xmlns:a16="http://schemas.microsoft.com/office/drawing/2014/main" id="{172A9D9F-ADDE-4199-8D52-A3E9E9E93E49}"/>
+                  </a:ext>
+                </a:extLst>
+              </p:cNvPr>
+              <p:cNvSpPr txBox="1"/>
+              <p:nvPr/>
+            </p:nvSpPr>
+            <p:spPr>
+              <a:xfrm>
+                <a:off x="2995809" y="3294707"/>
+                <a:ext cx="488515" cy="400110"/>
+              </a:xfrm>
+              <a:prstGeom prst="rect">
+                <a:avLst/>
+              </a:prstGeom>
+              <a:noFill/>
+            </p:spPr>
+            <p:txBody>
+              <a:bodyPr wrap="square" rtlCol="0">
+                <a:spAutoFit/>
+              </a:bodyPr>
+              <a:lstStyle/>
+              <a:p>
+                <a14:m>
+                  <m:oMathPara xmlns:m="http://schemas.openxmlformats.org/officeDocument/2006/math">
+                    <m:oMathParaPr>
+                      <m:jc m:val="centerGroup"/>
+                    </m:oMathParaPr>
+                    <m:oMath xmlns:m="http://schemas.openxmlformats.org/officeDocument/2006/math">
+                      <m:sSub>
+                        <m:sSubPr>
+                          <m:ctrlPr>
+                            <a:rPr lang="en-GB" sz="2000" b="0" i="1" smtClean="0">
+                              <a:latin typeface="Cambria Math" panose="02040503050406030204" pitchFamily="18" charset="0"/>
+                              <a:ea typeface="Cambria Math" panose="02040503050406030204" pitchFamily="18" charset="0"/>
+                            </a:rPr>
+                          </m:ctrlPr>
+                        </m:sSubPr>
+                        <m:e>
+                          <m:r>
+                            <a:rPr lang="en-SG" sz="2000" i="1" smtClean="0">
+                              <a:latin typeface="Cambria Math" panose="02040503050406030204" pitchFamily="18" charset="0"/>
+                              <a:ea typeface="Cambria Math" panose="02040503050406030204" pitchFamily="18" charset="0"/>
+                            </a:rPr>
+                            <m:t>𝜃</m:t>
+                          </m:r>
+                        </m:e>
+                        <m:sub>
+                          <m:r>
+                            <a:rPr lang="en-GB" sz="2000" b="0" i="1" smtClean="0">
+                              <a:latin typeface="Cambria Math" panose="02040503050406030204" pitchFamily="18" charset="0"/>
+                              <a:ea typeface="Cambria Math" panose="02040503050406030204" pitchFamily="18" charset="0"/>
+                            </a:rPr>
+                            <m:t>𝐸</m:t>
+                          </m:r>
+                        </m:sub>
+                      </m:sSub>
+                    </m:oMath>
+                  </m:oMathPara>
+                </a14:m>
+                <a:endParaRPr lang="en-SG" sz="2000" dirty="0"/>
+              </a:p>
+            </p:txBody>
+          </p:sp>
+        </mc:Choice>
+        <mc:Fallback>
+          <p:sp>
+            <p:nvSpPr>
+              <p:cNvPr id="34" name="TextBox 33">
+                <a:extLst>
+                  <a:ext uri="{FF2B5EF4-FFF2-40B4-BE49-F238E27FC236}">
+                    <a16:creationId xmlns:a16="http://schemas.microsoft.com/office/drawing/2014/main" id="{172A9D9F-ADDE-4199-8D52-A3E9E9E93E49}"/>
+                  </a:ext>
+                </a:extLst>
+              </p:cNvPr>
+              <p:cNvSpPr txBox="1">
+                <a:spLocks noRot="1" noChangeAspect="1" noMove="1" noResize="1" noEditPoints="1" noAdjustHandles="1" noChangeArrowheads="1" noChangeShapeType="1" noTextEdit="1"/>
+              </p:cNvSpPr>
+              <p:nvPr/>
+            </p:nvSpPr>
+            <p:spPr>
+              <a:xfrm>
+                <a:off x="2995809" y="3294707"/>
+                <a:ext cx="488515" cy="400110"/>
+              </a:xfrm>
+              <a:prstGeom prst="rect">
+                <a:avLst/>
+              </a:prstGeom>
+              <a:blipFill>
+                <a:blip r:embed="rId2"/>
+                <a:stretch>
+                  <a:fillRect/>
+                </a:stretch>
+              </a:blipFill>
+            </p:spPr>
+            <p:txBody>
+              <a:bodyPr/>
+              <a:lstStyle/>
+              <a:p>
+                <a:r>
+                  <a:rPr lang="en-SG">
+                    <a:noFill/>
+                  </a:rPr>
+                  <a:t> </a:t>
+                </a:r>
+              </a:p>
+            </p:txBody>
+          </p:sp>
+        </mc:Fallback>
+      </mc:AlternateContent>
+      <mc:AlternateContent xmlns:mc="http://schemas.openxmlformats.org/markup-compatibility/2006">
+        <mc:Choice xmlns:a14="http://schemas.microsoft.com/office/drawing/2010/main" Requires="a14">
+          <p:sp>
+            <p:nvSpPr>
+              <p:cNvPr id="35" name="TextBox 34">
+                <a:extLst>
+                  <a:ext uri="{FF2B5EF4-FFF2-40B4-BE49-F238E27FC236}">
+                    <a16:creationId xmlns:a16="http://schemas.microsoft.com/office/drawing/2014/main" id="{8CA8AC7B-EE88-4372-BB9D-B77721124DD8}"/>
+                  </a:ext>
+                </a:extLst>
+              </p:cNvPr>
+              <p:cNvSpPr txBox="1"/>
+              <p:nvPr/>
+            </p:nvSpPr>
+            <p:spPr>
+              <a:xfrm>
+                <a:off x="7515761" y="4065057"/>
+                <a:ext cx="626390" cy="400110"/>
+              </a:xfrm>
+              <a:prstGeom prst="rect">
+                <a:avLst/>
+              </a:prstGeom>
+              <a:solidFill>
+                <a:schemeClr val="bg1"/>
+              </a:solidFill>
+            </p:spPr>
+            <p:txBody>
+              <a:bodyPr wrap="none" rtlCol="0">
+                <a:spAutoFit/>
+              </a:bodyPr>
+              <a:lstStyle/>
+              <a:p>
+                <a14:m>
+                  <m:oMathPara xmlns:m="http://schemas.openxmlformats.org/officeDocument/2006/math">
+                    <m:oMathParaPr>
+                      <m:jc m:val="centerGroup"/>
+                    </m:oMathParaPr>
+                    <m:oMath xmlns:m="http://schemas.openxmlformats.org/officeDocument/2006/math">
+                      <m:sSub>
+                        <m:sSubPr>
+                          <m:ctrlPr>
+                            <a:rPr lang="en-GB" sz="2000" b="0" i="1" smtClean="0">
+                              <a:latin typeface="Cambria Math" panose="02040503050406030204" pitchFamily="18" charset="0"/>
+                            </a:rPr>
+                          </m:ctrlPr>
+                        </m:sSubPr>
+                        <m:e>
+                          <m:r>
+                            <a:rPr lang="en-GB" sz="2000" b="0" i="1" smtClean="0">
+                              <a:latin typeface="Cambria Math" panose="02040503050406030204" pitchFamily="18" charset="0"/>
+                            </a:rPr>
+                            <m:t>𝐷</m:t>
+                          </m:r>
+                        </m:e>
+                        <m:sub>
+                          <m:r>
+                            <a:rPr lang="en-GB" sz="2000" b="0" i="1" smtClean="0">
+                              <a:latin typeface="Cambria Math" panose="02040503050406030204" pitchFamily="18" charset="0"/>
+                            </a:rPr>
+                            <m:t>𝐿𝑆</m:t>
+                          </m:r>
+                        </m:sub>
+                      </m:sSub>
+                    </m:oMath>
+                  </m:oMathPara>
+                </a14:m>
+                <a:endParaRPr lang="en-SG" sz="2000" dirty="0"/>
+              </a:p>
+            </p:txBody>
+          </p:sp>
+        </mc:Choice>
+        <mc:Fallback>
+          <p:sp>
+            <p:nvSpPr>
+              <p:cNvPr id="35" name="TextBox 34">
+                <a:extLst>
+                  <a:ext uri="{FF2B5EF4-FFF2-40B4-BE49-F238E27FC236}">
+                    <a16:creationId xmlns:a16="http://schemas.microsoft.com/office/drawing/2014/main" id="{8CA8AC7B-EE88-4372-BB9D-B77721124DD8}"/>
+                  </a:ext>
+                </a:extLst>
+              </p:cNvPr>
+              <p:cNvSpPr txBox="1">
+                <a:spLocks noRot="1" noChangeAspect="1" noMove="1" noResize="1" noEditPoints="1" noAdjustHandles="1" noChangeArrowheads="1" noChangeShapeType="1" noTextEdit="1"/>
+              </p:cNvSpPr>
+              <p:nvPr/>
+            </p:nvSpPr>
+            <p:spPr>
+              <a:xfrm>
+                <a:off x="7515761" y="4065057"/>
+                <a:ext cx="626390" cy="400110"/>
+              </a:xfrm>
+              <a:prstGeom prst="rect">
+                <a:avLst/>
+              </a:prstGeom>
+              <a:blipFill>
+                <a:blip r:embed="rId3"/>
+                <a:stretch>
+                  <a:fillRect b="-1538"/>
+                </a:stretch>
+              </a:blipFill>
+            </p:spPr>
+            <p:txBody>
+              <a:bodyPr/>
+              <a:lstStyle/>
+              <a:p>
+                <a:r>
+                  <a:rPr lang="en-SG">
+                    <a:noFill/>
+                  </a:rPr>
+                  <a:t> </a:t>
+                </a:r>
+              </a:p>
+            </p:txBody>
+          </p:sp>
+        </mc:Fallback>
+      </mc:AlternateContent>
+      <mc:AlternateContent xmlns:mc="http://schemas.openxmlformats.org/markup-compatibility/2006">
+        <mc:Choice xmlns:a14="http://schemas.microsoft.com/office/drawing/2010/main" Requires="a14">
+          <p:sp>
+            <p:nvSpPr>
+              <p:cNvPr id="36" name="TextBox 35">
+                <a:extLst>
+                  <a:ext uri="{FF2B5EF4-FFF2-40B4-BE49-F238E27FC236}">
+                    <a16:creationId xmlns:a16="http://schemas.microsoft.com/office/drawing/2014/main" id="{52282EE4-D591-4929-9369-D1F77657C405}"/>
+                  </a:ext>
+                </a:extLst>
+              </p:cNvPr>
+              <p:cNvSpPr txBox="1"/>
+              <p:nvPr/>
+            </p:nvSpPr>
+            <p:spPr>
+              <a:xfrm>
+                <a:off x="3582675" y="4065057"/>
+                <a:ext cx="523541" cy="400110"/>
+              </a:xfrm>
+              <a:prstGeom prst="rect">
+                <a:avLst/>
+              </a:prstGeom>
+              <a:solidFill>
+                <a:schemeClr val="bg1"/>
+              </a:solidFill>
+            </p:spPr>
+            <p:txBody>
+              <a:bodyPr wrap="none" rtlCol="0">
+                <a:spAutoFit/>
+              </a:bodyPr>
+              <a:lstStyle/>
+              <a:p>
+                <a14:m>
+                  <m:oMathPara xmlns:m="http://schemas.openxmlformats.org/officeDocument/2006/math">
+                    <m:oMathParaPr>
+                      <m:jc m:val="centerGroup"/>
+                    </m:oMathParaPr>
+                    <m:oMath xmlns:m="http://schemas.openxmlformats.org/officeDocument/2006/math">
+                      <m:sSub>
+                        <m:sSubPr>
+                          <m:ctrlPr>
+                            <a:rPr lang="en-GB" sz="2000" b="0" i="1" smtClean="0">
+                              <a:latin typeface="Cambria Math" panose="02040503050406030204" pitchFamily="18" charset="0"/>
+                            </a:rPr>
+                          </m:ctrlPr>
+                        </m:sSubPr>
+                        <m:e>
+                          <m:r>
+                            <a:rPr lang="en-GB" sz="2000" b="0" i="1" smtClean="0">
+                              <a:latin typeface="Cambria Math" panose="02040503050406030204" pitchFamily="18" charset="0"/>
+                            </a:rPr>
+                            <m:t>𝐷</m:t>
+                          </m:r>
+                        </m:e>
+                        <m:sub>
+                          <m:r>
+                            <a:rPr lang="en-GB" sz="2000" b="0" i="1" smtClean="0">
+                              <a:latin typeface="Cambria Math" panose="02040503050406030204" pitchFamily="18" charset="0"/>
+                            </a:rPr>
+                            <m:t>𝐿</m:t>
+                          </m:r>
+                        </m:sub>
+                      </m:sSub>
+                    </m:oMath>
+                  </m:oMathPara>
+                </a14:m>
+                <a:endParaRPr lang="en-SG" sz="2000" dirty="0"/>
+              </a:p>
+            </p:txBody>
+          </p:sp>
+        </mc:Choice>
+        <mc:Fallback>
+          <p:sp>
+            <p:nvSpPr>
+              <p:cNvPr id="36" name="TextBox 35">
+                <a:extLst>
+                  <a:ext uri="{FF2B5EF4-FFF2-40B4-BE49-F238E27FC236}">
+                    <a16:creationId xmlns:a16="http://schemas.microsoft.com/office/drawing/2014/main" id="{52282EE4-D591-4929-9369-D1F77657C405}"/>
+                  </a:ext>
+                </a:extLst>
+              </p:cNvPr>
+              <p:cNvSpPr txBox="1">
+                <a:spLocks noRot="1" noChangeAspect="1" noMove="1" noResize="1" noEditPoints="1" noAdjustHandles="1" noChangeArrowheads="1" noChangeShapeType="1" noTextEdit="1"/>
+              </p:cNvSpPr>
+              <p:nvPr/>
+            </p:nvSpPr>
+            <p:spPr>
+              <a:xfrm>
+                <a:off x="3582675" y="4065057"/>
+                <a:ext cx="523541" cy="400110"/>
+              </a:xfrm>
+              <a:prstGeom prst="rect">
+                <a:avLst/>
+              </a:prstGeom>
+              <a:blipFill>
+                <a:blip r:embed="rId4"/>
+                <a:stretch>
+                  <a:fillRect b="-1538"/>
+                </a:stretch>
+              </a:blipFill>
+            </p:spPr>
+            <p:txBody>
+              <a:bodyPr/>
+              <a:lstStyle/>
+              <a:p>
+                <a:r>
+                  <a:rPr lang="en-SG">
+                    <a:noFill/>
+                  </a:rPr>
+                  <a:t> </a:t>
+                </a:r>
+              </a:p>
+            </p:txBody>
+          </p:sp>
+        </mc:Fallback>
+      </mc:AlternateContent>
+      <p:cxnSp>
+        <p:nvCxnSpPr>
+          <p:cNvPr id="37" name="Straight Arrow Connector 36">
+            <a:extLst>
+              <a:ext uri="{FF2B5EF4-FFF2-40B4-BE49-F238E27FC236}">
+                <a16:creationId xmlns:a16="http://schemas.microsoft.com/office/drawing/2014/main" id="{2338ACDA-D55B-465E-ACA2-AA2C9E8F4E6D}"/>
+              </a:ext>
+            </a:extLst>
+          </p:cNvPr>
+          <p:cNvCxnSpPr>
+            <a:cxnSpLocks/>
+          </p:cNvCxnSpPr>
+          <p:nvPr/>
+        </p:nvCxnSpPr>
+        <p:spPr>
+          <a:xfrm>
+            <a:off x="1536526" y="4766154"/>
+            <a:ext cx="7947764" cy="0"/>
+          </a:xfrm>
+          <a:prstGeom prst="straightConnector1">
+            <a:avLst/>
+          </a:prstGeom>
+          <a:ln w="19050">
+            <a:headEnd type="triangle" w="lg" len="lg"/>
+            <a:tailEnd type="triangle" w="lg" len="lg"/>
+          </a:ln>
+        </p:spPr>
+        <p:style>
+          <a:lnRef idx="1">
+            <a:schemeClr val="dk1"/>
+          </a:lnRef>
+          <a:fillRef idx="0">
+            <a:schemeClr val="dk1"/>
+          </a:fillRef>
+          <a:effectRef idx="0">
+            <a:schemeClr val="dk1"/>
+          </a:effectRef>
+          <a:fontRef idx="minor">
+            <a:schemeClr val="tx1"/>
+          </a:fontRef>
+        </p:style>
+      </p:cxnSp>
+      <mc:AlternateContent xmlns:mc="http://schemas.openxmlformats.org/markup-compatibility/2006">
+        <mc:Choice xmlns:a14="http://schemas.microsoft.com/office/drawing/2010/main" Requires="a14">
+          <p:sp>
+            <p:nvSpPr>
+              <p:cNvPr id="39" name="TextBox 38">
+                <a:extLst>
+                  <a:ext uri="{FF2B5EF4-FFF2-40B4-BE49-F238E27FC236}">
+                    <a16:creationId xmlns:a16="http://schemas.microsoft.com/office/drawing/2014/main" id="{C6A5EC5B-451E-4997-822A-D522930330A1}"/>
+                  </a:ext>
+                </a:extLst>
+              </p:cNvPr>
+              <p:cNvSpPr txBox="1"/>
+              <p:nvPr/>
+            </p:nvSpPr>
+            <p:spPr>
+              <a:xfrm>
+                <a:off x="5106675" y="4557388"/>
+                <a:ext cx="516488" cy="400110"/>
+              </a:xfrm>
+              <a:prstGeom prst="rect">
+                <a:avLst/>
+              </a:prstGeom>
+              <a:solidFill>
+                <a:schemeClr val="bg1"/>
+              </a:solidFill>
+            </p:spPr>
+            <p:txBody>
+              <a:bodyPr wrap="none" rtlCol="0">
+                <a:spAutoFit/>
+              </a:bodyPr>
+              <a:lstStyle/>
+              <a:p>
+                <a14:m>
+                  <m:oMathPara xmlns:m="http://schemas.openxmlformats.org/officeDocument/2006/math">
+                    <m:oMathParaPr>
+                      <m:jc m:val="centerGroup"/>
+                    </m:oMathParaPr>
+                    <m:oMath xmlns:m="http://schemas.openxmlformats.org/officeDocument/2006/math">
+                      <m:sSub>
+                        <m:sSubPr>
+                          <m:ctrlPr>
+                            <a:rPr lang="en-GB" sz="2000" b="0" i="1" smtClean="0">
+                              <a:latin typeface="Cambria Math" panose="02040503050406030204" pitchFamily="18" charset="0"/>
+                            </a:rPr>
+                          </m:ctrlPr>
+                        </m:sSubPr>
+                        <m:e>
+                          <m:r>
+                            <a:rPr lang="en-GB" sz="2000" b="0" i="1" smtClean="0">
+                              <a:latin typeface="Cambria Math" panose="02040503050406030204" pitchFamily="18" charset="0"/>
+                            </a:rPr>
+                            <m:t>𝐷</m:t>
+                          </m:r>
+                        </m:e>
+                        <m:sub>
+                          <m:r>
+                            <a:rPr lang="en-GB" sz="2000" b="0" i="1" smtClean="0">
+                              <a:latin typeface="Cambria Math" panose="02040503050406030204" pitchFamily="18" charset="0"/>
+                            </a:rPr>
+                            <m:t>𝑆</m:t>
+                          </m:r>
+                        </m:sub>
+                      </m:sSub>
+                    </m:oMath>
+                  </m:oMathPara>
+                </a14:m>
+                <a:endParaRPr lang="en-SG" sz="2000" dirty="0"/>
+              </a:p>
+            </p:txBody>
+          </p:sp>
+        </mc:Choice>
+        <mc:Fallback>
+          <p:sp>
+            <p:nvSpPr>
+              <p:cNvPr id="39" name="TextBox 38">
+                <a:extLst>
+                  <a:ext uri="{FF2B5EF4-FFF2-40B4-BE49-F238E27FC236}">
+                    <a16:creationId xmlns:a16="http://schemas.microsoft.com/office/drawing/2014/main" id="{C6A5EC5B-451E-4997-822A-D522930330A1}"/>
+                  </a:ext>
+                </a:extLst>
+              </p:cNvPr>
+              <p:cNvSpPr txBox="1">
+                <a:spLocks noRot="1" noChangeAspect="1" noMove="1" noResize="1" noEditPoints="1" noAdjustHandles="1" noChangeArrowheads="1" noChangeShapeType="1" noTextEdit="1"/>
+              </p:cNvSpPr>
+              <p:nvPr/>
+            </p:nvSpPr>
+            <p:spPr>
+              <a:xfrm>
+                <a:off x="5106675" y="4557388"/>
+                <a:ext cx="516488" cy="400110"/>
+              </a:xfrm>
+              <a:prstGeom prst="rect">
+                <a:avLst/>
+              </a:prstGeom>
+              <a:blipFill>
+                <a:blip r:embed="rId5"/>
+                <a:stretch>
+                  <a:fillRect b="-1538"/>
+                </a:stretch>
+              </a:blipFill>
+            </p:spPr>
+            <p:txBody>
+              <a:bodyPr/>
+              <a:lstStyle/>
+              <a:p>
+                <a:r>
+                  <a:rPr lang="en-SG">
+                    <a:noFill/>
+                  </a:rPr>
+                  <a:t> </a:t>
+                </a:r>
+              </a:p>
+            </p:txBody>
+          </p:sp>
+        </mc:Fallback>
+      </mc:AlternateContent>
+      <p:sp>
+        <p:nvSpPr>
+          <p:cNvPr id="40" name="Oval 39">
+            <a:extLst>
+              <a:ext uri="{FF2B5EF4-FFF2-40B4-BE49-F238E27FC236}">
+                <a16:creationId xmlns:a16="http://schemas.microsoft.com/office/drawing/2014/main" id="{7E8AEE58-DD5A-4D18-A839-EB2498292061}"/>
+              </a:ext>
+            </a:extLst>
+          </p:cNvPr>
+          <p:cNvSpPr/>
+          <p:nvPr/>
+        </p:nvSpPr>
+        <p:spPr>
+          <a:xfrm>
+            <a:off x="6027107" y="3694817"/>
+            <a:ext cx="131883" cy="131883"/>
+          </a:xfrm>
+          <a:prstGeom prst="ellipse">
+            <a:avLst/>
+          </a:prstGeom>
+        </p:spPr>
+        <p:style>
+          <a:lnRef idx="2">
+            <a:schemeClr val="dk1">
+              <a:shade val="50000"/>
+            </a:schemeClr>
+          </a:lnRef>
+          <a:fillRef idx="1">
+            <a:schemeClr val="dk1"/>
+          </a:fillRef>
+          <a:effectRef idx="0">
+            <a:schemeClr val="dk1"/>
+          </a:effectRef>
+          <a:fontRef idx="minor">
+            <a:schemeClr val="lt1"/>
+          </a:fontRef>
+        </p:style>
+        <p:txBody>
+          <a:bodyPr rtlCol="0" anchor="ctr"/>
+          <a:lstStyle/>
+          <a:p>
+            <a:pPr algn="ctr"/>
+            <a:endParaRPr lang="en-SG"/>
+          </a:p>
+        </p:txBody>
+      </p:sp>
+      <p:sp>
+        <p:nvSpPr>
+          <p:cNvPr id="43" name="Freeform: Shape 42">
+            <a:extLst>
+              <a:ext uri="{FF2B5EF4-FFF2-40B4-BE49-F238E27FC236}">
+                <a16:creationId xmlns:a16="http://schemas.microsoft.com/office/drawing/2014/main" id="{DE2A8D6E-4EF3-41BE-9537-8126A1F0268F}"/>
+              </a:ext>
+            </a:extLst>
+          </p:cNvPr>
+          <p:cNvSpPr/>
+          <p:nvPr/>
+        </p:nvSpPr>
+        <p:spPr>
+          <a:xfrm>
+            <a:off x="2745288" y="3344449"/>
+            <a:ext cx="132331" cy="400833"/>
+          </a:xfrm>
+          <a:custGeom>
+            <a:avLst/>
+            <a:gdLst>
+              <a:gd name="connsiteX0" fmla="*/ 0 w 132331"/>
+              <a:gd name="connsiteY0" fmla="*/ 0 h 400833"/>
+              <a:gd name="connsiteX1" fmla="*/ 112734 w 132331"/>
+              <a:gd name="connsiteY1" fmla="*/ 169102 h 400833"/>
+              <a:gd name="connsiteX2" fmla="*/ 131523 w 132331"/>
+              <a:gd name="connsiteY2" fmla="*/ 400833 h 400833"/>
+            </a:gdLst>
+            <a:ahLst/>
+            <a:cxnLst>
+              <a:cxn ang="0">
+                <a:pos x="connsiteX0" y="connsiteY0"/>
+              </a:cxn>
+              <a:cxn ang="0">
+                <a:pos x="connsiteX1" y="connsiteY1"/>
+              </a:cxn>
+              <a:cxn ang="0">
+                <a:pos x="connsiteX2" y="connsiteY2"/>
+              </a:cxn>
+            </a:cxnLst>
+            <a:rect l="l" t="t" r="r" b="b"/>
+            <a:pathLst>
+              <a:path w="132331" h="400833">
+                <a:moveTo>
+                  <a:pt x="0" y="0"/>
+                </a:moveTo>
+                <a:cubicBezTo>
+                  <a:pt x="45407" y="51148"/>
+                  <a:pt x="90814" y="102297"/>
+                  <a:pt x="112734" y="169102"/>
+                </a:cubicBezTo>
+                <a:cubicBezTo>
+                  <a:pt x="134654" y="235907"/>
+                  <a:pt x="133088" y="318370"/>
+                  <a:pt x="131523" y="400833"/>
+                </a:cubicBezTo>
+              </a:path>
+            </a:pathLst>
+          </a:custGeom>
+        </p:spPr>
+        <p:style>
+          <a:lnRef idx="1">
+            <a:schemeClr val="dk1"/>
+          </a:lnRef>
+          <a:fillRef idx="0">
+            <a:schemeClr val="dk1"/>
+          </a:fillRef>
+          <a:effectRef idx="0">
+            <a:schemeClr val="dk1"/>
+          </a:effectRef>
+          <a:fontRef idx="minor">
+            <a:schemeClr val="tx1"/>
+          </a:fontRef>
+        </p:style>
+        <p:txBody>
+          <a:bodyPr rtlCol="0" anchor="ctr"/>
+          <a:lstStyle/>
+          <a:p>
+            <a:pPr algn="ctr"/>
+            <a:endParaRPr lang="en-SG"/>
+          </a:p>
+        </p:txBody>
+      </p:sp>
+      <p:sp>
+        <p:nvSpPr>
+          <p:cNvPr id="44" name="Freeform: Shape 43">
+            <a:extLst>
+              <a:ext uri="{FF2B5EF4-FFF2-40B4-BE49-F238E27FC236}">
+                <a16:creationId xmlns:a16="http://schemas.microsoft.com/office/drawing/2014/main" id="{FB0E628F-B5EC-42CD-B88B-4658DE145A7B}"/>
+              </a:ext>
+            </a:extLst>
+          </p:cNvPr>
+          <p:cNvSpPr/>
+          <p:nvPr/>
+        </p:nvSpPr>
+        <p:spPr>
+          <a:xfrm rot="1032251">
+            <a:off x="6605266" y="2030527"/>
+            <a:ext cx="86684" cy="416905"/>
+          </a:xfrm>
+          <a:custGeom>
+            <a:avLst/>
+            <a:gdLst>
+              <a:gd name="connsiteX0" fmla="*/ 0 w 132331"/>
+              <a:gd name="connsiteY0" fmla="*/ 0 h 400833"/>
+              <a:gd name="connsiteX1" fmla="*/ 112734 w 132331"/>
+              <a:gd name="connsiteY1" fmla="*/ 169102 h 400833"/>
+              <a:gd name="connsiteX2" fmla="*/ 131523 w 132331"/>
+              <a:gd name="connsiteY2" fmla="*/ 400833 h 400833"/>
+            </a:gdLst>
+            <a:ahLst/>
+            <a:cxnLst>
+              <a:cxn ang="0">
+                <a:pos x="connsiteX0" y="connsiteY0"/>
+              </a:cxn>
+              <a:cxn ang="0">
+                <a:pos x="connsiteX1" y="connsiteY1"/>
+              </a:cxn>
+              <a:cxn ang="0">
+                <a:pos x="connsiteX2" y="connsiteY2"/>
+              </a:cxn>
+            </a:cxnLst>
+            <a:rect l="l" t="t" r="r" b="b"/>
+            <a:pathLst>
+              <a:path w="132331" h="400833">
+                <a:moveTo>
+                  <a:pt x="0" y="0"/>
+                </a:moveTo>
+                <a:cubicBezTo>
+                  <a:pt x="45407" y="51148"/>
+                  <a:pt x="90814" y="102297"/>
+                  <a:pt x="112734" y="169102"/>
+                </a:cubicBezTo>
+                <a:cubicBezTo>
+                  <a:pt x="134654" y="235907"/>
+                  <a:pt x="133088" y="318370"/>
+                  <a:pt x="131523" y="400833"/>
+                </a:cubicBezTo>
+              </a:path>
+            </a:pathLst>
+          </a:custGeom>
+        </p:spPr>
+        <p:style>
+          <a:lnRef idx="1">
+            <a:schemeClr val="dk1"/>
+          </a:lnRef>
+          <a:fillRef idx="0">
+            <a:schemeClr val="dk1"/>
+          </a:fillRef>
+          <a:effectRef idx="0">
+            <a:schemeClr val="dk1"/>
+          </a:effectRef>
+          <a:fontRef idx="minor">
+            <a:schemeClr val="tx1"/>
+          </a:fontRef>
+        </p:style>
+        <p:txBody>
+          <a:bodyPr rtlCol="0" anchor="ctr"/>
+          <a:lstStyle/>
+          <a:p>
+            <a:pPr algn="ctr"/>
+            <a:endParaRPr lang="en-SG"/>
+          </a:p>
+        </p:txBody>
+      </p:sp>
+      <mc:AlternateContent xmlns:mc="http://schemas.openxmlformats.org/markup-compatibility/2006">
+        <mc:Choice xmlns:a14="http://schemas.microsoft.com/office/drawing/2010/main" Requires="a14">
+          <p:sp>
+            <p:nvSpPr>
+              <p:cNvPr id="45" name="TextBox 44">
+                <a:extLst>
+                  <a:ext uri="{FF2B5EF4-FFF2-40B4-BE49-F238E27FC236}">
+                    <a16:creationId xmlns:a16="http://schemas.microsoft.com/office/drawing/2014/main" id="{F26EB88E-8B6C-41FD-9F5D-8E0CB8CF1C01}"/>
+                  </a:ext>
+                </a:extLst>
+              </p:cNvPr>
+              <p:cNvSpPr txBox="1"/>
+              <p:nvPr/>
+            </p:nvSpPr>
+            <p:spPr>
+              <a:xfrm>
+                <a:off x="6820560" y="2083424"/>
+                <a:ext cx="488515" cy="400110"/>
+              </a:xfrm>
+              <a:prstGeom prst="rect">
+                <a:avLst/>
+              </a:prstGeom>
+              <a:noFill/>
+            </p:spPr>
+            <p:txBody>
+              <a:bodyPr wrap="square" rtlCol="0">
+                <a:spAutoFit/>
+              </a:bodyPr>
+              <a:lstStyle/>
+              <a:p>
+                <a14:m>
+                  <m:oMathPara xmlns:m="http://schemas.openxmlformats.org/officeDocument/2006/math">
+                    <m:oMathParaPr>
+                      <m:jc m:val="centerGroup"/>
+                    </m:oMathParaPr>
+                    <m:oMath xmlns:m="http://schemas.openxmlformats.org/officeDocument/2006/math">
+                      <m:sSub>
+                        <m:sSubPr>
+                          <m:ctrlPr>
+                            <a:rPr lang="en-GB" sz="2000" b="0" i="1" smtClean="0">
+                              <a:latin typeface="Cambria Math" panose="02040503050406030204" pitchFamily="18" charset="0"/>
+                              <a:ea typeface="Cambria Math" panose="02040503050406030204" pitchFamily="18" charset="0"/>
+                            </a:rPr>
+                          </m:ctrlPr>
+                        </m:sSubPr>
+                        <m:e>
+                          <m:r>
+                            <a:rPr lang="en-GB" sz="2000" b="0" i="1" smtClean="0">
+                              <a:latin typeface="Cambria Math" panose="02040503050406030204" pitchFamily="18" charset="0"/>
+                              <a:ea typeface="Cambria Math" panose="02040503050406030204" pitchFamily="18" charset="0"/>
+                            </a:rPr>
+                            <m:t>𝛼</m:t>
+                          </m:r>
+                        </m:e>
+                        <m:sub/>
+                      </m:sSub>
+                    </m:oMath>
+                  </m:oMathPara>
+                </a14:m>
+                <a:endParaRPr lang="en-SG" sz="2000" dirty="0"/>
+              </a:p>
+            </p:txBody>
+          </p:sp>
+        </mc:Choice>
+        <mc:Fallback>
+          <p:sp>
+            <p:nvSpPr>
+              <p:cNvPr id="45" name="TextBox 44">
+                <a:extLst>
+                  <a:ext uri="{FF2B5EF4-FFF2-40B4-BE49-F238E27FC236}">
+                    <a16:creationId xmlns:a16="http://schemas.microsoft.com/office/drawing/2014/main" id="{F26EB88E-8B6C-41FD-9F5D-8E0CB8CF1C01}"/>
+                  </a:ext>
+                </a:extLst>
+              </p:cNvPr>
+              <p:cNvSpPr txBox="1">
+                <a:spLocks noRot="1" noChangeAspect="1" noMove="1" noResize="1" noEditPoints="1" noAdjustHandles="1" noChangeArrowheads="1" noChangeShapeType="1" noTextEdit="1"/>
+              </p:cNvSpPr>
+              <p:nvPr/>
+            </p:nvSpPr>
+            <p:spPr>
+              <a:xfrm>
+                <a:off x="6820560" y="2083424"/>
+                <a:ext cx="488515" cy="400110"/>
+              </a:xfrm>
+              <a:prstGeom prst="rect">
+                <a:avLst/>
+              </a:prstGeom>
+              <a:blipFill>
+                <a:blip r:embed="rId6"/>
+                <a:stretch>
+                  <a:fillRect/>
+                </a:stretch>
+              </a:blipFill>
+            </p:spPr>
+            <p:txBody>
+              <a:bodyPr/>
+              <a:lstStyle/>
+              <a:p>
+                <a:r>
+                  <a:rPr lang="en-SG">
+                    <a:noFill/>
+                  </a:rPr>
+                  <a:t> </a:t>
+                </a:r>
+              </a:p>
+            </p:txBody>
+          </p:sp>
+        </mc:Fallback>
+      </mc:AlternateContent>
+      <p:pic>
+        <p:nvPicPr>
+          <p:cNvPr id="47" name="Picture 46" descr="A picture containing furniture&#10;&#10;Description generated with high confidence">
+            <a:extLst>
+              <a:ext uri="{FF2B5EF4-FFF2-40B4-BE49-F238E27FC236}">
+                <a16:creationId xmlns:a16="http://schemas.microsoft.com/office/drawing/2014/main" id="{FA2C6E11-94EF-4778-B364-6429C6D5AD03}"/>
+              </a:ext>
+            </a:extLst>
+          </p:cNvPr>
+          <p:cNvPicPr>
+            <a:picLocks noChangeAspect="1"/>
+          </p:cNvPicPr>
+          <p:nvPr/>
+        </p:nvPicPr>
+        <p:blipFill>
+          <a:blip r:embed="rId7">
+            <a:extLst>
+              <a:ext uri="{28A0092B-C50C-407E-A947-70E740481C1C}">
+                <a14:useLocalDpi xmlns:a14="http://schemas.microsoft.com/office/drawing/2010/main" val="0"/>
+              </a:ext>
+            </a:extLst>
+          </a:blip>
+          <a:stretch>
+            <a:fillRect/>
+          </a:stretch>
+        </p:blipFill>
+        <p:spPr>
+          <a:xfrm>
+            <a:off x="1253729" y="1846714"/>
+            <a:ext cx="3029044" cy="470438"/>
+          </a:xfrm>
+          <a:prstGeom prst="rect">
+            <a:avLst/>
+          </a:prstGeom>
+        </p:spPr>
+      </p:pic>
+      <mc:AlternateContent xmlns:mc="http://schemas.openxmlformats.org/markup-compatibility/2006">
+        <mc:Choice xmlns:a14="http://schemas.microsoft.com/office/drawing/2010/main" Requires="a14">
+          <p:sp>
+            <p:nvSpPr>
+              <p:cNvPr id="48" name="TextBox 47">
+                <a:extLst>
+                  <a:ext uri="{FF2B5EF4-FFF2-40B4-BE49-F238E27FC236}">
+                    <a16:creationId xmlns:a16="http://schemas.microsoft.com/office/drawing/2014/main" id="{38D41CDC-24BA-445C-9E04-405A44A1750F}"/>
+                  </a:ext>
+                </a:extLst>
+              </p:cNvPr>
+              <p:cNvSpPr txBox="1"/>
+              <p:nvPr/>
+            </p:nvSpPr>
+            <p:spPr>
+              <a:xfrm>
+                <a:off x="6171155" y="2975909"/>
+                <a:ext cx="897232" cy="276999"/>
+              </a:xfrm>
+              <a:prstGeom prst="rect">
+                <a:avLst/>
+              </a:prstGeom>
+              <a:noFill/>
+            </p:spPr>
+            <p:txBody>
+              <a:bodyPr wrap="none" lIns="0" tIns="0" rIns="0" bIns="0" rtlCol="0">
+                <a:spAutoFit/>
+              </a:bodyPr>
+              <a:lstStyle/>
+              <a:p>
+                <a14:m>
+                  <m:oMathPara xmlns:m="http://schemas.openxmlformats.org/officeDocument/2006/math">
+                    <m:oMathParaPr>
+                      <m:jc m:val="centerGroup"/>
+                    </m:oMathParaPr>
+                    <m:oMath xmlns:m="http://schemas.openxmlformats.org/officeDocument/2006/math">
+                      <m:r>
+                        <a:rPr lang="en-SG" b="0" i="1" smtClean="0">
+                          <a:latin typeface="Cambria Math" panose="02040503050406030204" pitchFamily="18" charset="0"/>
+                        </a:rPr>
+                        <m:t>𝑅</m:t>
+                      </m:r>
+                      <m:r>
+                        <a:rPr lang="en-SG" b="0" i="1" smtClean="0">
+                          <a:latin typeface="Cambria Math" panose="02040503050406030204" pitchFamily="18" charset="0"/>
+                        </a:rPr>
+                        <m:t>=</m:t>
+                      </m:r>
+                      <m:sSub>
+                        <m:sSubPr>
+                          <m:ctrlPr>
+                            <a:rPr lang="en-SG" b="0" i="1" smtClean="0">
+                              <a:latin typeface="Cambria Math" panose="02040503050406030204" pitchFamily="18" charset="0"/>
+                            </a:rPr>
+                          </m:ctrlPr>
+                        </m:sSubPr>
+                        <m:e>
+                          <m:r>
+                            <a:rPr lang="en-SG" b="0" i="1" smtClean="0">
+                              <a:latin typeface="Cambria Math" panose="02040503050406030204" pitchFamily="18" charset="0"/>
+                            </a:rPr>
+                            <m:t>𝐷</m:t>
+                          </m:r>
+                        </m:e>
+                        <m:sub>
+                          <m:r>
+                            <a:rPr lang="en-SG" b="0" i="1" smtClean="0">
+                              <a:latin typeface="Cambria Math" panose="02040503050406030204" pitchFamily="18" charset="0"/>
+                            </a:rPr>
+                            <m:t>𝐿</m:t>
+                          </m:r>
+                        </m:sub>
+                      </m:sSub>
+                      <m:r>
+                        <a:rPr lang="en-SG" b="0" i="1" smtClean="0">
+                          <a:latin typeface="Cambria Math" panose="02040503050406030204" pitchFamily="18" charset="0"/>
+                        </a:rPr>
+                        <m:t>𝜃</m:t>
+                      </m:r>
+                    </m:oMath>
+                  </m:oMathPara>
+                </a14:m>
+                <a:endParaRPr lang="en-SG" dirty="0"/>
+              </a:p>
+            </p:txBody>
+          </p:sp>
+        </mc:Choice>
+        <mc:Fallback>
+          <p:sp>
+            <p:nvSpPr>
+              <p:cNvPr id="48" name="TextBox 47">
+                <a:extLst>
+                  <a:ext uri="{FF2B5EF4-FFF2-40B4-BE49-F238E27FC236}">
+                    <a16:creationId xmlns:a16="http://schemas.microsoft.com/office/drawing/2014/main" id="{38D41CDC-24BA-445C-9E04-405A44A1750F}"/>
+                  </a:ext>
+                </a:extLst>
+              </p:cNvPr>
+              <p:cNvSpPr txBox="1">
+                <a:spLocks noRot="1" noChangeAspect="1" noMove="1" noResize="1" noEditPoints="1" noAdjustHandles="1" noChangeArrowheads="1" noChangeShapeType="1" noTextEdit="1"/>
+              </p:cNvSpPr>
+              <p:nvPr/>
+            </p:nvSpPr>
+            <p:spPr>
+              <a:xfrm>
+                <a:off x="6171155" y="2975909"/>
+                <a:ext cx="897232" cy="276999"/>
+              </a:xfrm>
+              <a:prstGeom prst="rect">
+                <a:avLst/>
+              </a:prstGeom>
+              <a:blipFill>
+                <a:blip r:embed="rId8"/>
+                <a:stretch>
+                  <a:fillRect l="-5405" r="-5405" b="-15217"/>
+                </a:stretch>
+              </a:blipFill>
+            </p:spPr>
+            <p:txBody>
+              <a:bodyPr/>
+              <a:lstStyle/>
+              <a:p>
+                <a:r>
+                  <a:rPr lang="en-SG">
+                    <a:noFill/>
+                  </a:rPr>
+                  <a:t> </a:t>
+                </a:r>
+              </a:p>
+            </p:txBody>
+          </p:sp>
+        </mc:Fallback>
+      </mc:AlternateContent>
+      <mc:AlternateContent xmlns:mc="http://schemas.openxmlformats.org/markup-compatibility/2006">
+        <mc:Choice xmlns:a14="http://schemas.microsoft.com/office/drawing/2010/main" Requires="a14">
+          <p:sp>
+            <p:nvSpPr>
+              <p:cNvPr id="49" name="TextBox 48">
+                <a:extLst>
+                  <a:ext uri="{FF2B5EF4-FFF2-40B4-BE49-F238E27FC236}">
+                    <a16:creationId xmlns:a16="http://schemas.microsoft.com/office/drawing/2014/main" id="{4D9CB3BF-4A94-4812-876C-08F1B01F4F7B}"/>
+                  </a:ext>
+                </a:extLst>
+              </p:cNvPr>
+              <p:cNvSpPr txBox="1"/>
+              <p:nvPr/>
+            </p:nvSpPr>
+            <p:spPr>
+              <a:xfrm>
+                <a:off x="5668056" y="3436966"/>
+                <a:ext cx="255711" cy="276999"/>
+              </a:xfrm>
+              <a:prstGeom prst="rect">
+                <a:avLst/>
+              </a:prstGeom>
+              <a:noFill/>
+            </p:spPr>
+            <p:txBody>
+              <a:bodyPr wrap="none" lIns="0" tIns="0" rIns="0" bIns="0" rtlCol="0">
+                <a:spAutoFit/>
+              </a:bodyPr>
+              <a:lstStyle/>
+              <a:p>
+                <a14:m>
+                  <m:oMathPara xmlns:m="http://schemas.openxmlformats.org/officeDocument/2006/math">
+                    <m:oMathParaPr>
+                      <m:jc m:val="centerGroup"/>
+                    </m:oMathParaPr>
+                    <m:oMath xmlns:m="http://schemas.openxmlformats.org/officeDocument/2006/math">
+                      <m:r>
+                        <a:rPr lang="en-SG" b="0" i="1" smtClean="0">
+                          <a:latin typeface="Cambria Math" panose="02040503050406030204" pitchFamily="18" charset="0"/>
+                        </a:rPr>
+                        <m:t>𝑀</m:t>
+                      </m:r>
+                    </m:oMath>
+                  </m:oMathPara>
+                </a14:m>
+                <a:endParaRPr lang="en-SG" dirty="0"/>
+              </a:p>
+            </p:txBody>
+          </p:sp>
+        </mc:Choice>
+        <mc:Fallback>
+          <p:sp>
+            <p:nvSpPr>
+              <p:cNvPr id="49" name="TextBox 48">
+                <a:extLst>
+                  <a:ext uri="{FF2B5EF4-FFF2-40B4-BE49-F238E27FC236}">
+                    <a16:creationId xmlns:a16="http://schemas.microsoft.com/office/drawing/2014/main" id="{4D9CB3BF-4A94-4812-876C-08F1B01F4F7B}"/>
+                  </a:ext>
+                </a:extLst>
+              </p:cNvPr>
+              <p:cNvSpPr txBox="1">
+                <a:spLocks noRot="1" noChangeAspect="1" noMove="1" noResize="1" noEditPoints="1" noAdjustHandles="1" noChangeArrowheads="1" noChangeShapeType="1" noTextEdit="1"/>
+              </p:cNvSpPr>
+              <p:nvPr/>
+            </p:nvSpPr>
+            <p:spPr>
+              <a:xfrm>
+                <a:off x="5668056" y="3436966"/>
+                <a:ext cx="255711" cy="276999"/>
+              </a:xfrm>
+              <a:prstGeom prst="rect">
+                <a:avLst/>
+              </a:prstGeom>
+              <a:blipFill>
+                <a:blip r:embed="rId9"/>
+                <a:stretch>
+                  <a:fillRect l="-23810" r="-16667" b="-6667"/>
+                </a:stretch>
+              </a:blipFill>
+            </p:spPr>
+            <p:txBody>
+              <a:bodyPr/>
+              <a:lstStyle/>
+              <a:p>
+                <a:r>
+                  <a:rPr lang="en-SG">
+                    <a:noFill/>
+                  </a:rPr>
+                  <a:t> </a:t>
+                </a:r>
+              </a:p>
+            </p:txBody>
+          </p:sp>
+        </mc:Fallback>
+      </mc:AlternateContent>
+    </p:spTree>
+    <p:extLst>
+      <p:ext uri="{BB962C8B-B14F-4D97-AF65-F5344CB8AC3E}">
+        <p14:creationId xmlns:p14="http://schemas.microsoft.com/office/powerpoint/2010/main" val="3549175540"/>
       </p:ext>
     </p:extLst>
   </p:cSld>
@@ -13552,8 +15703,12 @@
           <a:lstStyle/>
           <a:p>
             <a:r>
+              <a:rPr lang="en-SG" b="1" dirty="0"/>
+              <a:t>Introduction: </a:t>
+            </a:r>
+            <a:r>
               <a:rPr lang="en-SG" dirty="0"/>
-              <a:t>Gravitational lensing equations</a:t>
+              <a:t>gravitational lensing</a:t>
             </a:r>
           </a:p>
         </p:txBody>
@@ -13596,10 +15751,10 @@
       </p:pic>
       <p:pic>
         <p:nvPicPr>
-          <p:cNvPr id="27" name="Graphic 26">
-            <a:extLst>
-              <a:ext uri="{FF2B5EF4-FFF2-40B4-BE49-F238E27FC236}">
-                <a16:creationId xmlns:a16="http://schemas.microsoft.com/office/drawing/2014/main" id="{130F481B-EBE6-42BA-9AD9-CF6050345908}"/>
+          <p:cNvPr id="25" name="Graphic 24">
+            <a:extLst>
+              <a:ext uri="{FF2B5EF4-FFF2-40B4-BE49-F238E27FC236}">
+                <a16:creationId xmlns:a16="http://schemas.microsoft.com/office/drawing/2014/main" id="{EE92584C-9B15-4C40-8BB4-B92EA6662045}"/>
               </a:ext>
             </a:extLst>
           </p:cNvPr>
@@ -13625,8 +15780,8 @@
         </p:blipFill>
         <p:spPr>
           <a:xfrm>
-            <a:off x="1253729" y="2890593"/>
-            <a:ext cx="4937300" cy="731452"/>
+            <a:off x="1109680" y="2467333"/>
+            <a:ext cx="4208367" cy="623463"/>
           </a:xfrm>
           <a:prstGeom prst="rect">
             <a:avLst/>
@@ -13635,10 +15790,10 @@
       </p:pic>
       <p:pic>
         <p:nvPicPr>
-          <p:cNvPr id="28" name="Graphic 27">
-            <a:extLst>
-              <a:ext uri="{FF2B5EF4-FFF2-40B4-BE49-F238E27FC236}">
-                <a16:creationId xmlns:a16="http://schemas.microsoft.com/office/drawing/2014/main" id="{6CF646DA-1D61-4A64-84FA-BC38AF0901B9}"/>
+          <p:cNvPr id="26" name="Graphic 25">
+            <a:extLst>
+              <a:ext uri="{FF2B5EF4-FFF2-40B4-BE49-F238E27FC236}">
+                <a16:creationId xmlns:a16="http://schemas.microsoft.com/office/drawing/2014/main" id="{D67B8C29-C2D1-4DE4-AD6C-7FC65A79539F}"/>
               </a:ext>
             </a:extLst>
           </p:cNvPr>
@@ -13664,8 +15819,125 @@
         </p:blipFill>
         <p:spPr>
           <a:xfrm>
-            <a:off x="1253729" y="3760711"/>
-            <a:ext cx="5982232" cy="731452"/>
+            <a:off x="1109680" y="3337451"/>
+            <a:ext cx="5099028" cy="623463"/>
+          </a:xfrm>
+          <a:prstGeom prst="rect">
+            <a:avLst/>
+          </a:prstGeom>
+        </p:spPr>
+      </p:pic>
+      <p:pic>
+        <p:nvPicPr>
+          <p:cNvPr id="6" name="Graphic 5">
+            <a:extLst>
+              <a:ext uri="{FF2B5EF4-FFF2-40B4-BE49-F238E27FC236}">
+                <a16:creationId xmlns:a16="http://schemas.microsoft.com/office/drawing/2014/main" id="{7DCD8A06-4394-4E2F-B508-6A7509F0A2E3}"/>
+              </a:ext>
+            </a:extLst>
+          </p:cNvPr>
+          <p:cNvPicPr>
+            <a:picLocks noChangeAspect="1"/>
+          </p:cNvPicPr>
+          <p:nvPr/>
+        </p:nvPicPr>
+        <p:blipFill>
+          <a:blip r:embed="rId7">
+            <a:extLst>
+              <a:ext uri="{28A0092B-C50C-407E-A947-70E740481C1C}">
+                <a14:useLocalDpi xmlns:a14="http://schemas.microsoft.com/office/drawing/2010/main" val="0"/>
+              </a:ext>
+              <a:ext uri="{96DAC541-7B7A-43D3-8B79-37D633B846F1}">
+                <asvg:svgBlip xmlns:asvg="http://schemas.microsoft.com/office/drawing/2016/SVG/main" r:embed="rId8"/>
+              </a:ext>
+            </a:extLst>
+          </a:blip>
+          <a:stretch>
+            <a:fillRect/>
+          </a:stretch>
+        </p:blipFill>
+        <p:spPr>
+          <a:xfrm>
+            <a:off x="627428" y="4088445"/>
+            <a:ext cx="10270216" cy="909300"/>
+          </a:xfrm>
+          <a:prstGeom prst="rect">
+            <a:avLst/>
+          </a:prstGeom>
+        </p:spPr>
+      </p:pic>
+      <p:pic>
+        <p:nvPicPr>
+          <p:cNvPr id="9" name="Graphic 8">
+            <a:extLst>
+              <a:ext uri="{FF2B5EF4-FFF2-40B4-BE49-F238E27FC236}">
+                <a16:creationId xmlns:a16="http://schemas.microsoft.com/office/drawing/2014/main" id="{E95E75EA-1AA2-4BB1-8A7E-50DA653522DD}"/>
+              </a:ext>
+            </a:extLst>
+          </p:cNvPr>
+          <p:cNvPicPr>
+            <a:picLocks noChangeAspect="1"/>
+          </p:cNvPicPr>
+          <p:nvPr/>
+        </p:nvPicPr>
+        <p:blipFill>
+          <a:blip r:embed="rId9">
+            <a:extLst>
+              <a:ext uri="{28A0092B-C50C-407E-A947-70E740481C1C}">
+                <a14:useLocalDpi xmlns:a14="http://schemas.microsoft.com/office/drawing/2010/main" val="0"/>
+              </a:ext>
+              <a:ext uri="{96DAC541-7B7A-43D3-8B79-37D633B846F1}">
+                <asvg:svgBlip xmlns:asvg="http://schemas.microsoft.com/office/drawing/2016/SVG/main" r:embed="rId10"/>
+              </a:ext>
+            </a:extLst>
+          </a:blip>
+          <a:stretch>
+            <a:fillRect/>
+          </a:stretch>
+        </p:blipFill>
+        <p:spPr>
+          <a:xfrm>
+            <a:off x="2324165" y="5098557"/>
+            <a:ext cx="8402903" cy="755043"/>
+          </a:xfrm>
+          <a:prstGeom prst="rect">
+            <a:avLst/>
+          </a:prstGeom>
+        </p:spPr>
+      </p:pic>
+      <p:pic>
+        <p:nvPicPr>
+          <p:cNvPr id="13" name="Graphic 12">
+            <a:extLst>
+              <a:ext uri="{FF2B5EF4-FFF2-40B4-BE49-F238E27FC236}">
+                <a16:creationId xmlns:a16="http://schemas.microsoft.com/office/drawing/2014/main" id="{8486D4D3-17F0-415A-B44B-AC4BA043448A}"/>
+              </a:ext>
+            </a:extLst>
+          </p:cNvPr>
+          <p:cNvPicPr>
+            <a:picLocks noChangeAspect="1"/>
+          </p:cNvPicPr>
+          <p:nvPr/>
+        </p:nvPicPr>
+        <p:blipFill>
+          <a:blip r:embed="rId11">
+            <a:extLst>
+              <a:ext uri="{28A0092B-C50C-407E-A947-70E740481C1C}">
+                <a14:useLocalDpi xmlns:a14="http://schemas.microsoft.com/office/drawing/2010/main" val="0"/>
+              </a:ext>
+              <a:ext uri="{96DAC541-7B7A-43D3-8B79-37D633B846F1}">
+                <asvg:svgBlip xmlns:asvg="http://schemas.microsoft.com/office/drawing/2016/SVG/main" r:embed="rId12"/>
+              </a:ext>
+            </a:extLst>
+          </a:blip>
+          <a:stretch>
+            <a:fillRect/>
+          </a:stretch>
+        </p:blipFill>
+        <p:spPr>
+          <a:xfrm>
+            <a:off x="2324166" y="5962085"/>
+            <a:ext cx="4668280" cy="755043"/>
           </a:xfrm>
           <a:prstGeom prst="rect">
             <a:avLst/>
@@ -13675,7 +15947,7 @@
     </p:spTree>
     <p:extLst>
       <p:ext uri="{BB962C8B-B14F-4D97-AF65-F5344CB8AC3E}">
-        <p14:creationId xmlns:p14="http://schemas.microsoft.com/office/powerpoint/2010/main" val="3631817730"/>
+        <p14:creationId xmlns:p14="http://schemas.microsoft.com/office/powerpoint/2010/main" val="1791764839"/>
       </p:ext>
     </p:extLst>
   </p:cSld>
@@ -13725,11 +15997,11 @@
           <a:p>
             <a:r>
               <a:rPr lang="en-SG" b="1" dirty="0"/>
-              <a:t>Introduction</a:t>
+              <a:t>Introduction:</a:t>
             </a:r>
             <a:r>
               <a:rPr lang="en-SG" dirty="0"/>
-              <a:t>: our approach</a:t>
+              <a:t> our approach</a:t>
             </a:r>
           </a:p>
         </p:txBody>
@@ -13879,150 +16151,6 @@
       </p:grpSpPr>
       <p:sp>
         <p:nvSpPr>
-          <p:cNvPr id="2" name="Title 1">
-            <a:extLst>
-              <a:ext uri="{FF2B5EF4-FFF2-40B4-BE49-F238E27FC236}">
-                <a16:creationId xmlns:a16="http://schemas.microsoft.com/office/drawing/2014/main" id="{A4F12EE5-9BE0-46A7-AF66-5BBA029FDBD9}"/>
-              </a:ext>
-            </a:extLst>
-          </p:cNvPr>
-          <p:cNvSpPr>
-            <a:spLocks noGrp="1"/>
-          </p:cNvSpPr>
-          <p:nvPr>
-            <p:ph type="title"/>
-          </p:nvPr>
-        </p:nvSpPr>
-        <p:spPr/>
-        <p:txBody>
-          <a:bodyPr/>
-          <a:lstStyle/>
-          <a:p>
-            <a:r>
-              <a:rPr lang="en-SG" b="1" dirty="0"/>
-              <a:t>The project</a:t>
-            </a:r>
-            <a:r>
-              <a:rPr lang="en-SG" dirty="0"/>
-              <a:t>: Investigating the role of the cosmological constant in gravitational lensing</a:t>
-            </a:r>
-          </a:p>
-        </p:txBody>
-      </p:sp>
-      <p:sp>
-        <p:nvSpPr>
-          <p:cNvPr id="3" name="Content Placeholder 2">
-            <a:extLst>
-              <a:ext uri="{FF2B5EF4-FFF2-40B4-BE49-F238E27FC236}">
-                <a16:creationId xmlns:a16="http://schemas.microsoft.com/office/drawing/2014/main" id="{8201A9DB-AE86-4B4F-A77A-B9DA3071B947}"/>
-              </a:ext>
-            </a:extLst>
-          </p:cNvPr>
-          <p:cNvSpPr>
-            <a:spLocks noGrp="1"/>
-          </p:cNvSpPr>
-          <p:nvPr>
-            <p:ph idx="1"/>
-          </p:nvPr>
-        </p:nvSpPr>
-        <p:spPr/>
-        <p:txBody>
-          <a:bodyPr>
-            <a:normAutofit/>
-          </a:bodyPr>
-          <a:lstStyle/>
-          <a:p>
-            <a:r>
-              <a:rPr lang="en-GB" sz="2000" dirty="0"/>
-              <a:t>Both the cosmological constant and gravitational lensing form important parts of our understanding of the universe</a:t>
-            </a:r>
-            <a:endParaRPr lang="en-SG" sz="2000" dirty="0"/>
-          </a:p>
-          <a:p>
-            <a:r>
-              <a:rPr lang="en-GB" sz="2000" dirty="0"/>
-              <a:t>If there is an effect of the cosmological constant in gravitational lensing that is not accounted for, it might come important for future precision cosmology measurements. </a:t>
-            </a:r>
-          </a:p>
-          <a:p>
-            <a:endParaRPr lang="en-SG" sz="2000" dirty="0"/>
-          </a:p>
-          <a:p>
-            <a:r>
-              <a:rPr lang="en-GB" sz="2000" dirty="0"/>
-              <a:t>Mostly analytical</a:t>
-            </a:r>
-            <a:endParaRPr lang="en-SG" sz="2000" dirty="0"/>
-          </a:p>
-          <a:p>
-            <a:r>
-              <a:rPr lang="en-GB" sz="2000" dirty="0"/>
-              <a:t>Islam (1983): Conventional view</a:t>
-            </a:r>
-            <a:endParaRPr lang="en-SG" sz="2000" dirty="0"/>
-          </a:p>
-          <a:p>
-            <a:r>
-              <a:rPr lang="en-GB" sz="2000" dirty="0" err="1"/>
-              <a:t>Rindler</a:t>
-            </a:r>
-            <a:r>
-              <a:rPr lang="en-GB" sz="2000" dirty="0"/>
-              <a:t> and Ishak (2007): Challenged the conventional view</a:t>
-            </a:r>
-            <a:endParaRPr lang="en-SG" sz="2000" dirty="0"/>
-          </a:p>
-          <a:p>
-            <a:pPr fontAlgn="t"/>
-            <a:r>
-              <a:rPr lang="en-SG" sz="2000" dirty="0"/>
-              <a:t>Numerical approach</a:t>
-            </a:r>
-          </a:p>
-          <a:p>
-            <a:pPr fontAlgn="t"/>
-            <a:r>
-              <a:rPr lang="en-SG" sz="2000" dirty="0"/>
-              <a:t>Swiss-cheese model</a:t>
-            </a:r>
-          </a:p>
-          <a:p>
-            <a:endParaRPr lang="en-SG" dirty="0"/>
-          </a:p>
-        </p:txBody>
-      </p:sp>
-    </p:spTree>
-    <p:extLst>
-      <p:ext uri="{BB962C8B-B14F-4D97-AF65-F5344CB8AC3E}">
-        <p14:creationId xmlns:p14="http://schemas.microsoft.com/office/powerpoint/2010/main" val="3580529139"/>
-      </p:ext>
-    </p:extLst>
-  </p:cSld>
-  <p:clrMapOvr>
-    <a:masterClrMapping/>
-  </p:clrMapOvr>
-</p:sld>
-</file>
-
-<file path=ppt/slides/slide8.xml><?xml version="1.0" encoding="utf-8"?>
-<p:sld xmlns:a="http://schemas.openxmlformats.org/drawingml/2006/main" xmlns:r="http://schemas.openxmlformats.org/officeDocument/2006/relationships" xmlns:p="http://schemas.openxmlformats.org/presentationml/2006/main">
-  <p:cSld>
-    <p:spTree>
-      <p:nvGrpSpPr>
-        <p:cNvPr id="1" name=""/>
-        <p:cNvGrpSpPr/>
-        <p:nvPr/>
-      </p:nvGrpSpPr>
-      <p:grpSpPr>
-        <a:xfrm>
-          <a:off x="0" y="0"/>
-          <a:ext cx="0" cy="0"/>
-          <a:chOff x="0" y="0"/>
-          <a:chExt cx="0" cy="0"/>
-        </a:xfrm>
-      </p:grpSpPr>
-      <p:sp>
-        <p:nvSpPr>
           <p:cNvPr id="5" name="Rectangle 4">
             <a:extLst>
               <a:ext uri="{FF2B5EF4-FFF2-40B4-BE49-F238E27FC236}">
@@ -14631,7 +16759,7 @@
 </p:sld>
 </file>
 
-<file path=ppt/slides/slide9.xml><?xml version="1.0" encoding="utf-8"?>
+<file path=ppt/slides/slide8.xml><?xml version="1.0" encoding="utf-8"?>
 <p:sld xmlns:a="http://schemas.openxmlformats.org/drawingml/2006/main" xmlns:r="http://schemas.openxmlformats.org/officeDocument/2006/relationships" xmlns:p="http://schemas.openxmlformats.org/presentationml/2006/main">
   <p:cSld>
     <p:spTree>
@@ -15026,10 +17154,780 @@
           </a:p>
         </p:txBody>
       </p:sp>
+      <p:cxnSp>
+        <p:nvCxnSpPr>
+          <p:cNvPr id="51" name="Straight Arrow Connector 50">
+            <a:extLst>
+              <a:ext uri="{FF2B5EF4-FFF2-40B4-BE49-F238E27FC236}">
+                <a16:creationId xmlns:a16="http://schemas.microsoft.com/office/drawing/2014/main" id="{D666B940-41FE-4D4B-BEDD-873826A6CB17}"/>
+              </a:ext>
+            </a:extLst>
+          </p:cNvPr>
+          <p:cNvCxnSpPr>
+            <a:cxnSpLocks/>
+          </p:cNvCxnSpPr>
+          <p:nvPr/>
+        </p:nvCxnSpPr>
+        <p:spPr>
+          <a:xfrm flipV="1">
+            <a:off x="4443379" y="3546798"/>
+            <a:ext cx="561980" cy="119499"/>
+          </a:xfrm>
+          <a:prstGeom prst="straightConnector1">
+            <a:avLst/>
+          </a:prstGeom>
+          <a:ln w="28575">
+            <a:tailEnd type="triangle"/>
+          </a:ln>
+        </p:spPr>
+        <p:style>
+          <a:lnRef idx="3">
+            <a:schemeClr val="accent3"/>
+          </a:lnRef>
+          <a:fillRef idx="0">
+            <a:schemeClr val="accent3"/>
+          </a:fillRef>
+          <a:effectRef idx="2">
+            <a:schemeClr val="accent3"/>
+          </a:effectRef>
+          <a:fontRef idx="minor">
+            <a:schemeClr val="tx1"/>
+          </a:fontRef>
+        </p:style>
+      </p:cxnSp>
+      <p:sp>
+        <p:nvSpPr>
+          <p:cNvPr id="53" name="TextBox 52">
+            <a:extLst>
+              <a:ext uri="{FF2B5EF4-FFF2-40B4-BE49-F238E27FC236}">
+                <a16:creationId xmlns:a16="http://schemas.microsoft.com/office/drawing/2014/main" id="{DAAC4634-D594-4102-9A7A-EBACEF133004}"/>
+              </a:ext>
+            </a:extLst>
+          </p:cNvPr>
+          <p:cNvSpPr txBox="1"/>
+          <p:nvPr/>
+        </p:nvSpPr>
+        <p:spPr>
+          <a:xfrm rot="21010353">
+            <a:off x="2982140" y="3621509"/>
+            <a:ext cx="1828799" cy="338554"/>
+          </a:xfrm>
+          <a:prstGeom prst="rect">
+            <a:avLst/>
+          </a:prstGeom>
+          <a:noFill/>
+        </p:spPr>
+        <p:txBody>
+          <a:bodyPr wrap="square" rtlCol="0">
+            <a:spAutoFit/>
+          </a:bodyPr>
+          <a:lstStyle/>
+          <a:p>
+            <a:r>
+              <a:rPr lang="en-SG" sz="1600" dirty="0">
+                <a:solidFill>
+                  <a:schemeClr val="bg2">
+                    <a:lumMod val="50000"/>
+                  </a:schemeClr>
+                </a:solidFill>
+              </a:rPr>
+              <a:t>our calculations</a:t>
+            </a:r>
+          </a:p>
+        </p:txBody>
+      </p:sp>
+      <p:sp>
+        <p:nvSpPr>
+          <p:cNvPr id="55" name="TextBox 54">
+            <a:extLst>
+              <a:ext uri="{FF2B5EF4-FFF2-40B4-BE49-F238E27FC236}">
+                <a16:creationId xmlns:a16="http://schemas.microsoft.com/office/drawing/2014/main" id="{37D4C96D-63CA-4B54-97F4-2792F8C163F0}"/>
+              </a:ext>
+            </a:extLst>
+          </p:cNvPr>
+          <p:cNvSpPr txBox="1"/>
+          <p:nvPr/>
+        </p:nvSpPr>
+        <p:spPr>
+          <a:xfrm rot="21010353">
+            <a:off x="3926548" y="2957084"/>
+            <a:ext cx="1828799" cy="338554"/>
+          </a:xfrm>
+          <a:prstGeom prst="rect">
+            <a:avLst/>
+          </a:prstGeom>
+          <a:noFill/>
+        </p:spPr>
+        <p:txBody>
+          <a:bodyPr wrap="square" rtlCol="0">
+            <a:spAutoFit/>
+          </a:bodyPr>
+          <a:lstStyle/>
+          <a:p>
+            <a:r>
+              <a:rPr lang="en-SG" sz="1600" dirty="0">
+                <a:solidFill>
+                  <a:schemeClr val="bg2">
+                    <a:lumMod val="50000"/>
+                  </a:schemeClr>
+                </a:solidFill>
+              </a:rPr>
+              <a:t>light propagation</a:t>
+            </a:r>
+          </a:p>
+        </p:txBody>
+      </p:sp>
+      <p:cxnSp>
+        <p:nvCxnSpPr>
+          <p:cNvPr id="56" name="Straight Arrow Connector 55">
+            <a:extLst>
+              <a:ext uri="{FF2B5EF4-FFF2-40B4-BE49-F238E27FC236}">
+                <a16:creationId xmlns:a16="http://schemas.microsoft.com/office/drawing/2014/main" id="{E09BB1D7-DCBD-4DF3-B96C-D2727048B9F0}"/>
+              </a:ext>
+            </a:extLst>
+          </p:cNvPr>
+          <p:cNvCxnSpPr>
+            <a:cxnSpLocks/>
+          </p:cNvCxnSpPr>
+          <p:nvPr/>
+        </p:nvCxnSpPr>
+        <p:spPr>
+          <a:xfrm flipH="1">
+            <a:off x="3258275" y="3320152"/>
+            <a:ext cx="683749" cy="129074"/>
+          </a:xfrm>
+          <a:prstGeom prst="straightConnector1">
+            <a:avLst/>
+          </a:prstGeom>
+          <a:ln w="28575">
+            <a:tailEnd type="triangle"/>
+          </a:ln>
+        </p:spPr>
+        <p:style>
+          <a:lnRef idx="3">
+            <a:schemeClr val="accent3"/>
+          </a:lnRef>
+          <a:fillRef idx="0">
+            <a:schemeClr val="accent3"/>
+          </a:fillRef>
+          <a:effectRef idx="2">
+            <a:schemeClr val="accent3"/>
+          </a:effectRef>
+          <a:fontRef idx="minor">
+            <a:schemeClr val="tx1"/>
+          </a:fontRef>
+        </p:style>
+      </p:cxnSp>
+      <p:sp>
+        <p:nvSpPr>
+          <p:cNvPr id="3" name="TextBox 2">
+            <a:extLst>
+              <a:ext uri="{FF2B5EF4-FFF2-40B4-BE49-F238E27FC236}">
+                <a16:creationId xmlns:a16="http://schemas.microsoft.com/office/drawing/2014/main" id="{F2FEBAE1-57F5-452C-9647-A74A83E69BD6}"/>
+              </a:ext>
+            </a:extLst>
+          </p:cNvPr>
+          <p:cNvSpPr txBox="1"/>
+          <p:nvPr/>
+        </p:nvSpPr>
+        <p:spPr>
+          <a:xfrm>
+            <a:off x="2090763" y="4282298"/>
+            <a:ext cx="1509386" cy="369332"/>
+          </a:xfrm>
+          <a:prstGeom prst="rect">
+            <a:avLst/>
+          </a:prstGeom>
+          <a:noFill/>
+        </p:spPr>
+        <p:txBody>
+          <a:bodyPr wrap="square" rtlCol="0">
+            <a:spAutoFit/>
+          </a:bodyPr>
+          <a:lstStyle/>
+          <a:p>
+            <a:r>
+              <a:rPr lang="en-SG" dirty="0"/>
+              <a:t>Observer (us)</a:t>
+            </a:r>
+          </a:p>
+        </p:txBody>
+      </p:sp>
+      <p:sp>
+        <p:nvSpPr>
+          <p:cNvPr id="14" name="TextBox 13">
+            <a:extLst>
+              <a:ext uri="{FF2B5EF4-FFF2-40B4-BE49-F238E27FC236}">
+                <a16:creationId xmlns:a16="http://schemas.microsoft.com/office/drawing/2014/main" id="{6CAE9A79-F4B2-4AD8-AF0F-123D385DB394}"/>
+              </a:ext>
+            </a:extLst>
+          </p:cNvPr>
+          <p:cNvSpPr txBox="1"/>
+          <p:nvPr/>
+        </p:nvSpPr>
+        <p:spPr>
+          <a:xfrm>
+            <a:off x="8410548" y="4271541"/>
+            <a:ext cx="952658" cy="369332"/>
+          </a:xfrm>
+          <a:prstGeom prst="rect">
+            <a:avLst/>
+          </a:prstGeom>
+          <a:noFill/>
+        </p:spPr>
+        <p:txBody>
+          <a:bodyPr wrap="square" rtlCol="0">
+            <a:spAutoFit/>
+          </a:bodyPr>
+          <a:lstStyle/>
+          <a:p>
+            <a:r>
+              <a:rPr lang="en-SG" dirty="0"/>
+              <a:t>Source</a:t>
+            </a:r>
+          </a:p>
+        </p:txBody>
+      </p:sp>
     </p:spTree>
     <p:extLst>
       <p:ext uri="{BB962C8B-B14F-4D97-AF65-F5344CB8AC3E}">
-        <p14:creationId xmlns:p14="http://schemas.microsoft.com/office/powerpoint/2010/main" val="803688537"/>
+        <p14:creationId xmlns:p14="http://schemas.microsoft.com/office/powerpoint/2010/main" val="2013283044"/>
+      </p:ext>
+    </p:extLst>
+  </p:cSld>
+  <p:clrMapOvr>
+    <a:masterClrMapping/>
+  </p:clrMapOvr>
+</p:sld>
+</file>
+
+<file path=ppt/slides/slide9.xml><?xml version="1.0" encoding="utf-8"?>
+<p:sld xmlns:a="http://schemas.openxmlformats.org/drawingml/2006/main" xmlns:r="http://schemas.openxmlformats.org/officeDocument/2006/relationships" xmlns:p="http://schemas.openxmlformats.org/presentationml/2006/main">
+  <p:cSld>
+    <p:spTree>
+      <p:nvGrpSpPr>
+        <p:cNvPr id="1" name=""/>
+        <p:cNvGrpSpPr/>
+        <p:nvPr/>
+      </p:nvGrpSpPr>
+      <p:grpSpPr>
+        <a:xfrm>
+          <a:off x="0" y="0"/>
+          <a:ext cx="0" cy="0"/>
+          <a:chOff x="0" y="0"/>
+          <a:chExt cx="0" cy="0"/>
+        </a:xfrm>
+      </p:grpSpPr>
+      <p:sp>
+        <p:nvSpPr>
+          <p:cNvPr id="2" name="Title 1">
+            <a:extLst>
+              <a:ext uri="{FF2B5EF4-FFF2-40B4-BE49-F238E27FC236}">
+                <a16:creationId xmlns:a16="http://schemas.microsoft.com/office/drawing/2014/main" id="{FA5AD027-E320-4806-AE9C-208B8D86BD36}"/>
+              </a:ext>
+            </a:extLst>
+          </p:cNvPr>
+          <p:cNvSpPr>
+            <a:spLocks noGrp="1"/>
+          </p:cNvSpPr>
+          <p:nvPr>
+            <p:ph type="title"/>
+          </p:nvPr>
+        </p:nvSpPr>
+        <p:spPr/>
+        <p:txBody>
+          <a:bodyPr/>
+          <a:lstStyle/>
+          <a:p>
+            <a:r>
+              <a:rPr lang="en-SG" dirty="0"/>
+              <a:t>Propagation of light: an overview</a:t>
+            </a:r>
+          </a:p>
+        </p:txBody>
+      </p:sp>
+      <p:sp>
+        <p:nvSpPr>
+          <p:cNvPr id="7" name="Rectangle: Rounded Corners 6">
+            <a:extLst>
+              <a:ext uri="{FF2B5EF4-FFF2-40B4-BE49-F238E27FC236}">
+                <a16:creationId xmlns:a16="http://schemas.microsoft.com/office/drawing/2014/main" id="{3A42DE37-43FA-4A4F-80A6-D47C4DA2C0CA}"/>
+              </a:ext>
+            </a:extLst>
+          </p:cNvPr>
+          <p:cNvSpPr/>
+          <p:nvPr/>
+        </p:nvSpPr>
+        <p:spPr>
+          <a:xfrm>
+            <a:off x="2008207" y="3443469"/>
+            <a:ext cx="1620456" cy="749461"/>
+          </a:xfrm>
+          <a:prstGeom prst="roundRect">
+            <a:avLst/>
+          </a:prstGeom>
+          <a:ln w="28575"/>
+        </p:spPr>
+        <p:style>
+          <a:lnRef idx="2">
+            <a:schemeClr val="accent5"/>
+          </a:lnRef>
+          <a:fillRef idx="1">
+            <a:schemeClr val="lt1"/>
+          </a:fillRef>
+          <a:effectRef idx="0">
+            <a:schemeClr val="accent5"/>
+          </a:effectRef>
+          <a:fontRef idx="minor">
+            <a:schemeClr val="dk1"/>
+          </a:fontRef>
+        </p:style>
+        <p:txBody>
+          <a:bodyPr rtlCol="0" anchor="ctr"/>
+          <a:lstStyle/>
+          <a:p>
+            <a:pPr algn="ctr"/>
+            <a:r>
+              <a:rPr lang="en-SG" b="1" dirty="0">
+                <a:solidFill>
+                  <a:schemeClr val="tx1"/>
+                </a:solidFill>
+              </a:rPr>
+              <a:t>2. Kottler </a:t>
+            </a:r>
+            <a:r>
+              <a:rPr lang="en-SG" dirty="0">
+                <a:solidFill>
+                  <a:schemeClr val="tx1"/>
+                </a:solidFill>
+              </a:rPr>
+              <a:t>(hole)</a:t>
+            </a:r>
+          </a:p>
+        </p:txBody>
+      </p:sp>
+      <p:sp>
+        <p:nvSpPr>
+          <p:cNvPr id="9" name="Rectangle: Rounded Corners 8">
+            <a:extLst>
+              <a:ext uri="{FF2B5EF4-FFF2-40B4-BE49-F238E27FC236}">
+                <a16:creationId xmlns:a16="http://schemas.microsoft.com/office/drawing/2014/main" id="{88E786E7-C1DB-42A2-9417-015A4639C0AA}"/>
+              </a:ext>
+            </a:extLst>
+          </p:cNvPr>
+          <p:cNvSpPr/>
+          <p:nvPr/>
+        </p:nvSpPr>
+        <p:spPr>
+          <a:xfrm>
+            <a:off x="2008207" y="4971328"/>
+            <a:ext cx="1620456" cy="749461"/>
+          </a:xfrm>
+          <a:prstGeom prst="roundRect">
+            <a:avLst/>
+          </a:prstGeom>
+          <a:ln w="28575"/>
+        </p:spPr>
+        <p:style>
+          <a:lnRef idx="2">
+            <a:schemeClr val="accent5"/>
+          </a:lnRef>
+          <a:fillRef idx="1">
+            <a:schemeClr val="lt1"/>
+          </a:fillRef>
+          <a:effectRef idx="0">
+            <a:schemeClr val="accent5"/>
+          </a:effectRef>
+          <a:fontRef idx="minor">
+            <a:schemeClr val="dk1"/>
+          </a:fontRef>
+        </p:style>
+        <p:txBody>
+          <a:bodyPr rtlCol="0" anchor="ctr"/>
+          <a:lstStyle/>
+          <a:p>
+            <a:pPr algn="ctr"/>
+            <a:r>
+              <a:rPr lang="en-SG" b="1" dirty="0">
+                <a:solidFill>
+                  <a:schemeClr val="tx1"/>
+                </a:solidFill>
+              </a:rPr>
+              <a:t>3. FRW </a:t>
+            </a:r>
+            <a:r>
+              <a:rPr lang="en-SG" dirty="0">
+                <a:solidFill>
+                  <a:schemeClr val="tx1"/>
+                </a:solidFill>
+              </a:rPr>
+              <a:t>(cheese)</a:t>
+            </a:r>
+          </a:p>
+        </p:txBody>
+      </p:sp>
+      <p:cxnSp>
+        <p:nvCxnSpPr>
+          <p:cNvPr id="12" name="Straight Arrow Connector 11">
+            <a:extLst>
+              <a:ext uri="{FF2B5EF4-FFF2-40B4-BE49-F238E27FC236}">
+                <a16:creationId xmlns:a16="http://schemas.microsoft.com/office/drawing/2014/main" id="{4D584F6B-602E-40BF-90F9-B0D4C282FE40}"/>
+              </a:ext>
+            </a:extLst>
+          </p:cNvPr>
+          <p:cNvCxnSpPr>
+            <a:stCxn id="4" idx="2"/>
+            <a:endCxn id="7" idx="0"/>
+          </p:cNvCxnSpPr>
+          <p:nvPr/>
+        </p:nvCxnSpPr>
+        <p:spPr>
+          <a:xfrm>
+            <a:off x="2818435" y="2665071"/>
+            <a:ext cx="0" cy="778398"/>
+          </a:xfrm>
+          <a:prstGeom prst="straightConnector1">
+            <a:avLst/>
+          </a:prstGeom>
+          <a:ln w="28575">
+            <a:tailEnd type="triangle"/>
+          </a:ln>
+        </p:spPr>
+        <p:style>
+          <a:lnRef idx="2">
+            <a:schemeClr val="accent5"/>
+          </a:lnRef>
+          <a:fillRef idx="1">
+            <a:schemeClr val="lt1"/>
+          </a:fillRef>
+          <a:effectRef idx="0">
+            <a:schemeClr val="accent5"/>
+          </a:effectRef>
+          <a:fontRef idx="minor">
+            <a:schemeClr val="dk1"/>
+          </a:fontRef>
+        </p:style>
+      </p:cxnSp>
+      <p:cxnSp>
+        <p:nvCxnSpPr>
+          <p:cNvPr id="14" name="Straight Arrow Connector 13">
+            <a:extLst>
+              <a:ext uri="{FF2B5EF4-FFF2-40B4-BE49-F238E27FC236}">
+                <a16:creationId xmlns:a16="http://schemas.microsoft.com/office/drawing/2014/main" id="{3F732064-553F-461A-A1A5-EF33A6B2AB08}"/>
+              </a:ext>
+            </a:extLst>
+          </p:cNvPr>
+          <p:cNvCxnSpPr>
+            <a:stCxn id="7" idx="2"/>
+            <a:endCxn id="9" idx="0"/>
+          </p:cNvCxnSpPr>
+          <p:nvPr/>
+        </p:nvCxnSpPr>
+        <p:spPr>
+          <a:xfrm>
+            <a:off x="2818435" y="4192930"/>
+            <a:ext cx="0" cy="778398"/>
+          </a:xfrm>
+          <a:prstGeom prst="straightConnector1">
+            <a:avLst/>
+          </a:prstGeom>
+          <a:ln w="28575">
+            <a:tailEnd type="triangle"/>
+          </a:ln>
+        </p:spPr>
+        <p:style>
+          <a:lnRef idx="2">
+            <a:schemeClr val="accent5"/>
+          </a:lnRef>
+          <a:fillRef idx="1">
+            <a:schemeClr val="lt1"/>
+          </a:fillRef>
+          <a:effectRef idx="0">
+            <a:schemeClr val="accent5"/>
+          </a:effectRef>
+          <a:fontRef idx="minor">
+            <a:schemeClr val="dk1"/>
+          </a:fontRef>
+        </p:style>
+      </p:cxnSp>
+      <p:sp>
+        <p:nvSpPr>
+          <p:cNvPr id="8" name="TextBox 7">
+            <a:extLst>
+              <a:ext uri="{FF2B5EF4-FFF2-40B4-BE49-F238E27FC236}">
+                <a16:creationId xmlns:a16="http://schemas.microsoft.com/office/drawing/2014/main" id="{2FC6252B-9F82-4A53-A4DC-DF3CAEE93C6C}"/>
+              </a:ext>
+            </a:extLst>
+          </p:cNvPr>
+          <p:cNvSpPr txBox="1"/>
+          <p:nvPr/>
+        </p:nvSpPr>
+        <p:spPr>
+          <a:xfrm>
+            <a:off x="4434551" y="1804280"/>
+            <a:ext cx="3322898" cy="461665"/>
+          </a:xfrm>
+          <a:prstGeom prst="rect">
+            <a:avLst/>
+          </a:prstGeom>
+          <a:noFill/>
+        </p:spPr>
+        <p:txBody>
+          <a:bodyPr wrap="square" rtlCol="0">
+            <a:spAutoFit/>
+          </a:bodyPr>
+          <a:lstStyle/>
+          <a:p>
+            <a:r>
+              <a:rPr lang="en-SG" sz="2400" b="1" dirty="0"/>
+              <a:t>General method</a:t>
+            </a:r>
+            <a:endParaRPr lang="en-SG" sz="2400" dirty="0">
+              <a:latin typeface="Latin Modern Math" panose="02000503000000000000" pitchFamily="50" charset="0"/>
+              <a:ea typeface="Latin Modern Math" panose="02000503000000000000" pitchFamily="50" charset="0"/>
+            </a:endParaRPr>
+          </a:p>
+        </p:txBody>
+      </p:sp>
+      <p:sp>
+        <p:nvSpPr>
+          <p:cNvPr id="4" name="Rectangle: Rounded Corners 3">
+            <a:extLst>
+              <a:ext uri="{FF2B5EF4-FFF2-40B4-BE49-F238E27FC236}">
+                <a16:creationId xmlns:a16="http://schemas.microsoft.com/office/drawing/2014/main" id="{40631C33-2486-47B6-BC73-BF70477A2511}"/>
+              </a:ext>
+            </a:extLst>
+          </p:cNvPr>
+          <p:cNvSpPr/>
+          <p:nvPr/>
+        </p:nvSpPr>
+        <p:spPr>
+          <a:xfrm>
+            <a:off x="2008207" y="1915610"/>
+            <a:ext cx="1620456" cy="749461"/>
+          </a:xfrm>
+          <a:prstGeom prst="roundRect">
+            <a:avLst/>
+          </a:prstGeom>
+          <a:ln w="28575"/>
+        </p:spPr>
+        <p:style>
+          <a:lnRef idx="2">
+            <a:schemeClr val="accent5"/>
+          </a:lnRef>
+          <a:fillRef idx="1">
+            <a:schemeClr val="lt1"/>
+          </a:fillRef>
+          <a:effectRef idx="0">
+            <a:schemeClr val="accent5"/>
+          </a:effectRef>
+          <a:fontRef idx="minor">
+            <a:schemeClr val="dk1"/>
+          </a:fontRef>
+        </p:style>
+        <p:txBody>
+          <a:bodyPr rtlCol="0" anchor="ctr"/>
+          <a:lstStyle/>
+          <a:p>
+            <a:pPr algn="ctr"/>
+            <a:r>
+              <a:rPr lang="en-SG" b="1" dirty="0"/>
+              <a:t>1. FRW </a:t>
+            </a:r>
+            <a:r>
+              <a:rPr lang="en-SG" dirty="0"/>
+              <a:t>(cheese)</a:t>
+            </a:r>
+          </a:p>
+        </p:txBody>
+      </p:sp>
+      <p:sp>
+        <p:nvSpPr>
+          <p:cNvPr id="3" name="TextBox 2">
+            <a:extLst>
+              <a:ext uri="{FF2B5EF4-FFF2-40B4-BE49-F238E27FC236}">
+                <a16:creationId xmlns:a16="http://schemas.microsoft.com/office/drawing/2014/main" id="{C942288A-D191-4D27-9AE7-1FDFF989A114}"/>
+              </a:ext>
+            </a:extLst>
+          </p:cNvPr>
+          <p:cNvSpPr txBox="1"/>
+          <p:nvPr/>
+        </p:nvSpPr>
+        <p:spPr>
+          <a:xfrm>
+            <a:off x="4615840" y="2290340"/>
+            <a:ext cx="7114784" cy="4093428"/>
+          </a:xfrm>
+          <a:prstGeom prst="rect">
+            <a:avLst/>
+          </a:prstGeom>
+          <a:noFill/>
+        </p:spPr>
+        <p:txBody>
+          <a:bodyPr wrap="square" rtlCol="0">
+            <a:spAutoFit/>
+          </a:bodyPr>
+          <a:lstStyle/>
+          <a:p>
+            <a:r>
+              <a:rPr lang="en-SG" sz="2000" dirty="0"/>
+              <a:t>To find light path in each region, </a:t>
+            </a:r>
+          </a:p>
+          <a:p>
+            <a:endParaRPr lang="en-SG" sz="2000" dirty="0"/>
+          </a:p>
+          <a:p>
+            <a:pPr marL="342900" indent="-342900">
+              <a:buFont typeface="+mj-lt"/>
+              <a:buAutoNum type="arabicPeriod"/>
+            </a:pPr>
+            <a:r>
+              <a:rPr lang="en-SG" sz="2000" dirty="0"/>
+              <a:t>Write down the metric</a:t>
+            </a:r>
+          </a:p>
+          <a:p>
+            <a:pPr marL="342900" indent="-342900">
+              <a:buFont typeface="+mj-lt"/>
+              <a:buAutoNum type="arabicPeriod"/>
+            </a:pPr>
+            <a:r>
+              <a:rPr lang="en-SG" sz="2000" dirty="0"/>
+              <a:t>Calculate the Christoffel symbols and hence the equations of motion using</a:t>
+            </a:r>
+          </a:p>
+          <a:p>
+            <a:pPr marL="342900" indent="-342900">
+              <a:buFont typeface="+mj-lt"/>
+              <a:buAutoNum type="arabicPeriod"/>
+            </a:pPr>
+            <a:endParaRPr lang="en-SG" sz="2000" dirty="0"/>
+          </a:p>
+          <a:p>
+            <a:endParaRPr lang="en-SG" sz="2000" dirty="0"/>
+          </a:p>
+          <a:p>
+            <a:r>
+              <a:rPr lang="en-SG" sz="2000" dirty="0"/>
+              <a:t>      and the null condition</a:t>
+            </a:r>
+          </a:p>
+          <a:p>
+            <a:pPr marL="342900" indent="-342900">
+              <a:buFont typeface="+mj-lt"/>
+              <a:buAutoNum type="arabicPeriod"/>
+            </a:pPr>
+            <a:endParaRPr lang="en-SG" sz="2000" dirty="0"/>
+          </a:p>
+          <a:p>
+            <a:pPr marL="342900" indent="-342900">
+              <a:buFont typeface="+mj-lt"/>
+              <a:buAutoNum type="arabicPeriod"/>
+            </a:pPr>
+            <a:endParaRPr lang="en-SG" sz="2000" dirty="0"/>
+          </a:p>
+          <a:p>
+            <a:pPr marL="457200" indent="-457200">
+              <a:buFont typeface="+mj-lt"/>
+              <a:buAutoNum type="arabicPeriod" startAt="3"/>
+            </a:pPr>
+            <a:r>
+              <a:rPr lang="en-SG" sz="2000" dirty="0"/>
+              <a:t>Solve the resulting differential equations (numerically or analytically)</a:t>
+            </a:r>
+          </a:p>
+          <a:p>
+            <a:pPr marL="342900" indent="-342900">
+              <a:buFont typeface="+mj-lt"/>
+              <a:buAutoNum type="arabicPeriod" startAt="3"/>
+            </a:pPr>
+            <a:endParaRPr lang="en-SG" sz="2000" dirty="0"/>
+          </a:p>
+        </p:txBody>
+      </p:sp>
+      <p:pic>
+        <p:nvPicPr>
+          <p:cNvPr id="15" name="Graphic 14">
+            <a:extLst>
+              <a:ext uri="{FF2B5EF4-FFF2-40B4-BE49-F238E27FC236}">
+                <a16:creationId xmlns:a16="http://schemas.microsoft.com/office/drawing/2014/main" id="{F29BB8F1-4B7E-4F55-BC8E-63D1D19C3380}"/>
+              </a:ext>
+            </a:extLst>
+          </p:cNvPr>
+          <p:cNvPicPr>
+            <a:picLocks noChangeAspect="1"/>
+          </p:cNvPicPr>
+          <p:nvPr/>
+        </p:nvPicPr>
+        <p:blipFill>
+          <a:blip r:embed="rId2">
+            <a:extLst>
+              <a:ext uri="{28A0092B-C50C-407E-A947-70E740481C1C}">
+                <a14:useLocalDpi xmlns:a14="http://schemas.microsoft.com/office/drawing/2010/main" val="0"/>
+              </a:ext>
+              <a:ext uri="{96DAC541-7B7A-43D3-8B79-37D633B846F1}">
+                <asvg:svgBlip xmlns:asvg="http://schemas.microsoft.com/office/drawing/2016/SVG/main" r:embed="rId3"/>
+              </a:ext>
+            </a:extLst>
+          </a:blip>
+          <a:stretch>
+            <a:fillRect/>
+          </a:stretch>
+        </p:blipFill>
+        <p:spPr>
+          <a:xfrm>
+            <a:off x="5177982" y="3916705"/>
+            <a:ext cx="2762250" cy="552450"/>
+          </a:xfrm>
+          <a:prstGeom prst="rect">
+            <a:avLst/>
+          </a:prstGeom>
+        </p:spPr>
+      </p:pic>
+      <p:pic>
+        <p:nvPicPr>
+          <p:cNvPr id="16" name="Graphic 15">
+            <a:extLst>
+              <a:ext uri="{FF2B5EF4-FFF2-40B4-BE49-F238E27FC236}">
+                <a16:creationId xmlns:a16="http://schemas.microsoft.com/office/drawing/2014/main" id="{3B74AADC-E6A3-4D32-B0B5-7C327C957B3F}"/>
+              </a:ext>
+            </a:extLst>
+          </p:cNvPr>
+          <p:cNvPicPr>
+            <a:picLocks noChangeAspect="1"/>
+          </p:cNvPicPr>
+          <p:nvPr/>
+        </p:nvPicPr>
+        <p:blipFill>
+          <a:blip r:embed="rId4">
+            <a:extLst>
+              <a:ext uri="{28A0092B-C50C-407E-A947-70E740481C1C}">
+                <a14:useLocalDpi xmlns:a14="http://schemas.microsoft.com/office/drawing/2010/main" val="0"/>
+              </a:ext>
+              <a:ext uri="{96DAC541-7B7A-43D3-8B79-37D633B846F1}">
+                <asvg:svgBlip xmlns:asvg="http://schemas.microsoft.com/office/drawing/2016/SVG/main" r:embed="rId5"/>
+              </a:ext>
+            </a:extLst>
+          </a:blip>
+          <a:stretch>
+            <a:fillRect/>
+          </a:stretch>
+        </p:blipFill>
+        <p:spPr>
+          <a:xfrm>
+            <a:off x="5177982" y="4899878"/>
+            <a:ext cx="1104900" cy="333375"/>
+          </a:xfrm>
+          <a:prstGeom prst="rect">
+            <a:avLst/>
+          </a:prstGeom>
+        </p:spPr>
+      </p:pic>
+    </p:spTree>
+    <p:extLst>
+      <p:ext uri="{BB962C8B-B14F-4D97-AF65-F5344CB8AC3E}">
+        <p14:creationId xmlns:p14="http://schemas.microsoft.com/office/powerpoint/2010/main" val="1661932820"/>
       </p:ext>
     </p:extLst>
   </p:cSld>
